--- a/Prepoznavanje ročno napisanih števk.pptx
+++ b/Prepoznavanje ročno napisanih števk.pptx
@@ -5,17 +5,18 @@
     <p:sldMasterId id="2147483672" r:id="rId4"/>
   </p:sldMasterIdLst>
   <p:notesMasterIdLst>
-    <p:notesMasterId r:id="rId10"/>
+    <p:notesMasterId r:id="rId11"/>
   </p:notesMasterIdLst>
   <p:handoutMasterIdLst>
-    <p:handoutMasterId r:id="rId11"/>
+    <p:handoutMasterId r:id="rId12"/>
   </p:handoutMasterIdLst>
   <p:sldIdLst>
     <p:sldId id="256" r:id="rId5"/>
     <p:sldId id="262" r:id="rId6"/>
     <p:sldId id="263" r:id="rId7"/>
-    <p:sldId id="264" r:id="rId8"/>
-    <p:sldId id="265" r:id="rId9"/>
+    <p:sldId id="266" r:id="rId8"/>
+    <p:sldId id="264" r:id="rId9"/>
+    <p:sldId id="265" r:id="rId10"/>
   </p:sldIdLst>
   <p:sldSz cx="12192000" cy="6858000"/>
   <p:notesSz cx="6858000" cy="9144000"/>
@@ -5653,31 +5654,128 @@
           </a:p>
         </p:txBody>
       </p:sp>
-      <p:sp>
-        <p:nvSpPr>
-          <p:cNvPr id="3" name="Content Placeholder 2">
+      <p:pic>
+        <p:nvPicPr>
+          <p:cNvPr id="4" name="Content Placeholder 3">
             <a:extLst>
               <a:ext uri="{FF2B5EF4-FFF2-40B4-BE49-F238E27FC236}">
-                <a16:creationId xmlns:a16="http://schemas.microsoft.com/office/drawing/2014/main" id="{F712E6AB-9BB5-4DD2-8AE5-9A8A430BAA37}"/>
+                <a16:creationId xmlns:a16="http://schemas.microsoft.com/office/drawing/2014/main" id="{B9F96EBD-D148-4CBB-B708-42AD2121C7F3}"/>
               </a:ext>
             </a:extLst>
           </p:cNvPr>
-          <p:cNvSpPr>
-            <a:spLocks noGrp="1"/>
-          </p:cNvSpPr>
+          <p:cNvPicPr>
+            <a:picLocks noGrp="1" noChangeAspect="1"/>
+          </p:cNvPicPr>
           <p:nvPr>
             <p:ph idx="1"/>
           </p:nvPr>
-        </p:nvSpPr>
-        <p:spPr/>
-        <p:txBody>
-          <a:bodyPr/>
-          <a:lstStyle/>
-          <a:p>
-            <a:endParaRPr lang="en-SI"/>
-          </a:p>
-        </p:txBody>
-      </p:sp>
+        </p:nvPicPr>
+        <p:blipFill>
+          <a:blip r:embed="rId2"/>
+          <a:stretch>
+            <a:fillRect/>
+          </a:stretch>
+        </p:blipFill>
+        <p:spPr>
+          <a:xfrm>
+            <a:off x="8635935" y="2270770"/>
+            <a:ext cx="1909027" cy="1909027"/>
+          </a:xfrm>
+          <a:prstGeom prst="rect">
+            <a:avLst/>
+          </a:prstGeom>
+        </p:spPr>
+      </p:pic>
+      <p:pic>
+        <p:nvPicPr>
+          <p:cNvPr id="5" name="Picture 4">
+            <a:extLst>
+              <a:ext uri="{FF2B5EF4-FFF2-40B4-BE49-F238E27FC236}">
+                <a16:creationId xmlns:a16="http://schemas.microsoft.com/office/drawing/2014/main" id="{2A9635E4-A870-4F72-9F42-5598E71A9834}"/>
+              </a:ext>
+            </a:extLst>
+          </p:cNvPr>
+          <p:cNvPicPr>
+            <a:picLocks noChangeAspect="1"/>
+          </p:cNvPicPr>
+          <p:nvPr/>
+        </p:nvPicPr>
+        <p:blipFill>
+          <a:blip r:embed="rId3"/>
+          <a:stretch>
+            <a:fillRect/>
+          </a:stretch>
+        </p:blipFill>
+        <p:spPr>
+          <a:xfrm>
+            <a:off x="1453566" y="2270770"/>
+            <a:ext cx="1432247" cy="1912684"/>
+          </a:xfrm>
+          <a:prstGeom prst="rect">
+            <a:avLst/>
+          </a:prstGeom>
+        </p:spPr>
+      </p:pic>
+      <p:pic>
+        <p:nvPicPr>
+          <p:cNvPr id="6" name="Picture 5">
+            <a:extLst>
+              <a:ext uri="{FF2B5EF4-FFF2-40B4-BE49-F238E27FC236}">
+                <a16:creationId xmlns:a16="http://schemas.microsoft.com/office/drawing/2014/main" id="{425AC61F-005E-47B9-A7F2-24D0BDA3C553}"/>
+              </a:ext>
+            </a:extLst>
+          </p:cNvPr>
+          <p:cNvPicPr>
+            <a:picLocks noChangeAspect="1"/>
+          </p:cNvPicPr>
+          <p:nvPr/>
+        </p:nvPicPr>
+        <p:blipFill>
+          <a:blip r:embed="rId4"/>
+          <a:stretch>
+            <a:fillRect/>
+          </a:stretch>
+        </p:blipFill>
+        <p:spPr>
+          <a:xfrm>
+            <a:off x="8635934" y="4536258"/>
+            <a:ext cx="1909027" cy="1909027"/>
+          </a:xfrm>
+          <a:prstGeom prst="rect">
+            <a:avLst/>
+          </a:prstGeom>
+        </p:spPr>
+      </p:pic>
+      <p:pic>
+        <p:nvPicPr>
+          <p:cNvPr id="8" name="Picture 7">
+            <a:extLst>
+              <a:ext uri="{FF2B5EF4-FFF2-40B4-BE49-F238E27FC236}">
+                <a16:creationId xmlns:a16="http://schemas.microsoft.com/office/drawing/2014/main" id="{B3B3AC3E-F214-4E86-BECF-FA313D58868A}"/>
+              </a:ext>
+            </a:extLst>
+          </p:cNvPr>
+          <p:cNvPicPr>
+            <a:picLocks noChangeAspect="1"/>
+          </p:cNvPicPr>
+          <p:nvPr/>
+        </p:nvPicPr>
+        <p:blipFill>
+          <a:blip r:embed="rId5"/>
+          <a:stretch>
+            <a:fillRect/>
+          </a:stretch>
+        </p:blipFill>
+        <p:spPr>
+          <a:xfrm>
+            <a:off x="1453566" y="4536258"/>
+            <a:ext cx="1432247" cy="1761890"/>
+          </a:xfrm>
+          <a:prstGeom prst="rect">
+            <a:avLst/>
+          </a:prstGeom>
+        </p:spPr>
+      </p:pic>
     </p:spTree>
     <p:extLst>
       <p:ext uri="{BB962C8B-B14F-4D97-AF65-F5344CB8AC3E}">
@@ -5713,6 +5811,113 @@
           <p:cNvPr id="2" name="Title 1">
             <a:extLst>
               <a:ext uri="{FF2B5EF4-FFF2-40B4-BE49-F238E27FC236}">
+                <a16:creationId xmlns:a16="http://schemas.microsoft.com/office/drawing/2014/main" id="{64C82F17-8941-4AAE-ABA4-22428F73E067}"/>
+              </a:ext>
+            </a:extLst>
+          </p:cNvPr>
+          <p:cNvSpPr>
+            <a:spLocks noGrp="1"/>
+          </p:cNvSpPr>
+          <p:nvPr>
+            <p:ph type="title"/>
+          </p:nvPr>
+        </p:nvSpPr>
+        <p:spPr/>
+        <p:txBody>
+          <a:bodyPr/>
+          <a:lstStyle/>
+          <a:p>
+            <a:r>
+              <a:rPr lang="sl-SI" dirty="0"/>
+              <a:t>M</a:t>
+            </a:r>
+            <a:r>
+              <a:rPr lang="en-SI" dirty="0" err="1"/>
+              <a:t>etoda</a:t>
+            </a:r>
+            <a:r>
+              <a:rPr lang="en-SI" dirty="0"/>
+              <a:t> </a:t>
+            </a:r>
+            <a:r>
+              <a:rPr lang="en-SI" dirty="0" err="1"/>
+              <a:t>najmanjših</a:t>
+            </a:r>
+            <a:r>
+              <a:rPr lang="en-SI" dirty="0"/>
+              <a:t> </a:t>
+            </a:r>
+            <a:r>
+              <a:rPr lang="en-SI" dirty="0" err="1"/>
+              <a:t>kvadratov</a:t>
+            </a:r>
+            <a:endParaRPr lang="en-SI" dirty="0"/>
+          </a:p>
+        </p:txBody>
+      </p:sp>
+      <p:sp>
+        <p:nvSpPr>
+          <p:cNvPr id="3" name="Content Placeholder 2">
+            <a:extLst>
+              <a:ext uri="{FF2B5EF4-FFF2-40B4-BE49-F238E27FC236}">
+                <a16:creationId xmlns:a16="http://schemas.microsoft.com/office/drawing/2014/main" id="{630E606C-B921-4403-8FD3-DB5E091E0E11}"/>
+              </a:ext>
+            </a:extLst>
+          </p:cNvPr>
+          <p:cNvSpPr>
+            <a:spLocks noGrp="1"/>
+          </p:cNvSpPr>
+          <p:nvPr>
+            <p:ph idx="1"/>
+          </p:nvPr>
+        </p:nvSpPr>
+        <p:spPr/>
+        <p:txBody>
+          <a:bodyPr anchor="t"/>
+          <a:lstStyle/>
+          <a:p>
+            <a:pPr marL="0" indent="0">
+              <a:buNone/>
+            </a:pPr>
+            <a:endParaRPr lang="en-SI" dirty="0"/>
+          </a:p>
+        </p:txBody>
+      </p:sp>
+    </p:spTree>
+    <p:extLst>
+      <p:ext uri="{BB962C8B-B14F-4D97-AF65-F5344CB8AC3E}">
+        <p14:creationId xmlns:p14="http://schemas.microsoft.com/office/powerpoint/2010/main" val="1614718172"/>
+      </p:ext>
+    </p:extLst>
+  </p:cSld>
+  <p:clrMapOvr>
+    <a:masterClrMapping/>
+  </p:clrMapOvr>
+</p:sld>
+</file>
+
+<file path=ppt/slides/slide5.xml><?xml version="1.0" encoding="utf-8"?>
+<p:sld xmlns:a="http://schemas.openxmlformats.org/drawingml/2006/main" xmlns:r="http://schemas.openxmlformats.org/officeDocument/2006/relationships" xmlns:p="http://schemas.openxmlformats.org/presentationml/2006/main">
+  <p:cSld>
+    <p:spTree>
+      <p:nvGrpSpPr>
+        <p:cNvPr id="1" name=""/>
+        <p:cNvGrpSpPr/>
+        <p:nvPr/>
+      </p:nvGrpSpPr>
+      <p:grpSpPr>
+        <a:xfrm>
+          <a:off x="0" y="0"/>
+          <a:ext cx="0" cy="0"/>
+          <a:chOff x="0" y="0"/>
+          <a:chExt cx="0" cy="0"/>
+        </a:xfrm>
+      </p:grpSpPr>
+      <p:sp>
+        <p:nvSpPr>
+          <p:cNvPr id="2" name="Title 1">
+            <a:extLst>
+              <a:ext uri="{FF2B5EF4-FFF2-40B4-BE49-F238E27FC236}">
                 <a16:creationId xmlns:a16="http://schemas.microsoft.com/office/drawing/2014/main" id="{150F9888-F8AD-400D-809D-C4D705D11672}"/>
               </a:ext>
             </a:extLst>
@@ -5729,6 +5934,38 @@
           <a:bodyPr/>
           <a:lstStyle/>
           <a:p>
+            <a:r>
+              <a:rPr lang="sl-SI" dirty="0"/>
+              <a:t>P</a:t>
+            </a:r>
+            <a:r>
+              <a:rPr lang="en-SI" dirty="0" err="1"/>
+              <a:t>rimerjava</a:t>
+            </a:r>
+            <a:r>
+              <a:rPr lang="en-SI" dirty="0"/>
+              <a:t> ca </a:t>
+            </a:r>
+            <a:r>
+              <a:rPr lang="en-SI" dirty="0" err="1"/>
+              <a:t>pri</a:t>
+            </a:r>
+            <a:r>
+              <a:rPr lang="en-SI" dirty="0"/>
+              <a:t> </a:t>
+            </a:r>
+            <a:r>
+              <a:rPr lang="en-SI" dirty="0" err="1"/>
+              <a:t>obeh</a:t>
+            </a:r>
+            <a:r>
+              <a:rPr lang="en-SI" dirty="0"/>
+              <a:t> </a:t>
+            </a:r>
+            <a:r>
+              <a:rPr lang="en-SI" dirty="0" err="1"/>
+              <a:t>metodah</a:t>
+            </a:r>
             <a:endParaRPr lang="en-SI" dirty="0"/>
           </a:p>
         </p:txBody>
@@ -5749,7 +5986,7 @@
             <p:ph idx="1"/>
             <p:extLst>
               <p:ext uri="{D42A27DB-BD31-4B8C-83A1-F6EECF244321}">
-                <p14:modId xmlns:p14="http://schemas.microsoft.com/office/powerpoint/2010/main" val="232741117"/>
+                <p14:modId xmlns:p14="http://schemas.microsoft.com/office/powerpoint/2010/main" val="244685597"/>
               </p:ext>
             </p:extLst>
           </p:nvPr>
@@ -5933,7 +6170,7 @@
                     <a:p>
                       <a:r>
                         <a:rPr lang="en-SI" dirty="0"/>
-                        <a:t>Z </a:t>
+                        <a:t>S </a:t>
                       </a:r>
                       <a:r>
                         <a:rPr lang="en-SI" dirty="0" err="1"/>
@@ -6019,7 +6256,7 @@
 </p:sld>
 </file>
 
-<file path=ppt/slides/slide5.xml><?xml version="1.0" encoding="utf-8"?>
+<file path=ppt/slides/slide6.xml><?xml version="1.0" encoding="utf-8"?>
 <p:sld xmlns:a="http://schemas.openxmlformats.org/drawingml/2006/main" xmlns:r="http://schemas.openxmlformats.org/officeDocument/2006/relationships" xmlns:p="http://schemas.openxmlformats.org/presentationml/2006/main">
   <p:cSld>
     <p:spTree>
@@ -6071,7 +6308,23 @@
             </a:r>
             <a:r>
               <a:rPr lang="en-SI" i="1" cap="none" dirty="0"/>
-              <a:t>k</a:t>
+              <a:t>k (primer: Bilinear interpolation, </a:t>
+            </a:r>
+            <a:r>
+              <a:rPr lang="en-SI" i="1" cap="none" dirty="0" err="1"/>
+              <a:t>centriranje</a:t>
+            </a:r>
+            <a:r>
+              <a:rPr lang="en-SI" i="1" cap="none" dirty="0"/>
+              <a:t> in </a:t>
+            </a:r>
+            <a:r>
+              <a:rPr lang="en-SI" i="1" cap="none" dirty="0" err="1"/>
+              <a:t>normalizacija</a:t>
+            </a:r>
+            <a:r>
+              <a:rPr lang="en-SI" i="1" cap="none" dirty="0"/>
+              <a:t>)</a:t>
             </a:r>
             <a:endParaRPr lang="en-SI" i="1" dirty="0"/>
           </a:p>

--- a/Prepoznavanje ročno napisanih števk.pptx
+++ b/Prepoznavanje ročno napisanih števk.pptx
@@ -5,18 +5,19 @@
     <p:sldMasterId id="2147483672" r:id="rId4"/>
   </p:sldMasterIdLst>
   <p:notesMasterIdLst>
-    <p:notesMasterId r:id="rId11"/>
+    <p:notesMasterId r:id="rId12"/>
   </p:notesMasterIdLst>
   <p:handoutMasterIdLst>
-    <p:handoutMasterId r:id="rId12"/>
+    <p:handoutMasterId r:id="rId13"/>
   </p:handoutMasterIdLst>
   <p:sldIdLst>
     <p:sldId id="256" r:id="rId5"/>
-    <p:sldId id="262" r:id="rId6"/>
-    <p:sldId id="263" r:id="rId7"/>
+    <p:sldId id="263" r:id="rId6"/>
+    <p:sldId id="262" r:id="rId7"/>
     <p:sldId id="266" r:id="rId8"/>
-    <p:sldId id="264" r:id="rId9"/>
-    <p:sldId id="265" r:id="rId10"/>
+    <p:sldId id="267" r:id="rId9"/>
+    <p:sldId id="264" r:id="rId10"/>
+    <p:sldId id="265" r:id="rId11"/>
   </p:sldIdLst>
   <p:sldSz cx="12192000" cy="6858000"/>
   <p:notesSz cx="6858000" cy="9144000"/>
@@ -5157,6 +5158,323 @@
           <p:cNvPr id="2" name="Title 1">
             <a:extLst>
               <a:ext uri="{FF2B5EF4-FFF2-40B4-BE49-F238E27FC236}">
+                <a16:creationId xmlns:a16="http://schemas.microsoft.com/office/drawing/2014/main" id="{6A46F07E-198D-4F8F-933C-120E3EBCE86E}"/>
+              </a:ext>
+            </a:extLst>
+          </p:cNvPr>
+          <p:cNvSpPr>
+            <a:spLocks noGrp="1"/>
+          </p:cNvSpPr>
+          <p:nvPr>
+            <p:ph type="title"/>
+          </p:nvPr>
+        </p:nvSpPr>
+        <p:spPr/>
+        <p:txBody>
+          <a:bodyPr/>
+          <a:lstStyle/>
+          <a:p>
+            <a:r>
+              <a:rPr lang="en-SI" dirty="0" err="1">
+                <a:solidFill>
+                  <a:srgbClr val="FFFEFF"/>
+                </a:solidFill>
+              </a:rPr>
+              <a:t>Centriranje</a:t>
+            </a:r>
+            <a:r>
+              <a:rPr lang="en-SI" dirty="0">
+                <a:solidFill>
+                  <a:srgbClr val="FFFEFF"/>
+                </a:solidFill>
+              </a:rPr>
+              <a:t> </a:t>
+            </a:r>
+            <a:r>
+              <a:rPr lang="en-SI" dirty="0" err="1">
+                <a:solidFill>
+                  <a:srgbClr val="FFFEFF"/>
+                </a:solidFill>
+              </a:rPr>
+              <a:t>števke</a:t>
+            </a:r>
+            <a:r>
+              <a:rPr lang="en-SI" dirty="0">
+                <a:solidFill>
+                  <a:srgbClr val="FFFEFF"/>
+                </a:solidFill>
+              </a:rPr>
+              <a:t> in </a:t>
+            </a:r>
+            <a:r>
+              <a:rPr lang="en-SI" dirty="0" err="1">
+                <a:solidFill>
+                  <a:srgbClr val="FFFEFF"/>
+                </a:solidFill>
+              </a:rPr>
+              <a:t>normalizacija</a:t>
+            </a:r>
+            <a:r>
+              <a:rPr lang="en-SI" dirty="0">
+                <a:solidFill>
+                  <a:srgbClr val="FFFEFF"/>
+                </a:solidFill>
+              </a:rPr>
+              <a:t> </a:t>
+            </a:r>
+            <a:endParaRPr lang="en-SI" dirty="0"/>
+          </a:p>
+        </p:txBody>
+      </p:sp>
+      <p:pic>
+        <p:nvPicPr>
+          <p:cNvPr id="6" name="Picture 5">
+            <a:extLst>
+              <a:ext uri="{FF2B5EF4-FFF2-40B4-BE49-F238E27FC236}">
+                <a16:creationId xmlns:a16="http://schemas.microsoft.com/office/drawing/2014/main" id="{425AC61F-005E-47B9-A7F2-24D0BDA3C553}"/>
+              </a:ext>
+            </a:extLst>
+          </p:cNvPr>
+          <p:cNvPicPr>
+            <a:picLocks noChangeAspect="1"/>
+          </p:cNvPicPr>
+          <p:nvPr/>
+        </p:nvPicPr>
+        <p:blipFill>
+          <a:blip r:embed="rId2"/>
+          <a:stretch>
+            <a:fillRect/>
+          </a:stretch>
+        </p:blipFill>
+        <p:spPr>
+          <a:xfrm>
+            <a:off x="7767084" y="4216913"/>
+            <a:ext cx="1910356" cy="1910356"/>
+          </a:xfrm>
+          <a:prstGeom prst="rect">
+            <a:avLst/>
+          </a:prstGeom>
+        </p:spPr>
+      </p:pic>
+      <p:pic>
+        <p:nvPicPr>
+          <p:cNvPr id="8" name="Picture 7">
+            <a:extLst>
+              <a:ext uri="{FF2B5EF4-FFF2-40B4-BE49-F238E27FC236}">
+                <a16:creationId xmlns:a16="http://schemas.microsoft.com/office/drawing/2014/main" id="{B3B3AC3E-F214-4E86-BECF-FA313D58868A}"/>
+              </a:ext>
+            </a:extLst>
+          </p:cNvPr>
+          <p:cNvPicPr>
+            <a:picLocks noChangeAspect="1"/>
+          </p:cNvPicPr>
+          <p:nvPr/>
+        </p:nvPicPr>
+        <p:blipFill>
+          <a:blip r:embed="rId3"/>
+          <a:stretch>
+            <a:fillRect/>
+          </a:stretch>
+        </p:blipFill>
+        <p:spPr>
+          <a:xfrm>
+            <a:off x="2077168" y="4216912"/>
+            <a:ext cx="1910355" cy="2350038"/>
+          </a:xfrm>
+          <a:prstGeom prst="rect">
+            <a:avLst/>
+          </a:prstGeom>
+        </p:spPr>
+      </p:pic>
+      <p:pic>
+        <p:nvPicPr>
+          <p:cNvPr id="15" name="Content Placeholder 14">
+            <a:extLst>
+              <a:ext uri="{FF2B5EF4-FFF2-40B4-BE49-F238E27FC236}">
+                <a16:creationId xmlns:a16="http://schemas.microsoft.com/office/drawing/2014/main" id="{8684BD71-4703-4643-8E15-613A6679EDE5}"/>
+              </a:ext>
+            </a:extLst>
+          </p:cNvPr>
+          <p:cNvPicPr>
+            <a:picLocks noGrp="1" noChangeAspect="1"/>
+          </p:cNvPicPr>
+          <p:nvPr>
+            <p:ph idx="1"/>
+          </p:nvPr>
+        </p:nvPicPr>
+        <p:blipFill>
+          <a:blip r:embed="rId4"/>
+          <a:stretch>
+            <a:fillRect/>
+          </a:stretch>
+        </p:blipFill>
+        <p:spPr>
+          <a:xfrm>
+            <a:off x="7767083" y="2056240"/>
+            <a:ext cx="1910355" cy="1910355"/>
+          </a:xfrm>
+          <a:prstGeom prst="rect">
+            <a:avLst/>
+          </a:prstGeom>
+        </p:spPr>
+      </p:pic>
+      <p:pic>
+        <p:nvPicPr>
+          <p:cNvPr id="14" name="Picture 13">
+            <a:extLst>
+              <a:ext uri="{FF2B5EF4-FFF2-40B4-BE49-F238E27FC236}">
+                <a16:creationId xmlns:a16="http://schemas.microsoft.com/office/drawing/2014/main" id="{D6075A47-7434-4B9E-80C8-E748EFD655A6}"/>
+              </a:ext>
+            </a:extLst>
+          </p:cNvPr>
+          <p:cNvPicPr>
+            <a:picLocks noChangeAspect="1"/>
+          </p:cNvPicPr>
+          <p:nvPr/>
+        </p:nvPicPr>
+        <p:blipFill>
+          <a:blip r:embed="rId5"/>
+          <a:stretch>
+            <a:fillRect/>
+          </a:stretch>
+        </p:blipFill>
+        <p:spPr>
+          <a:xfrm>
+            <a:off x="2077168" y="2060600"/>
+            <a:ext cx="1910355" cy="1910355"/>
+          </a:xfrm>
+          <a:prstGeom prst="rect">
+            <a:avLst/>
+          </a:prstGeom>
+        </p:spPr>
+      </p:pic>
+      <p:sp>
+        <p:nvSpPr>
+          <p:cNvPr id="16" name="Arrow: Right 15">
+            <a:extLst>
+              <a:ext uri="{FF2B5EF4-FFF2-40B4-BE49-F238E27FC236}">
+                <a16:creationId xmlns:a16="http://schemas.microsoft.com/office/drawing/2014/main" id="{BD060EB9-4E45-498A-BB0B-4EC47A2277D8}"/>
+              </a:ext>
+            </a:extLst>
+          </p:cNvPr>
+          <p:cNvSpPr/>
+          <p:nvPr/>
+        </p:nvSpPr>
+        <p:spPr>
+          <a:xfrm>
+            <a:off x="4795123" y="2881387"/>
+            <a:ext cx="2164359" cy="260059"/>
+          </a:xfrm>
+          <a:prstGeom prst="rightArrow">
+            <a:avLst/>
+          </a:prstGeom>
+        </p:spPr>
+        <p:style>
+          <a:lnRef idx="2">
+            <a:schemeClr val="accent1">
+              <a:shade val="50000"/>
+            </a:schemeClr>
+          </a:lnRef>
+          <a:fillRef idx="1">
+            <a:schemeClr val="accent1"/>
+          </a:fillRef>
+          <a:effectRef idx="0">
+            <a:schemeClr val="accent1"/>
+          </a:effectRef>
+          <a:fontRef idx="minor">
+            <a:schemeClr val="lt1"/>
+          </a:fontRef>
+        </p:style>
+        <p:txBody>
+          <a:bodyPr rtlCol="0" anchor="ctr"/>
+          <a:lstStyle/>
+          <a:p>
+            <a:pPr algn="ctr"/>
+            <a:endParaRPr lang="en-SI"/>
+          </a:p>
+        </p:txBody>
+      </p:sp>
+      <p:sp>
+        <p:nvSpPr>
+          <p:cNvPr id="17" name="Arrow: Right 16">
+            <a:extLst>
+              <a:ext uri="{FF2B5EF4-FFF2-40B4-BE49-F238E27FC236}">
+                <a16:creationId xmlns:a16="http://schemas.microsoft.com/office/drawing/2014/main" id="{086CE2A9-D85C-4B89-80B1-00DD18BA64C9}"/>
+              </a:ext>
+            </a:extLst>
+          </p:cNvPr>
+          <p:cNvSpPr/>
+          <p:nvPr/>
+        </p:nvSpPr>
+        <p:spPr>
+          <a:xfrm>
+            <a:off x="4795122" y="5042061"/>
+            <a:ext cx="2164359" cy="260059"/>
+          </a:xfrm>
+          <a:prstGeom prst="rightArrow">
+            <a:avLst/>
+          </a:prstGeom>
+        </p:spPr>
+        <p:style>
+          <a:lnRef idx="2">
+            <a:schemeClr val="accent1">
+              <a:shade val="50000"/>
+            </a:schemeClr>
+          </a:lnRef>
+          <a:fillRef idx="1">
+            <a:schemeClr val="accent1"/>
+          </a:fillRef>
+          <a:effectRef idx="0">
+            <a:schemeClr val="accent1"/>
+          </a:effectRef>
+          <a:fontRef idx="minor">
+            <a:schemeClr val="lt1"/>
+          </a:fontRef>
+        </p:style>
+        <p:txBody>
+          <a:bodyPr rtlCol="0" anchor="ctr"/>
+          <a:lstStyle/>
+          <a:p>
+            <a:pPr algn="ctr"/>
+            <a:endParaRPr lang="en-SI"/>
+          </a:p>
+        </p:txBody>
+      </p:sp>
+    </p:spTree>
+    <p:extLst>
+      <p:ext uri="{BB962C8B-B14F-4D97-AF65-F5344CB8AC3E}">
+        <p14:creationId xmlns:p14="http://schemas.microsoft.com/office/powerpoint/2010/main" val="2547304556"/>
+      </p:ext>
+    </p:extLst>
+  </p:cSld>
+  <p:clrMapOvr>
+    <a:masterClrMapping/>
+  </p:clrMapOvr>
+</p:sld>
+</file>
+
+<file path=ppt/slides/slide3.xml><?xml version="1.0" encoding="utf-8"?>
+<p:sld xmlns:a="http://schemas.openxmlformats.org/drawingml/2006/main" xmlns:r="http://schemas.openxmlformats.org/officeDocument/2006/relationships" xmlns:p="http://schemas.openxmlformats.org/presentationml/2006/main">
+  <p:cSld>
+    <p:spTree>
+      <p:nvGrpSpPr>
+        <p:cNvPr id="1" name=""/>
+        <p:cNvGrpSpPr/>
+        <p:nvPr/>
+      </p:nvGrpSpPr>
+      <p:grpSpPr>
+        <a:xfrm>
+          <a:off x="0" y="0"/>
+          <a:ext cx="0" cy="0"/>
+          <a:chOff x="0" y="0"/>
+          <a:chExt cx="0" cy="0"/>
+        </a:xfrm>
+      </p:grpSpPr>
+      <p:sp>
+        <p:nvSpPr>
+          <p:cNvPr id="2" name="Title 1">
+            <a:extLst>
+              <a:ext uri="{FF2B5EF4-FFF2-40B4-BE49-F238E27FC236}">
                 <a16:creationId xmlns:a16="http://schemas.microsoft.com/office/drawing/2014/main" id="{2908DE96-C536-42FC-BD0C-B0502D117FF5}"/>
               </a:ext>
             </a:extLst>
@@ -5564,231 +5882,6 @@
 </p:sld>
 </file>
 
-<file path=ppt/slides/slide3.xml><?xml version="1.0" encoding="utf-8"?>
-<p:sld xmlns:a="http://schemas.openxmlformats.org/drawingml/2006/main" xmlns:r="http://schemas.openxmlformats.org/officeDocument/2006/relationships" xmlns:p="http://schemas.openxmlformats.org/presentationml/2006/main">
-  <p:cSld>
-    <p:spTree>
-      <p:nvGrpSpPr>
-        <p:cNvPr id="1" name=""/>
-        <p:cNvGrpSpPr/>
-        <p:nvPr/>
-      </p:nvGrpSpPr>
-      <p:grpSpPr>
-        <a:xfrm>
-          <a:off x="0" y="0"/>
-          <a:ext cx="0" cy="0"/>
-          <a:chOff x="0" y="0"/>
-          <a:chExt cx="0" cy="0"/>
-        </a:xfrm>
-      </p:grpSpPr>
-      <p:sp>
-        <p:nvSpPr>
-          <p:cNvPr id="2" name="Title 1">
-            <a:extLst>
-              <a:ext uri="{FF2B5EF4-FFF2-40B4-BE49-F238E27FC236}">
-                <a16:creationId xmlns:a16="http://schemas.microsoft.com/office/drawing/2014/main" id="{6A46F07E-198D-4F8F-933C-120E3EBCE86E}"/>
-              </a:ext>
-            </a:extLst>
-          </p:cNvPr>
-          <p:cNvSpPr>
-            <a:spLocks noGrp="1"/>
-          </p:cNvSpPr>
-          <p:nvPr>
-            <p:ph type="title"/>
-          </p:nvPr>
-        </p:nvSpPr>
-        <p:spPr/>
-        <p:txBody>
-          <a:bodyPr/>
-          <a:lstStyle/>
-          <a:p>
-            <a:r>
-              <a:rPr lang="en-SI" dirty="0" err="1">
-                <a:solidFill>
-                  <a:srgbClr val="FFFEFF"/>
-                </a:solidFill>
-              </a:rPr>
-              <a:t>Centriranje</a:t>
-            </a:r>
-            <a:r>
-              <a:rPr lang="en-SI" dirty="0">
-                <a:solidFill>
-                  <a:srgbClr val="FFFEFF"/>
-                </a:solidFill>
-              </a:rPr>
-              <a:t> </a:t>
-            </a:r>
-            <a:r>
-              <a:rPr lang="en-SI" dirty="0" err="1">
-                <a:solidFill>
-                  <a:srgbClr val="FFFEFF"/>
-                </a:solidFill>
-              </a:rPr>
-              <a:t>števke</a:t>
-            </a:r>
-            <a:r>
-              <a:rPr lang="en-SI" dirty="0">
-                <a:solidFill>
-                  <a:srgbClr val="FFFEFF"/>
-                </a:solidFill>
-              </a:rPr>
-              <a:t> in </a:t>
-            </a:r>
-            <a:r>
-              <a:rPr lang="en-SI" dirty="0" err="1">
-                <a:solidFill>
-                  <a:srgbClr val="FFFEFF"/>
-                </a:solidFill>
-              </a:rPr>
-              <a:t>normalizacija</a:t>
-            </a:r>
-            <a:r>
-              <a:rPr lang="en-SI" dirty="0">
-                <a:solidFill>
-                  <a:srgbClr val="FFFEFF"/>
-                </a:solidFill>
-              </a:rPr>
-              <a:t> </a:t>
-            </a:r>
-            <a:endParaRPr lang="en-SI" dirty="0"/>
-          </a:p>
-        </p:txBody>
-      </p:sp>
-      <p:pic>
-        <p:nvPicPr>
-          <p:cNvPr id="4" name="Content Placeholder 3">
-            <a:extLst>
-              <a:ext uri="{FF2B5EF4-FFF2-40B4-BE49-F238E27FC236}">
-                <a16:creationId xmlns:a16="http://schemas.microsoft.com/office/drawing/2014/main" id="{B9F96EBD-D148-4CBB-B708-42AD2121C7F3}"/>
-              </a:ext>
-            </a:extLst>
-          </p:cNvPr>
-          <p:cNvPicPr>
-            <a:picLocks noGrp="1" noChangeAspect="1"/>
-          </p:cNvPicPr>
-          <p:nvPr>
-            <p:ph idx="1"/>
-          </p:nvPr>
-        </p:nvPicPr>
-        <p:blipFill>
-          <a:blip r:embed="rId2"/>
-          <a:stretch>
-            <a:fillRect/>
-          </a:stretch>
-        </p:blipFill>
-        <p:spPr>
-          <a:xfrm>
-            <a:off x="8635935" y="2270770"/>
-            <a:ext cx="1909027" cy="1909027"/>
-          </a:xfrm>
-          <a:prstGeom prst="rect">
-            <a:avLst/>
-          </a:prstGeom>
-        </p:spPr>
-      </p:pic>
-      <p:pic>
-        <p:nvPicPr>
-          <p:cNvPr id="5" name="Picture 4">
-            <a:extLst>
-              <a:ext uri="{FF2B5EF4-FFF2-40B4-BE49-F238E27FC236}">
-                <a16:creationId xmlns:a16="http://schemas.microsoft.com/office/drawing/2014/main" id="{2A9635E4-A870-4F72-9F42-5598E71A9834}"/>
-              </a:ext>
-            </a:extLst>
-          </p:cNvPr>
-          <p:cNvPicPr>
-            <a:picLocks noChangeAspect="1"/>
-          </p:cNvPicPr>
-          <p:nvPr/>
-        </p:nvPicPr>
-        <p:blipFill>
-          <a:blip r:embed="rId3"/>
-          <a:stretch>
-            <a:fillRect/>
-          </a:stretch>
-        </p:blipFill>
-        <p:spPr>
-          <a:xfrm>
-            <a:off x="1453566" y="2270770"/>
-            <a:ext cx="1432247" cy="1912684"/>
-          </a:xfrm>
-          <a:prstGeom prst="rect">
-            <a:avLst/>
-          </a:prstGeom>
-        </p:spPr>
-      </p:pic>
-      <p:pic>
-        <p:nvPicPr>
-          <p:cNvPr id="6" name="Picture 5">
-            <a:extLst>
-              <a:ext uri="{FF2B5EF4-FFF2-40B4-BE49-F238E27FC236}">
-                <a16:creationId xmlns:a16="http://schemas.microsoft.com/office/drawing/2014/main" id="{425AC61F-005E-47B9-A7F2-24D0BDA3C553}"/>
-              </a:ext>
-            </a:extLst>
-          </p:cNvPr>
-          <p:cNvPicPr>
-            <a:picLocks noChangeAspect="1"/>
-          </p:cNvPicPr>
-          <p:nvPr/>
-        </p:nvPicPr>
-        <p:blipFill>
-          <a:blip r:embed="rId4"/>
-          <a:stretch>
-            <a:fillRect/>
-          </a:stretch>
-        </p:blipFill>
-        <p:spPr>
-          <a:xfrm>
-            <a:off x="8635934" y="4536258"/>
-            <a:ext cx="1909027" cy="1909027"/>
-          </a:xfrm>
-          <a:prstGeom prst="rect">
-            <a:avLst/>
-          </a:prstGeom>
-        </p:spPr>
-      </p:pic>
-      <p:pic>
-        <p:nvPicPr>
-          <p:cNvPr id="8" name="Picture 7">
-            <a:extLst>
-              <a:ext uri="{FF2B5EF4-FFF2-40B4-BE49-F238E27FC236}">
-                <a16:creationId xmlns:a16="http://schemas.microsoft.com/office/drawing/2014/main" id="{B3B3AC3E-F214-4E86-BECF-FA313D58868A}"/>
-              </a:ext>
-            </a:extLst>
-          </p:cNvPr>
-          <p:cNvPicPr>
-            <a:picLocks noChangeAspect="1"/>
-          </p:cNvPicPr>
-          <p:nvPr/>
-        </p:nvPicPr>
-        <p:blipFill>
-          <a:blip r:embed="rId5"/>
-          <a:stretch>
-            <a:fillRect/>
-          </a:stretch>
-        </p:blipFill>
-        <p:spPr>
-          <a:xfrm>
-            <a:off x="1453566" y="4536258"/>
-            <a:ext cx="1432247" cy="1761890"/>
-          </a:xfrm>
-          <a:prstGeom prst="rect">
-            <a:avLst/>
-          </a:prstGeom>
-        </p:spPr>
-      </p:pic>
-    </p:spTree>
-    <p:extLst>
-      <p:ext uri="{BB962C8B-B14F-4D97-AF65-F5344CB8AC3E}">
-        <p14:creationId xmlns:p14="http://schemas.microsoft.com/office/powerpoint/2010/main" val="2547304556"/>
-      </p:ext>
-    </p:extLst>
-  </p:cSld>
-  <p:clrMapOvr>
-    <a:masterClrMapping/>
-  </p:clrMapOvr>
-</p:sld>
-</file>
-
 <file path=ppt/slides/slide4.xml><?xml version="1.0" encoding="utf-8"?>
 <p:sld xmlns:a="http://schemas.openxmlformats.org/drawingml/2006/main" xmlns:r="http://schemas.openxmlformats.org/officeDocument/2006/relationships" xmlns:p="http://schemas.openxmlformats.org/presentationml/2006/main">
   <p:cSld>
@@ -5873,13 +5966,13 @@
         </p:nvSpPr>
         <p:spPr/>
         <p:txBody>
-          <a:bodyPr anchor="t"/>
+          <a:bodyPr anchor="ctr"/>
           <a:lstStyle/>
           <a:p>
-            <a:pPr marL="0" indent="0">
-              <a:buNone/>
-            </a:pPr>
-            <a:endParaRPr lang="en-SI" dirty="0"/>
+            <a:r>
+              <a:rPr lang="en-SI" dirty="0"/>
+              <a:t>?</a:t>
+            </a:r>
           </a:p>
         </p:txBody>
       </p:sp>
@@ -5918,6 +6011,97 @@
           <p:cNvPr id="2" name="Title 1">
             <a:extLst>
               <a:ext uri="{FF2B5EF4-FFF2-40B4-BE49-F238E27FC236}">
+                <a16:creationId xmlns:a16="http://schemas.microsoft.com/office/drawing/2014/main" id="{65C821AB-3F7A-47BC-993A-FE13F8E35365}"/>
+              </a:ext>
+            </a:extLst>
+          </p:cNvPr>
+          <p:cNvSpPr>
+            <a:spLocks noGrp="1"/>
+          </p:cNvSpPr>
+          <p:nvPr>
+            <p:ph type="title"/>
+          </p:nvPr>
+        </p:nvSpPr>
+        <p:spPr/>
+        <p:txBody>
+          <a:bodyPr/>
+          <a:lstStyle/>
+          <a:p>
+            <a:r>
+              <a:rPr lang="en-SI" dirty="0"/>
+              <a:t>SVD </a:t>
+            </a:r>
+            <a:r>
+              <a:rPr lang="en-SI" dirty="0" err="1"/>
+              <a:t>razcep</a:t>
+            </a:r>
+            <a:endParaRPr lang="en-SI" dirty="0"/>
+          </a:p>
+        </p:txBody>
+      </p:sp>
+      <p:sp>
+        <p:nvSpPr>
+          <p:cNvPr id="3" name="Content Placeholder 2">
+            <a:extLst>
+              <a:ext uri="{FF2B5EF4-FFF2-40B4-BE49-F238E27FC236}">
+                <a16:creationId xmlns:a16="http://schemas.microsoft.com/office/drawing/2014/main" id="{36F44061-80C5-46CF-A9BE-4C831CDCE26C}"/>
+              </a:ext>
+            </a:extLst>
+          </p:cNvPr>
+          <p:cNvSpPr>
+            <a:spLocks noGrp="1"/>
+          </p:cNvSpPr>
+          <p:nvPr>
+            <p:ph idx="1"/>
+          </p:nvPr>
+        </p:nvSpPr>
+        <p:spPr/>
+        <p:txBody>
+          <a:bodyPr/>
+          <a:lstStyle/>
+          <a:p>
+            <a:r>
+              <a:rPr lang="en-SI" dirty="0"/>
+              <a:t>?</a:t>
+            </a:r>
+          </a:p>
+        </p:txBody>
+      </p:sp>
+    </p:spTree>
+    <p:extLst>
+      <p:ext uri="{BB962C8B-B14F-4D97-AF65-F5344CB8AC3E}">
+        <p14:creationId xmlns:p14="http://schemas.microsoft.com/office/powerpoint/2010/main" val="3040303446"/>
+      </p:ext>
+    </p:extLst>
+  </p:cSld>
+  <p:clrMapOvr>
+    <a:masterClrMapping/>
+  </p:clrMapOvr>
+</p:sld>
+</file>
+
+<file path=ppt/slides/slide6.xml><?xml version="1.0" encoding="utf-8"?>
+<p:sld xmlns:a="http://schemas.openxmlformats.org/drawingml/2006/main" xmlns:r="http://schemas.openxmlformats.org/officeDocument/2006/relationships" xmlns:p="http://schemas.openxmlformats.org/presentationml/2006/main">
+  <p:cSld>
+    <p:spTree>
+      <p:nvGrpSpPr>
+        <p:cNvPr id="1" name=""/>
+        <p:cNvGrpSpPr/>
+        <p:nvPr/>
+      </p:nvGrpSpPr>
+      <p:grpSpPr>
+        <a:xfrm>
+          <a:off x="0" y="0"/>
+          <a:ext cx="0" cy="0"/>
+          <a:chOff x="0" y="0"/>
+          <a:chExt cx="0" cy="0"/>
+        </a:xfrm>
+      </p:grpSpPr>
+      <p:sp>
+        <p:nvSpPr>
+          <p:cNvPr id="2" name="Title 1">
+            <a:extLst>
+              <a:ext uri="{FF2B5EF4-FFF2-40B4-BE49-F238E27FC236}">
                 <a16:creationId xmlns:a16="http://schemas.microsoft.com/office/drawing/2014/main" id="{150F9888-F8AD-400D-809D-C4D705D11672}"/>
               </a:ext>
             </a:extLst>
@@ -5965,6 +6149,22 @@
             <a:r>
               <a:rPr lang="en-SI" dirty="0" err="1"/>
               <a:t>metodah</a:t>
+            </a:r>
+            <a:r>
+              <a:rPr lang="en-SI" dirty="0"/>
+              <a:t> v </a:t>
+            </a:r>
+            <a:r>
+              <a:rPr lang="en-SI" dirty="0" err="1"/>
+              <a:t>odvisnosti</a:t>
+            </a:r>
+            <a:r>
+              <a:rPr lang="en-SI" dirty="0"/>
+              <a:t> od </a:t>
+            </a:r>
+            <a:r>
+              <a:rPr lang="en-SI" dirty="0" err="1"/>
+              <a:t>predprocesiranja</a:t>
             </a:r>
             <a:endParaRPr lang="en-SI" dirty="0"/>
           </a:p>
@@ -6256,7 +6456,7 @@
 </p:sld>
 </file>
 
-<file path=ppt/slides/slide6.xml><?xml version="1.0" encoding="utf-8"?>
+<file path=ppt/slides/slide7.xml><?xml version="1.0" encoding="utf-8"?>
 <p:sld xmlns:a="http://schemas.openxmlformats.org/drawingml/2006/main" xmlns:r="http://schemas.openxmlformats.org/officeDocument/2006/relationships" xmlns:p="http://schemas.openxmlformats.org/presentationml/2006/main">
   <p:cSld>
     <p:spTree>

--- a/Prepoznavanje ročno napisanih števk.pptx
+++ b/Prepoznavanje ročno napisanih števk.pptx
@@ -5922,11 +5922,11 @@
           <a:p>
             <a:r>
               <a:rPr lang="sl-SI" dirty="0"/>
-              <a:t>M</a:t>
+              <a:t>u</a:t>
             </a:r>
             <a:r>
               <a:rPr lang="en-SI" dirty="0" err="1"/>
-              <a:t>etoda</a:t>
+              <a:t>porabljeni</a:t>
             </a:r>
             <a:r>
               <a:rPr lang="en-SI" dirty="0"/>
@@ -5934,48 +5934,1068 @@
             </a:r>
             <a:r>
               <a:rPr lang="en-SI" dirty="0" err="1"/>
-              <a:t>najmanjših</a:t>
-            </a:r>
-            <a:r>
-              <a:rPr lang="en-SI" dirty="0"/>
-              <a:t> </a:t>
-            </a:r>
-            <a:r>
-              <a:rPr lang="en-SI" dirty="0" err="1"/>
-              <a:t>kvadratov</a:t>
+              <a:t>metodi</a:t>
             </a:r>
             <a:endParaRPr lang="en-SI" dirty="0"/>
           </a:p>
         </p:txBody>
       </p:sp>
-      <p:sp>
-        <p:nvSpPr>
-          <p:cNvPr id="3" name="Content Placeholder 2">
+      <mc:AlternateContent xmlns:mc="http://schemas.openxmlformats.org/markup-compatibility/2006">
+        <mc:Choice xmlns:a14="http://schemas.microsoft.com/office/drawing/2010/main" Requires="a14">
+          <p:sp>
+            <p:nvSpPr>
+              <p:cNvPr id="3" name="Content Placeholder 2">
+                <a:extLst>
+                  <a:ext uri="{FF2B5EF4-FFF2-40B4-BE49-F238E27FC236}">
+                    <a16:creationId xmlns:a16="http://schemas.microsoft.com/office/drawing/2014/main" id="{630E606C-B921-4403-8FD3-DB5E091E0E11}"/>
+                  </a:ext>
+                </a:extLst>
+              </p:cNvPr>
+              <p:cNvSpPr>
+                <a:spLocks noGrp="1"/>
+              </p:cNvSpPr>
+              <p:nvPr>
+                <p:ph idx="1"/>
+              </p:nvPr>
+            </p:nvSpPr>
+            <p:spPr/>
+            <p:txBody>
+              <a:bodyPr anchor="ctr"/>
+              <a:lstStyle/>
+              <a:p>
+                <a:r>
+                  <a:rPr lang="en-SI" dirty="0"/>
+                  <a:t>Uporaba </a:t>
+                </a:r>
+                <a:r>
+                  <a:rPr lang="en-SI" dirty="0" err="1"/>
+                  <a:t>metode</a:t>
+                </a:r>
+                <a:r>
+                  <a:rPr lang="en-SI" dirty="0"/>
+                  <a:t> </a:t>
+                </a:r>
+                <a:r>
+                  <a:rPr lang="en-SI" dirty="0" err="1"/>
+                  <a:t>najmanjših</a:t>
+                </a:r>
+                <a:r>
+                  <a:rPr lang="en-SI" dirty="0"/>
+                  <a:t> </a:t>
+                </a:r>
+                <a:r>
+                  <a:rPr lang="en-SI" dirty="0" err="1"/>
+                  <a:t>kvadratov</a:t>
+                </a:r>
+                <a:r>
+                  <a:rPr lang="en-SI" dirty="0"/>
+                  <a:t>:</a:t>
+                </a:r>
+              </a:p>
+              <a:p>
+                <a:pPr lvl="1"/>
+                <a:r>
+                  <a:rPr lang="sl-SI" dirty="0"/>
+                  <a:t>R</a:t>
+                </a:r>
+                <a:r>
+                  <a:rPr lang="en-SI" dirty="0" err="1"/>
+                  <a:t>ešujemo</a:t>
+                </a:r>
+                <a:r>
+                  <a:rPr lang="en-SI" dirty="0"/>
+                  <a:t> </a:t>
+                </a:r>
+                <a:r>
+                  <a:rPr lang="en-SI" dirty="0" err="1"/>
+                  <a:t>sistem</a:t>
+                </a:r>
+                <a:r>
+                  <a:rPr lang="en-SI" dirty="0"/>
+                  <a:t> </a:t>
+                </a:r>
+                <a14:m>
+                  <m:oMath xmlns:m="http://schemas.openxmlformats.org/officeDocument/2006/math">
+                    <m:sSub>
+                      <m:sSubPr>
+                        <m:ctrlPr>
+                          <a:rPr lang="sl-SI" i="1" smtClean="0">
+                            <a:latin typeface="Cambria Math" panose="02040503050406030204" pitchFamily="18" charset="0"/>
+                          </a:rPr>
+                        </m:ctrlPr>
+                      </m:sSubPr>
+                      <m:e>
+                        <m:r>
+                          <a:rPr lang="en-SI" b="0" i="1" smtClean="0">
+                            <a:latin typeface="Cambria Math" panose="02040503050406030204" pitchFamily="18" charset="0"/>
+                          </a:rPr>
+                          <m:t>𝐴</m:t>
+                        </m:r>
+                      </m:e>
+                      <m:sub>
+                        <m:r>
+                          <a:rPr lang="en-SI" b="0" i="1" smtClean="0">
+                            <a:latin typeface="Cambria Math" panose="02040503050406030204" pitchFamily="18" charset="0"/>
+                          </a:rPr>
+                          <m:t>𝑖</m:t>
+                        </m:r>
+                      </m:sub>
+                    </m:sSub>
+                    <m:r>
+                      <a:rPr lang="en-SI" b="0" i="1" smtClean="0">
+                        <a:latin typeface="Cambria Math" panose="02040503050406030204" pitchFamily="18" charset="0"/>
+                      </a:rPr>
+                      <m:t>𝑥</m:t>
+                    </m:r>
+                    <m:r>
+                      <a:rPr lang="sl-SI" i="1" smtClean="0">
+                        <a:latin typeface="Cambria Math" panose="02040503050406030204" pitchFamily="18" charset="0"/>
+                      </a:rPr>
+                      <m:t>=</m:t>
+                    </m:r>
+                    <m:r>
+                      <a:rPr lang="en-SI" b="1" i="1" smtClean="0">
+                        <a:latin typeface="Cambria Math" panose="02040503050406030204" pitchFamily="18" charset="0"/>
+                      </a:rPr>
+                      <m:t>𝒃</m:t>
+                    </m:r>
+                  </m:oMath>
+                </a14:m>
+                <a:r>
+                  <a:rPr lang="en-SI" dirty="0"/>
+                  <a:t>, </a:t>
+                </a:r>
+                <a:r>
+                  <a:rPr lang="en-SI" dirty="0" err="1"/>
+                  <a:t>rešimo</a:t>
+                </a:r>
+                <a:r>
+                  <a:rPr lang="en-SI" dirty="0"/>
+                  <a:t> z </a:t>
+                </a:r>
+                <a:r>
+                  <a:rPr lang="en-SI" dirty="0" err="1"/>
+                  <a:t>uporabo</a:t>
+                </a:r>
+                <a:r>
+                  <a:rPr lang="en-SI" dirty="0"/>
+                  <a:t> Moore-Penrose </a:t>
+                </a:r>
+                <a:r>
+                  <a:rPr lang="en-SI" dirty="0" err="1"/>
+                  <a:t>inverza</a:t>
+                </a:r>
+                <a:r>
+                  <a:rPr lang="en-SI" dirty="0"/>
+                  <a:t>: </a:t>
+                </a:r>
+                <a14:m>
+                  <m:oMath xmlns:m="http://schemas.openxmlformats.org/officeDocument/2006/math">
+                    <m:sSub>
+                      <m:sSubPr>
+                        <m:ctrlPr>
+                          <a:rPr lang="en-SI" b="0" i="1" smtClean="0">
+                            <a:latin typeface="Cambria Math" panose="02040503050406030204" pitchFamily="18" charset="0"/>
+                          </a:rPr>
+                        </m:ctrlPr>
+                      </m:sSubPr>
+                      <m:e>
+                        <m:r>
+                          <a:rPr lang="en-SI" b="1" i="1" smtClean="0">
+                            <a:latin typeface="Cambria Math" panose="02040503050406030204" pitchFamily="18" charset="0"/>
+                          </a:rPr>
+                          <m:t>𝒙</m:t>
+                        </m:r>
+                      </m:e>
+                      <m:sub>
+                        <m:r>
+                          <a:rPr lang="en-SI" b="0" i="1" smtClean="0">
+                            <a:latin typeface="Cambria Math" panose="02040503050406030204" pitchFamily="18" charset="0"/>
+                          </a:rPr>
+                          <m:t>𝑖</m:t>
+                        </m:r>
+                      </m:sub>
+                    </m:sSub>
+                    <m:r>
+                      <a:rPr lang="en-SI" b="0" i="1" smtClean="0">
+                        <a:latin typeface="Cambria Math" panose="02040503050406030204" pitchFamily="18" charset="0"/>
+                      </a:rPr>
+                      <m:t>= </m:t>
+                    </m:r>
+                    <m:sSup>
+                      <m:sSupPr>
+                        <m:ctrlPr>
+                          <a:rPr lang="en-SI" b="0" i="1" smtClean="0">
+                            <a:latin typeface="Cambria Math" panose="02040503050406030204" pitchFamily="18" charset="0"/>
+                          </a:rPr>
+                        </m:ctrlPr>
+                      </m:sSupPr>
+                      <m:e>
+                        <m:sSub>
+                          <m:sSubPr>
+                            <m:ctrlPr>
+                              <a:rPr lang="en-SI" b="0" i="1" smtClean="0">
+                                <a:latin typeface="Cambria Math" panose="02040503050406030204" pitchFamily="18" charset="0"/>
+                              </a:rPr>
+                            </m:ctrlPr>
+                          </m:sSubPr>
+                          <m:e>
+                            <m:r>
+                              <a:rPr lang="en-SI" b="0" i="1" smtClean="0">
+                                <a:latin typeface="Cambria Math" panose="02040503050406030204" pitchFamily="18" charset="0"/>
+                              </a:rPr>
+                              <m:t>𝐴</m:t>
+                            </m:r>
+                          </m:e>
+                          <m:sub>
+                            <m:r>
+                              <a:rPr lang="en-SI" b="0" i="1" smtClean="0">
+                                <a:latin typeface="Cambria Math" panose="02040503050406030204" pitchFamily="18" charset="0"/>
+                              </a:rPr>
+                              <m:t>𝑖</m:t>
+                            </m:r>
+                          </m:sub>
+                        </m:sSub>
+                      </m:e>
+                      <m:sup>
+                        <m:r>
+                          <a:rPr lang="en-SI" b="0" i="1" smtClean="0">
+                            <a:latin typeface="Cambria Math" panose="02040503050406030204" pitchFamily="18" charset="0"/>
+                          </a:rPr>
+                          <m:t>+</m:t>
+                        </m:r>
+                      </m:sup>
+                    </m:sSup>
+                    <m:r>
+                      <a:rPr lang="en-SI" b="1" i="1" smtClean="0">
+                        <a:latin typeface="Cambria Math" panose="02040503050406030204" pitchFamily="18" charset="0"/>
+                      </a:rPr>
+                      <m:t>𝒃</m:t>
+                    </m:r>
+                  </m:oMath>
+                </a14:m>
+                <a:endParaRPr lang="en-SI" b="1" dirty="0"/>
+              </a:p>
+              <a:p>
+                <a:pPr lvl="1"/>
+                <a:r>
+                  <a:rPr lang="en-SI" dirty="0" err="1"/>
+                  <a:t>Rešitev</a:t>
+                </a:r>
+                <a:r>
+                  <a:rPr lang="en-SI" dirty="0"/>
+                  <a:t> je </a:t>
+                </a:r>
+                <a:r>
+                  <a:rPr lang="en-SI" i="1" dirty="0" err="1"/>
+                  <a:t>i</a:t>
+                </a:r>
+                <a:r>
+                  <a:rPr lang="en-SI" dirty="0"/>
+                  <a:t>, </a:t>
+                </a:r>
+                <a:r>
+                  <a:rPr lang="en-SI" dirty="0" err="1"/>
+                  <a:t>pri</a:t>
+                </a:r>
+                <a:r>
+                  <a:rPr lang="en-SI" dirty="0"/>
+                  <a:t> </a:t>
+                </a:r>
+                <a:r>
+                  <a:rPr lang="en-SI" dirty="0" err="1"/>
+                  <a:t>katerem</a:t>
+                </a:r>
+                <a:r>
+                  <a:rPr lang="en-SI" dirty="0"/>
+                  <a:t> je </a:t>
+                </a:r>
+                <a14:m>
+                  <m:oMath xmlns:m="http://schemas.openxmlformats.org/officeDocument/2006/math">
+                    <m:r>
+                      <a:rPr lang="en-SI" i="1" dirty="0" smtClean="0">
+                        <a:latin typeface="Cambria Math" panose="02040503050406030204" pitchFamily="18" charset="0"/>
+                      </a:rPr>
+                      <m:t>||</m:t>
+                    </m:r>
+                    <m:r>
+                      <a:rPr lang="sl-SI" b="1" i="1" dirty="0">
+                        <a:latin typeface="Cambria Math" panose="02040503050406030204" pitchFamily="18" charset="0"/>
+                      </a:rPr>
+                      <m:t>𝒃</m:t>
+                    </m:r>
+                    <m:r>
+                      <a:rPr lang="sl-SI" i="1" dirty="0">
+                        <a:latin typeface="Cambria Math" panose="02040503050406030204" pitchFamily="18" charset="0"/>
+                      </a:rPr>
+                      <m:t>−</m:t>
+                    </m:r>
+                    <m:sSub>
+                      <m:sSubPr>
+                        <m:ctrlPr>
+                          <a:rPr lang="sl-SI" i="1" dirty="0" smtClean="0">
+                            <a:latin typeface="Cambria Math" panose="02040503050406030204" pitchFamily="18" charset="0"/>
+                          </a:rPr>
+                        </m:ctrlPr>
+                      </m:sSubPr>
+                      <m:e>
+                        <m:r>
+                          <a:rPr lang="en-SI" b="0" i="1" dirty="0" smtClean="0">
+                            <a:latin typeface="Cambria Math" panose="02040503050406030204" pitchFamily="18" charset="0"/>
+                          </a:rPr>
+                          <m:t>𝐴</m:t>
+                        </m:r>
+                      </m:e>
+                      <m:sub>
+                        <m:r>
+                          <a:rPr lang="en-SI" b="0" i="1" dirty="0" smtClean="0">
+                            <a:latin typeface="Cambria Math" panose="02040503050406030204" pitchFamily="18" charset="0"/>
+                          </a:rPr>
+                          <m:t>𝑖</m:t>
+                        </m:r>
+                      </m:sub>
+                    </m:sSub>
+                    <m:sSub>
+                      <m:sSubPr>
+                        <m:ctrlPr>
+                          <a:rPr lang="sl-SI" i="1" dirty="0" smtClean="0">
+                            <a:latin typeface="Cambria Math" panose="02040503050406030204" pitchFamily="18" charset="0"/>
+                          </a:rPr>
+                        </m:ctrlPr>
+                      </m:sSubPr>
+                      <m:e>
+                        <m:r>
+                          <a:rPr lang="en-SI" b="1" i="1" dirty="0" smtClean="0">
+                            <a:latin typeface="Cambria Math" panose="02040503050406030204" pitchFamily="18" charset="0"/>
+                          </a:rPr>
+                          <m:t>𝒙</m:t>
+                        </m:r>
+                      </m:e>
+                      <m:sub>
+                        <m:r>
+                          <a:rPr lang="en-SI" b="0" i="1" dirty="0" smtClean="0">
+                            <a:latin typeface="Cambria Math" panose="02040503050406030204" pitchFamily="18" charset="0"/>
+                          </a:rPr>
+                          <m:t>𝑖</m:t>
+                        </m:r>
+                      </m:sub>
+                    </m:sSub>
+                    <m:r>
+                      <a:rPr lang="en-SI" i="1" dirty="0" smtClean="0">
+                        <a:latin typeface="Cambria Math" panose="02040503050406030204" pitchFamily="18" charset="0"/>
+                      </a:rPr>
+                      <m:t>||</m:t>
+                    </m:r>
+                  </m:oMath>
+                </a14:m>
+                <a:r>
+                  <a:rPr lang="en-SI" dirty="0"/>
+                  <a:t> najmanjši</a:t>
+                </a:r>
+              </a:p>
+              <a:p>
+                <a:pPr lvl="1"/>
+                <a:endParaRPr lang="en-SI" dirty="0"/>
+              </a:p>
+              <a:p>
+                <a:pPr lvl="1"/>
+                <a:endParaRPr lang="en-SI" dirty="0"/>
+              </a:p>
+              <a:p>
+                <a:r>
+                  <a:rPr lang="en-SI" dirty="0" err="1"/>
+                  <a:t>Uporaba</a:t>
+                </a:r>
+                <a:r>
+                  <a:rPr lang="en-SI" dirty="0"/>
+                  <a:t> SVD </a:t>
+                </a:r>
+                <a:r>
+                  <a:rPr lang="en-SI" dirty="0" err="1"/>
+                  <a:t>razcepa</a:t>
+                </a:r>
+                <a:endParaRPr lang="en-SI" dirty="0"/>
+              </a:p>
+              <a:p>
+                <a:pPr lvl="1"/>
+                <a:r>
+                  <a:rPr lang="en-SI" dirty="0" err="1"/>
+                  <a:t>Poračunamo</a:t>
+                </a:r>
+                <a:r>
+                  <a:rPr lang="en-SI" dirty="0"/>
+                  <a:t> </a:t>
+                </a:r>
+                <a:r>
+                  <a:rPr lang="en-SI" dirty="0" err="1"/>
+                  <a:t>singularne</a:t>
+                </a:r>
+                <a:r>
+                  <a:rPr lang="en-SI" dirty="0"/>
+                  <a:t> </a:t>
+                </a:r>
+                <a:r>
+                  <a:rPr lang="en-SI" dirty="0" err="1"/>
+                  <a:t>razcepe</a:t>
+                </a:r>
+                <a:r>
+                  <a:rPr lang="en-SI" dirty="0"/>
+                  <a:t> </a:t>
+                </a:r>
+                <a:r>
+                  <a:rPr lang="en-SI" dirty="0" err="1"/>
+                  <a:t>matrik</a:t>
+                </a:r>
+                <a:r>
+                  <a:rPr lang="en-SI" dirty="0"/>
+                  <a:t> </a:t>
+                </a:r>
+                <a14:m>
+                  <m:oMath xmlns:m="http://schemas.openxmlformats.org/officeDocument/2006/math">
+                    <m:sSub>
+                      <m:sSubPr>
+                        <m:ctrlPr>
+                          <a:rPr lang="en-SI" i="1" smtClean="0">
+                            <a:latin typeface="Cambria Math" panose="02040503050406030204" pitchFamily="18" charset="0"/>
+                          </a:rPr>
+                        </m:ctrlPr>
+                      </m:sSubPr>
+                      <m:e>
+                        <m:r>
+                          <a:rPr lang="en-SI" b="0" i="1" smtClean="0">
+                            <a:latin typeface="Cambria Math" panose="02040503050406030204" pitchFamily="18" charset="0"/>
+                          </a:rPr>
+                          <m:t>𝐴</m:t>
+                        </m:r>
+                      </m:e>
+                      <m:sub>
+                        <m:r>
+                          <a:rPr lang="en-SI" b="0" i="1" smtClean="0">
+                            <a:latin typeface="Cambria Math" panose="02040503050406030204" pitchFamily="18" charset="0"/>
+                          </a:rPr>
+                          <m:t>𝑖</m:t>
+                        </m:r>
+                        <m:r>
+                          <a:rPr lang="en-SI" b="0" i="1" smtClean="0">
+                            <a:latin typeface="Cambria Math" panose="02040503050406030204" pitchFamily="18" charset="0"/>
+                          </a:rPr>
+                          <m:t>= </m:t>
+                        </m:r>
+                      </m:sub>
+                    </m:sSub>
+                    <m:sSub>
+                      <m:sSubPr>
+                        <m:ctrlPr>
+                          <a:rPr lang="en-SI" i="1" smtClean="0">
+                            <a:latin typeface="Cambria Math" panose="02040503050406030204" pitchFamily="18" charset="0"/>
+                          </a:rPr>
+                        </m:ctrlPr>
+                      </m:sSubPr>
+                      <m:e>
+                        <m:r>
+                          <a:rPr lang="en-SI" b="0" i="1" smtClean="0">
+                            <a:latin typeface="Cambria Math" panose="02040503050406030204" pitchFamily="18" charset="0"/>
+                          </a:rPr>
+                          <m:t>𝑈</m:t>
+                        </m:r>
+                      </m:e>
+                      <m:sub>
+                        <m:r>
+                          <a:rPr lang="en-SI" b="0" i="1" smtClean="0">
+                            <a:latin typeface="Cambria Math" panose="02040503050406030204" pitchFamily="18" charset="0"/>
+                          </a:rPr>
+                          <m:t>𝑖</m:t>
+                        </m:r>
+                      </m:sub>
+                    </m:sSub>
+                    <m:sSub>
+                      <m:sSubPr>
+                        <m:ctrlPr>
+                          <a:rPr lang="en-SI" i="1" smtClean="0">
+                            <a:latin typeface="Cambria Math" panose="02040503050406030204" pitchFamily="18" charset="0"/>
+                          </a:rPr>
+                        </m:ctrlPr>
+                      </m:sSubPr>
+                      <m:e>
+                        <m:r>
+                          <a:rPr lang="en-SI" b="0" i="1" smtClean="0">
+                            <a:latin typeface="Cambria Math" panose="02040503050406030204" pitchFamily="18" charset="0"/>
+                          </a:rPr>
+                          <m:t>𝑆</m:t>
+                        </m:r>
+                      </m:e>
+                      <m:sub>
+                        <m:r>
+                          <a:rPr lang="en-SI" b="0" i="1" smtClean="0">
+                            <a:latin typeface="Cambria Math" panose="02040503050406030204" pitchFamily="18" charset="0"/>
+                          </a:rPr>
+                          <m:t>𝑖</m:t>
+                        </m:r>
+                      </m:sub>
+                    </m:sSub>
+                    <m:sSubSup>
+                      <m:sSubSupPr>
+                        <m:ctrlPr>
+                          <a:rPr lang="en-SI" i="1" smtClean="0">
+                            <a:latin typeface="Cambria Math" panose="02040503050406030204" pitchFamily="18" charset="0"/>
+                          </a:rPr>
+                        </m:ctrlPr>
+                      </m:sSubSupPr>
+                      <m:e>
+                        <m:r>
+                          <a:rPr lang="en-SI" b="0" i="1" smtClean="0">
+                            <a:latin typeface="Cambria Math" panose="02040503050406030204" pitchFamily="18" charset="0"/>
+                          </a:rPr>
+                          <m:t>𝑉</m:t>
+                        </m:r>
+                      </m:e>
+                      <m:sub>
+                        <m:r>
+                          <a:rPr lang="en-SI" b="0" i="1" smtClean="0">
+                            <a:latin typeface="Cambria Math" panose="02040503050406030204" pitchFamily="18" charset="0"/>
+                          </a:rPr>
+                          <m:t>𝑖</m:t>
+                        </m:r>
+                      </m:sub>
+                      <m:sup>
+                        <m:r>
+                          <a:rPr lang="en-SI" b="0" i="1" smtClean="0">
+                            <a:latin typeface="Cambria Math" panose="02040503050406030204" pitchFamily="18" charset="0"/>
+                          </a:rPr>
+                          <m:t>𝑇</m:t>
+                        </m:r>
+                      </m:sup>
+                    </m:sSubSup>
+                    <m:r>
+                      <a:rPr lang="en-SI" b="0" i="1" smtClean="0">
+                        <a:latin typeface="Cambria Math" panose="02040503050406030204" pitchFamily="18" charset="0"/>
+                      </a:rPr>
+                      <m:t>, </m:t>
+                    </m:r>
+                  </m:oMath>
+                </a14:m>
+                <a:r>
+                  <a:rPr lang="en-SI" dirty="0" err="1"/>
+                  <a:t>iščemo</a:t>
+                </a:r>
+                <a:r>
+                  <a:rPr lang="en-SI" dirty="0"/>
+                  <a:t> </a:t>
+                </a:r>
+                <a:r>
+                  <a:rPr lang="en-SI" dirty="0" err="1"/>
+                  <a:t>rešitev</a:t>
+                </a:r>
+                <a:r>
+                  <a:rPr lang="en-SI" dirty="0"/>
+                  <a:t> </a:t>
+                </a:r>
+                <a:r>
+                  <a:rPr lang="sl-SI" dirty="0"/>
+                  <a:t>S</a:t>
+                </a:r>
+                <a:r>
+                  <a:rPr lang="en-SI" dirty="0" err="1"/>
+                  <a:t>istema</a:t>
+                </a:r>
+                <a:r>
+                  <a:rPr lang="en-SI" dirty="0"/>
+                  <a:t> </a:t>
+                </a:r>
+                <a14:m>
+                  <m:oMath xmlns:m="http://schemas.openxmlformats.org/officeDocument/2006/math">
+                    <m:sSub>
+                      <m:sSubPr>
+                        <m:ctrlPr>
+                          <a:rPr lang="en-SI" i="1">
+                            <a:latin typeface="Cambria Math" panose="02040503050406030204" pitchFamily="18" charset="0"/>
+                          </a:rPr>
+                        </m:ctrlPr>
+                      </m:sSubPr>
+                      <m:e>
+                        <m:r>
+                          <a:rPr lang="en-SI" i="1">
+                            <a:latin typeface="Cambria Math" panose="02040503050406030204" pitchFamily="18" charset="0"/>
+                          </a:rPr>
+                          <m:t>𝑈</m:t>
+                        </m:r>
+                      </m:e>
+                      <m:sub>
+                        <m:r>
+                          <a:rPr lang="en-SI" i="1">
+                            <a:latin typeface="Cambria Math" panose="02040503050406030204" pitchFamily="18" charset="0"/>
+                          </a:rPr>
+                          <m:t>𝑖</m:t>
+                        </m:r>
+                      </m:sub>
+                    </m:sSub>
+                    <m:sSub>
+                      <m:sSubPr>
+                        <m:ctrlPr>
+                          <a:rPr lang="en-SI" i="1">
+                            <a:latin typeface="Cambria Math" panose="02040503050406030204" pitchFamily="18" charset="0"/>
+                          </a:rPr>
+                        </m:ctrlPr>
+                      </m:sSubPr>
+                      <m:e>
+                        <m:r>
+                          <a:rPr lang="en-SI" i="1">
+                            <a:latin typeface="Cambria Math" panose="02040503050406030204" pitchFamily="18" charset="0"/>
+                          </a:rPr>
+                          <m:t>𝑆</m:t>
+                        </m:r>
+                      </m:e>
+                      <m:sub>
+                        <m:r>
+                          <a:rPr lang="en-SI" i="1">
+                            <a:latin typeface="Cambria Math" panose="02040503050406030204" pitchFamily="18" charset="0"/>
+                          </a:rPr>
+                          <m:t>𝑖</m:t>
+                        </m:r>
+                      </m:sub>
+                    </m:sSub>
+                    <m:sSubSup>
+                      <m:sSubSupPr>
+                        <m:ctrlPr>
+                          <a:rPr lang="en-SI" i="1" smtClean="0">
+                            <a:latin typeface="Cambria Math" panose="02040503050406030204" pitchFamily="18" charset="0"/>
+                          </a:rPr>
+                        </m:ctrlPr>
+                      </m:sSubSupPr>
+                      <m:e>
+                        <m:r>
+                          <a:rPr lang="en-SI" b="1" i="1" smtClean="0">
+                            <a:latin typeface="Cambria Math" panose="02040503050406030204" pitchFamily="18" charset="0"/>
+                          </a:rPr>
+                          <m:t>𝒚</m:t>
+                        </m:r>
+                      </m:e>
+                      <m:sub>
+                        <m:r>
+                          <a:rPr lang="en-SI" i="1">
+                            <a:latin typeface="Cambria Math" panose="02040503050406030204" pitchFamily="18" charset="0"/>
+                          </a:rPr>
+                          <m:t>𝑖</m:t>
+                        </m:r>
+                      </m:sub>
+                      <m:sup/>
+                    </m:sSubSup>
+                    <m:r>
+                      <a:rPr lang="en-SI" b="0" i="1" smtClean="0">
+                        <a:latin typeface="Cambria Math" panose="02040503050406030204" pitchFamily="18" charset="0"/>
+                      </a:rPr>
+                      <m:t>=</m:t>
+                    </m:r>
+                    <m:r>
+                      <a:rPr lang="en-SI" b="1" i="1" smtClean="0">
+                        <a:latin typeface="Cambria Math" panose="02040503050406030204" pitchFamily="18" charset="0"/>
+                      </a:rPr>
+                      <m:t>𝒃</m:t>
+                    </m:r>
+                    <m:r>
+                      <a:rPr lang="en-SI" b="0" i="0" smtClean="0">
+                        <a:latin typeface="Cambria Math" panose="02040503050406030204" pitchFamily="18" charset="0"/>
+                      </a:rPr>
+                      <m:t>, </m:t>
+                    </m:r>
+                  </m:oMath>
+                </a14:m>
+                <a:r>
+                  <a:rPr lang="en-SI" dirty="0" err="1"/>
+                  <a:t>kjer</a:t>
+                </a:r>
+                <a:r>
+                  <a:rPr lang="en-SI" dirty="0"/>
+                  <a:t> je </a:t>
+                </a:r>
+                <a14:m>
+                  <m:oMath xmlns:m="http://schemas.openxmlformats.org/officeDocument/2006/math">
+                    <m:sSub>
+                      <m:sSubPr>
+                        <m:ctrlPr>
+                          <a:rPr lang="en-SI" i="1" smtClean="0">
+                            <a:latin typeface="Cambria Math" panose="02040503050406030204" pitchFamily="18" charset="0"/>
+                          </a:rPr>
+                        </m:ctrlPr>
+                      </m:sSubPr>
+                      <m:e>
+                        <m:r>
+                          <a:rPr lang="en-SI" b="1" i="1" smtClean="0">
+                            <a:latin typeface="Cambria Math" panose="02040503050406030204" pitchFamily="18" charset="0"/>
+                          </a:rPr>
+                          <m:t>𝒚</m:t>
+                        </m:r>
+                      </m:e>
+                      <m:sub>
+                        <m:r>
+                          <a:rPr lang="en-SI" b="0" i="1" smtClean="0">
+                            <a:latin typeface="Cambria Math" panose="02040503050406030204" pitchFamily="18" charset="0"/>
+                          </a:rPr>
+                          <m:t>𝑖</m:t>
+                        </m:r>
+                      </m:sub>
+                    </m:sSub>
+                    <m:r>
+                      <a:rPr lang="en-SI" b="0" i="1" smtClean="0">
+                        <a:latin typeface="Cambria Math" panose="02040503050406030204" pitchFamily="18" charset="0"/>
+                      </a:rPr>
+                      <m:t>=</m:t>
+                    </m:r>
+                    <m:sSubSup>
+                      <m:sSubSupPr>
+                        <m:ctrlPr>
+                          <a:rPr lang="en-SI" b="0" i="1" smtClean="0">
+                            <a:latin typeface="Cambria Math" panose="02040503050406030204" pitchFamily="18" charset="0"/>
+                          </a:rPr>
+                        </m:ctrlPr>
+                      </m:sSubSupPr>
+                      <m:e>
+                        <m:r>
+                          <a:rPr lang="en-SI" b="0" i="1" smtClean="0">
+                            <a:latin typeface="Cambria Math" panose="02040503050406030204" pitchFamily="18" charset="0"/>
+                          </a:rPr>
+                          <m:t>𝑉</m:t>
+                        </m:r>
+                      </m:e>
+                      <m:sub>
+                        <m:r>
+                          <a:rPr lang="en-SI" b="0" i="1" smtClean="0">
+                            <a:latin typeface="Cambria Math" panose="02040503050406030204" pitchFamily="18" charset="0"/>
+                          </a:rPr>
+                          <m:t>𝑖</m:t>
+                        </m:r>
+                      </m:sub>
+                      <m:sup>
+                        <m:r>
+                          <a:rPr lang="en-SI" b="0" i="1" smtClean="0">
+                            <a:latin typeface="Cambria Math" panose="02040503050406030204" pitchFamily="18" charset="0"/>
+                          </a:rPr>
+                          <m:t>𝑇</m:t>
+                        </m:r>
+                      </m:sup>
+                    </m:sSubSup>
+                    <m:sSubSup>
+                      <m:sSubSupPr>
+                        <m:ctrlPr>
+                          <a:rPr lang="en-SI" i="1" smtClean="0">
+                            <a:latin typeface="Cambria Math" panose="02040503050406030204" pitchFamily="18" charset="0"/>
+                          </a:rPr>
+                        </m:ctrlPr>
+                      </m:sSubSupPr>
+                      <m:e>
+                        <m:r>
+                          <a:rPr lang="en-SI" b="1" i="1" smtClean="0">
+                            <a:latin typeface="Cambria Math" panose="02040503050406030204" pitchFamily="18" charset="0"/>
+                          </a:rPr>
+                          <m:t>𝒙</m:t>
+                        </m:r>
+                      </m:e>
+                      <m:sub>
+                        <m:r>
+                          <a:rPr lang="en-SI" i="1">
+                            <a:latin typeface="Cambria Math" panose="02040503050406030204" pitchFamily="18" charset="0"/>
+                          </a:rPr>
+                          <m:t>𝑖</m:t>
+                        </m:r>
+                      </m:sub>
+                      <m:sup/>
+                    </m:sSubSup>
+                  </m:oMath>
+                </a14:m>
+                <a:endParaRPr lang="en-SI" dirty="0"/>
+              </a:p>
+              <a:p>
+                <a:pPr lvl="1"/>
+                <a:r>
+                  <a:rPr lang="en-SI" dirty="0"/>
+                  <a:t>Rešitev je </a:t>
+                </a:r>
+                <a:r>
+                  <a:rPr lang="en-SI" i="1" dirty="0" err="1"/>
+                  <a:t>i</a:t>
+                </a:r>
+                <a:r>
+                  <a:rPr lang="en-SI" dirty="0"/>
+                  <a:t>, </a:t>
+                </a:r>
+                <a:r>
+                  <a:rPr lang="en-SI" dirty="0" err="1"/>
+                  <a:t>pri</a:t>
+                </a:r>
+                <a:r>
+                  <a:rPr lang="en-SI" dirty="0"/>
+                  <a:t> </a:t>
+                </a:r>
+                <a:r>
+                  <a:rPr lang="en-SI" dirty="0" err="1"/>
+                  <a:t>katerem</a:t>
+                </a:r>
+                <a:r>
+                  <a:rPr lang="en-SI" dirty="0"/>
+                  <a:t> je </a:t>
+                </a:r>
+                <a14:m>
+                  <m:oMath xmlns:m="http://schemas.openxmlformats.org/officeDocument/2006/math">
+                    <m:r>
+                      <a:rPr lang="en-SI" i="1" dirty="0">
+                        <a:latin typeface="Cambria Math" panose="02040503050406030204" pitchFamily="18" charset="0"/>
+                      </a:rPr>
+                      <m:t>||</m:t>
+                    </m:r>
+                    <m:sSubSup>
+                      <m:sSubSupPr>
+                        <m:ctrlPr>
+                          <a:rPr lang="en-SI" i="1" dirty="0" smtClean="0">
+                            <a:latin typeface="Cambria Math" panose="02040503050406030204" pitchFamily="18" charset="0"/>
+                          </a:rPr>
+                        </m:ctrlPr>
+                      </m:sSubSupPr>
+                      <m:e>
+                        <m:r>
+                          <a:rPr lang="en-SI" b="0" i="1" dirty="0" smtClean="0">
+                            <a:latin typeface="Cambria Math" panose="02040503050406030204" pitchFamily="18" charset="0"/>
+                          </a:rPr>
+                          <m:t>𝑈</m:t>
+                        </m:r>
+                      </m:e>
+                      <m:sub>
+                        <m:r>
+                          <a:rPr lang="en-SI" b="0" i="1" dirty="0" smtClean="0">
+                            <a:latin typeface="Cambria Math" panose="02040503050406030204" pitchFamily="18" charset="0"/>
+                          </a:rPr>
+                          <m:t>𝑖</m:t>
+                        </m:r>
+                      </m:sub>
+                      <m:sup>
+                        <m:r>
+                          <a:rPr lang="en-SI" b="0" i="1" dirty="0" smtClean="0">
+                            <a:latin typeface="Cambria Math" panose="02040503050406030204" pitchFamily="18" charset="0"/>
+                          </a:rPr>
+                          <m:t>𝑇</m:t>
+                        </m:r>
+                      </m:sup>
+                    </m:sSubSup>
+                    <m:r>
+                      <a:rPr lang="sl-SI" b="1" i="1" dirty="0">
+                        <a:latin typeface="Cambria Math" panose="02040503050406030204" pitchFamily="18" charset="0"/>
+                      </a:rPr>
+                      <m:t>𝒃</m:t>
+                    </m:r>
+                    <m:r>
+                      <a:rPr lang="sl-SI" i="1" dirty="0">
+                        <a:latin typeface="Cambria Math" panose="02040503050406030204" pitchFamily="18" charset="0"/>
+                      </a:rPr>
+                      <m:t>−</m:t>
+                    </m:r>
+                    <m:sSub>
+                      <m:sSubPr>
+                        <m:ctrlPr>
+                          <a:rPr lang="en-SI" i="1">
+                            <a:latin typeface="Cambria Math" panose="02040503050406030204" pitchFamily="18" charset="0"/>
+                          </a:rPr>
+                        </m:ctrlPr>
+                      </m:sSubPr>
+                      <m:e>
+                        <m:r>
+                          <a:rPr lang="en-SI" i="1">
+                            <a:latin typeface="Cambria Math" panose="02040503050406030204" pitchFamily="18" charset="0"/>
+                          </a:rPr>
+                          <m:t>𝑆</m:t>
+                        </m:r>
+                      </m:e>
+                      <m:sub>
+                        <m:r>
+                          <a:rPr lang="en-SI" i="1">
+                            <a:latin typeface="Cambria Math" panose="02040503050406030204" pitchFamily="18" charset="0"/>
+                          </a:rPr>
+                          <m:t>𝑖</m:t>
+                        </m:r>
+                      </m:sub>
+                    </m:sSub>
+                    <m:sSubSup>
+                      <m:sSubSupPr>
+                        <m:ctrlPr>
+                          <a:rPr lang="en-SI" i="1">
+                            <a:latin typeface="Cambria Math" panose="02040503050406030204" pitchFamily="18" charset="0"/>
+                          </a:rPr>
+                        </m:ctrlPr>
+                      </m:sSubSupPr>
+                      <m:e>
+                        <m:r>
+                          <a:rPr lang="en-SI" b="1" i="1">
+                            <a:latin typeface="Cambria Math" panose="02040503050406030204" pitchFamily="18" charset="0"/>
+                          </a:rPr>
+                          <m:t>𝒚</m:t>
+                        </m:r>
+                      </m:e>
+                      <m:sub>
+                        <m:r>
+                          <a:rPr lang="en-SI" i="1">
+                            <a:latin typeface="Cambria Math" panose="02040503050406030204" pitchFamily="18" charset="0"/>
+                          </a:rPr>
+                          <m:t>𝑖</m:t>
+                        </m:r>
+                      </m:sub>
+                      <m:sup/>
+                    </m:sSubSup>
+                    <m:r>
+                      <a:rPr lang="en-SI" i="1" dirty="0">
+                        <a:latin typeface="Cambria Math" panose="02040503050406030204" pitchFamily="18" charset="0"/>
+                      </a:rPr>
+                      <m:t>||</m:t>
+                    </m:r>
+                  </m:oMath>
+                </a14:m>
+                <a:r>
+                  <a:rPr lang="en-SI" dirty="0"/>
+                  <a:t> najmanjši</a:t>
+                </a:r>
+              </a:p>
+              <a:p>
+                <a:pPr lvl="1"/>
+                <a:endParaRPr lang="en-SI" dirty="0"/>
+              </a:p>
+              <a:p>
+                <a:pPr lvl="1"/>
+                <a:endParaRPr lang="en-SI" dirty="0"/>
+              </a:p>
+            </p:txBody>
+          </p:sp>
+        </mc:Choice>
+        <mc:Fallback>
+          <p:sp>
+            <p:nvSpPr>
+              <p:cNvPr id="3" name="Content Placeholder 2">
+                <a:extLst>
+                  <a:ext uri="{FF2B5EF4-FFF2-40B4-BE49-F238E27FC236}">
+                    <a16:creationId xmlns:a16="http://schemas.microsoft.com/office/drawing/2014/main" id="{630E606C-B921-4403-8FD3-DB5E091E0E11}"/>
+                  </a:ext>
+                </a:extLst>
+              </p:cNvPr>
+              <p:cNvSpPr>
+                <a:spLocks noGrp="1" noRot="1" noChangeAspect="1" noMove="1" noResize="1" noEditPoints="1" noAdjustHandles="1" noChangeArrowheads="1" noChangeShapeType="1" noTextEdit="1"/>
+              </p:cNvSpPr>
+              <p:nvPr>
+                <p:ph idx="1"/>
+              </p:nvPr>
+            </p:nvSpPr>
+            <p:spPr>
+              <a:blipFill>
+                <a:blip r:embed="rId2"/>
+                <a:stretch>
+                  <a:fillRect l="-221" t="-2819"/>
+                </a:stretch>
+              </a:blipFill>
+            </p:spPr>
+            <p:txBody>
+              <a:bodyPr/>
+              <a:lstStyle/>
+              <a:p>
+                <a:r>
+                  <a:rPr lang="en-SI">
+                    <a:noFill/>
+                  </a:rPr>
+                  <a:t> </a:t>
+                </a:r>
+              </a:p>
+            </p:txBody>
+          </p:sp>
+        </mc:Fallback>
+      </mc:AlternateContent>
+      <p:pic>
+        <p:nvPicPr>
+          <p:cNvPr id="2052" name="Picture 4">
             <a:extLst>
               <a:ext uri="{FF2B5EF4-FFF2-40B4-BE49-F238E27FC236}">
-                <a16:creationId xmlns:a16="http://schemas.microsoft.com/office/drawing/2014/main" id="{630E606C-B921-4403-8FD3-DB5E091E0E11}"/>
+                <a16:creationId xmlns:a16="http://schemas.microsoft.com/office/drawing/2014/main" id="{3A65A55D-EFEF-4C1A-B2DE-AB9C6503202C}"/>
               </a:ext>
             </a:extLst>
           </p:cNvPr>
-          <p:cNvSpPr>
-            <a:spLocks noGrp="1"/>
-          </p:cNvSpPr>
-          <p:nvPr>
-            <p:ph idx="1"/>
-          </p:nvPr>
-        </p:nvSpPr>
-        <p:spPr/>
-        <p:txBody>
-          <a:bodyPr anchor="ctr"/>
-          <a:lstStyle/>
-          <a:p>
-            <a:r>
-              <a:rPr lang="en-SI" dirty="0"/>
-              <a:t>?</a:t>
-            </a:r>
-          </a:p>
-        </p:txBody>
-      </p:sp>
+          <p:cNvPicPr>
+            <a:picLocks noChangeAspect="1" noChangeArrowheads="1"/>
+          </p:cNvPicPr>
+          <p:nvPr/>
+        </p:nvPicPr>
+        <p:blipFill>
+          <a:blip r:embed="rId3">
+            <a:extLst>
+              <a:ext uri="{28A0092B-C50C-407E-A947-70E740481C1C}">
+                <a14:useLocalDpi xmlns:a14="http://schemas.microsoft.com/office/drawing/2010/main" val="0"/>
+              </a:ext>
+            </a:extLst>
+          </a:blip>
+          <a:srcRect/>
+          <a:stretch>
+            <a:fillRect/>
+          </a:stretch>
+        </p:blipFill>
+        <p:spPr bwMode="auto">
+          <a:xfrm>
+            <a:off x="1281026" y="3351184"/>
+            <a:ext cx="3019425" cy="390525"/>
+          </a:xfrm>
+          <a:prstGeom prst="rect">
+            <a:avLst/>
+          </a:prstGeom>
+          <a:noFill/>
+          <a:extLst>
+            <a:ext uri="{909E8E84-426E-40DD-AFC4-6F175D3DCCD1}">
+              <a14:hiddenFill xmlns:a14="http://schemas.microsoft.com/office/drawing/2010/main">
+                <a:solidFill>
+                  <a:srgbClr val="FFFFFF"/>
+                </a:solidFill>
+              </a14:hiddenFill>
+            </a:ext>
+          </a:extLst>
+        </p:spPr>
+      </p:pic>
+      <p:pic>
+        <p:nvPicPr>
+          <p:cNvPr id="2054" name="Picture 6">
+            <a:extLst>
+              <a:ext uri="{FF2B5EF4-FFF2-40B4-BE49-F238E27FC236}">
+                <a16:creationId xmlns:a16="http://schemas.microsoft.com/office/drawing/2014/main" id="{8F6A3082-A7F9-480A-9823-58A589FEA6E5}"/>
+              </a:ext>
+            </a:extLst>
+          </p:cNvPr>
+          <p:cNvPicPr>
+            <a:picLocks noChangeAspect="1" noChangeArrowheads="1"/>
+          </p:cNvPicPr>
+          <p:nvPr/>
+        </p:nvPicPr>
+        <p:blipFill>
+          <a:blip r:embed="rId4">
+            <a:extLst>
+              <a:ext uri="{28A0092B-C50C-407E-A947-70E740481C1C}">
+                <a14:useLocalDpi xmlns:a14="http://schemas.microsoft.com/office/drawing/2010/main" val="0"/>
+              </a:ext>
+            </a:extLst>
+          </a:blip>
+          <a:srcRect/>
+          <a:stretch>
+            <a:fillRect/>
+          </a:stretch>
+        </p:blipFill>
+        <p:spPr bwMode="auto">
+          <a:xfrm>
+            <a:off x="1281026" y="5439699"/>
+            <a:ext cx="3886200" cy="419100"/>
+          </a:xfrm>
+          <a:prstGeom prst="rect">
+            <a:avLst/>
+          </a:prstGeom>
+          <a:noFill/>
+          <a:extLst>
+            <a:ext uri="{909E8E84-426E-40DD-AFC4-6F175D3DCCD1}">
+              <a14:hiddenFill xmlns:a14="http://schemas.microsoft.com/office/drawing/2010/main">
+                <a:solidFill>
+                  <a:srgbClr val="FFFFFF"/>
+                </a:solidFill>
+              </a14:hiddenFill>
+            </a:ext>
+          </a:extLst>
+        </p:spPr>
+      </p:pic>
     </p:spTree>
     <p:extLst>
       <p:ext uri="{BB962C8B-B14F-4D97-AF65-F5344CB8AC3E}">
@@ -6057,16 +7077,411 @@
         </p:nvSpPr>
         <p:spPr/>
         <p:txBody>
-          <a:bodyPr/>
+          <a:bodyPr anchor="t"/>
           <a:lstStyle/>
           <a:p>
+            <a:pPr marL="0" indent="0">
+              <a:buNone/>
+            </a:pPr>
             <a:r>
               <a:rPr lang="en-SI" dirty="0"/>
-              <a:t>?</a:t>
+              <a:t>Levi </a:t>
+            </a:r>
+            <a:r>
+              <a:rPr lang="en-SI" dirty="0" err="1"/>
+              <a:t>singularni</a:t>
+            </a:r>
+            <a:r>
+              <a:rPr lang="en-SI" dirty="0"/>
+              <a:t> </a:t>
+            </a:r>
+            <a:r>
+              <a:rPr lang="en-SI" dirty="0" err="1"/>
+              <a:t>vektorji</a:t>
+            </a:r>
+            <a:r>
+              <a:rPr lang="en-SI" dirty="0"/>
+              <a:t> </a:t>
+            </a:r>
+            <a:r>
+              <a:rPr lang="en-SI" dirty="0" err="1"/>
+              <a:t>kot</a:t>
+            </a:r>
+            <a:r>
+              <a:rPr lang="en-SI" dirty="0"/>
+              <a:t> </a:t>
+            </a:r>
+            <a:r>
+              <a:rPr lang="en-SI" dirty="0" err="1"/>
+              <a:t>slike</a:t>
+            </a:r>
+            <a:r>
+              <a:rPr lang="en-SI" dirty="0"/>
+              <a:t>:</a:t>
             </a:r>
           </a:p>
         </p:txBody>
       </p:sp>
+      <p:graphicFrame>
+        <p:nvGraphicFramePr>
+          <p:cNvPr id="4" name="Table 4">
+            <a:extLst>
+              <a:ext uri="{FF2B5EF4-FFF2-40B4-BE49-F238E27FC236}">
+                <a16:creationId xmlns:a16="http://schemas.microsoft.com/office/drawing/2014/main" id="{66B72244-9C3F-469D-ADF5-2E7F3C936ADE}"/>
+              </a:ext>
+            </a:extLst>
+          </p:cNvPr>
+          <p:cNvGraphicFramePr>
+            <a:graphicFrameLocks noGrp="1"/>
+          </p:cNvGraphicFramePr>
+          <p:nvPr>
+            <p:extLst>
+              <p:ext uri="{D42A27DB-BD31-4B8C-83A1-F6EECF244321}">
+                <p14:modId xmlns:p14="http://schemas.microsoft.com/office/powerpoint/2010/main" val="448903161"/>
+              </p:ext>
+            </p:extLst>
+          </p:nvPr>
+        </p:nvGraphicFramePr>
+        <p:xfrm>
+          <a:off x="518252" y="2684477"/>
+          <a:ext cx="11155494" cy="3858293"/>
+        </p:xfrm>
+        <a:graphic>
+          <a:graphicData uri="http://schemas.openxmlformats.org/drawingml/2006/table">
+            <a:tbl>
+              <a:tblPr firstRow="1" bandRow="1">
+                <a:tableStyleId>{5C22544A-7EE6-4342-B048-85BDC9FD1C3A}</a:tableStyleId>
+              </a:tblPr>
+              <a:tblGrid>
+                <a:gridCol w="3718498">
+                  <a:extLst>
+                    <a:ext uri="{9D8B030D-6E8A-4147-A177-3AD203B41FA5}">
+                      <a16:colId xmlns:a16="http://schemas.microsoft.com/office/drawing/2014/main" val="2709634126"/>
+                    </a:ext>
+                  </a:extLst>
+                </a:gridCol>
+                <a:gridCol w="3718498">
+                  <a:extLst>
+                    <a:ext uri="{9D8B030D-6E8A-4147-A177-3AD203B41FA5}">
+                      <a16:colId xmlns:a16="http://schemas.microsoft.com/office/drawing/2014/main" val="1390442595"/>
+                    </a:ext>
+                  </a:extLst>
+                </a:gridCol>
+                <a:gridCol w="3718498">
+                  <a:extLst>
+                    <a:ext uri="{9D8B030D-6E8A-4147-A177-3AD203B41FA5}">
+                      <a16:colId xmlns:a16="http://schemas.microsoft.com/office/drawing/2014/main" val="916355053"/>
+                    </a:ext>
+                  </a:extLst>
+                </a:gridCol>
+              </a:tblGrid>
+              <a:tr h="534399">
+                <a:tc>
+                  <a:txBody>
+                    <a:bodyPr/>
+                    <a:lstStyle/>
+                    <a:p>
+                      <a:pPr algn="ctr"/>
+                      <a:r>
+                        <a:rPr lang="en-SI" dirty="0"/>
+                        <a:t>2.</a:t>
+                      </a:r>
+                    </a:p>
+                  </a:txBody>
+                  <a:tcPr/>
+                </a:tc>
+                <a:tc>
+                  <a:txBody>
+                    <a:bodyPr/>
+                    <a:lstStyle/>
+                    <a:p>
+                      <a:pPr algn="ctr"/>
+                      <a:r>
+                        <a:rPr lang="en-SI" dirty="0"/>
+                        <a:t>4.</a:t>
+                      </a:r>
+                    </a:p>
+                  </a:txBody>
+                  <a:tcPr/>
+                </a:tc>
+                <a:tc>
+                  <a:txBody>
+                    <a:bodyPr/>
+                    <a:lstStyle/>
+                    <a:p>
+                      <a:pPr algn="ctr"/>
+                      <a:r>
+                        <a:rPr lang="en-SI" dirty="0"/>
+                        <a:t>8.</a:t>
+                      </a:r>
+                    </a:p>
+                  </a:txBody>
+                  <a:tcPr/>
+                </a:tc>
+                <a:extLst>
+                  <a:ext uri="{0D108BD9-81ED-4DB2-BD59-A6C34878D82A}">
+                    <a16:rowId xmlns:a16="http://schemas.microsoft.com/office/drawing/2014/main" val="1475840540"/>
+                  </a:ext>
+                </a:extLst>
+              </a:tr>
+              <a:tr h="1661947">
+                <a:tc>
+                  <a:txBody>
+                    <a:bodyPr/>
+                    <a:lstStyle/>
+                    <a:p>
+                      <a:endParaRPr lang="en-SI" dirty="0"/>
+                    </a:p>
+                  </a:txBody>
+                  <a:tcPr/>
+                </a:tc>
+                <a:tc>
+                  <a:txBody>
+                    <a:bodyPr/>
+                    <a:lstStyle/>
+                    <a:p>
+                      <a:endParaRPr lang="en-SI"/>
+                    </a:p>
+                  </a:txBody>
+                  <a:tcPr/>
+                </a:tc>
+                <a:tc>
+                  <a:txBody>
+                    <a:bodyPr/>
+                    <a:lstStyle/>
+                    <a:p>
+                      <a:endParaRPr lang="en-SI"/>
+                    </a:p>
+                  </a:txBody>
+                  <a:tcPr/>
+                </a:tc>
+                <a:extLst>
+                  <a:ext uri="{0D108BD9-81ED-4DB2-BD59-A6C34878D82A}">
+                    <a16:rowId xmlns:a16="http://schemas.microsoft.com/office/drawing/2014/main" val="2111215941"/>
+                  </a:ext>
+                </a:extLst>
+              </a:tr>
+              <a:tr h="1661947">
+                <a:tc>
+                  <a:txBody>
+                    <a:bodyPr/>
+                    <a:lstStyle/>
+                    <a:p>
+                      <a:endParaRPr lang="en-SI" dirty="0"/>
+                    </a:p>
+                  </a:txBody>
+                  <a:tcPr/>
+                </a:tc>
+                <a:tc>
+                  <a:txBody>
+                    <a:bodyPr/>
+                    <a:lstStyle/>
+                    <a:p>
+                      <a:endParaRPr lang="en-SI" dirty="0"/>
+                    </a:p>
+                  </a:txBody>
+                  <a:tcPr/>
+                </a:tc>
+                <a:tc>
+                  <a:txBody>
+                    <a:bodyPr/>
+                    <a:lstStyle/>
+                    <a:p>
+                      <a:endParaRPr lang="en-SI" dirty="0"/>
+                    </a:p>
+                  </a:txBody>
+                  <a:tcPr/>
+                </a:tc>
+                <a:extLst>
+                  <a:ext uri="{0D108BD9-81ED-4DB2-BD59-A6C34878D82A}">
+                    <a16:rowId xmlns:a16="http://schemas.microsoft.com/office/drawing/2014/main" val="3484815691"/>
+                  </a:ext>
+                </a:extLst>
+              </a:tr>
+            </a:tbl>
+          </a:graphicData>
+        </a:graphic>
+      </p:graphicFrame>
+      <p:pic>
+        <p:nvPicPr>
+          <p:cNvPr id="5" name="Picture 4">
+            <a:extLst>
+              <a:ext uri="{FF2B5EF4-FFF2-40B4-BE49-F238E27FC236}">
+                <a16:creationId xmlns:a16="http://schemas.microsoft.com/office/drawing/2014/main" id="{54A428DC-075C-4365-8DA3-EF43F2C027FA}"/>
+              </a:ext>
+            </a:extLst>
+          </p:cNvPr>
+          <p:cNvPicPr>
+            <a:picLocks noChangeAspect="1"/>
+          </p:cNvPicPr>
+          <p:nvPr/>
+        </p:nvPicPr>
+        <p:blipFill>
+          <a:blip r:embed="rId2"/>
+          <a:stretch>
+            <a:fillRect/>
+          </a:stretch>
+        </p:blipFill>
+        <p:spPr>
+          <a:xfrm>
+            <a:off x="1600238" y="3312477"/>
+            <a:ext cx="1473607" cy="1469247"/>
+          </a:xfrm>
+          <a:prstGeom prst="rect">
+            <a:avLst/>
+          </a:prstGeom>
+        </p:spPr>
+      </p:pic>
+      <p:pic>
+        <p:nvPicPr>
+          <p:cNvPr id="6" name="Picture 5">
+            <a:extLst>
+              <a:ext uri="{FF2B5EF4-FFF2-40B4-BE49-F238E27FC236}">
+                <a16:creationId xmlns:a16="http://schemas.microsoft.com/office/drawing/2014/main" id="{AD4CF20F-AC53-4726-BE58-474660F96D07}"/>
+              </a:ext>
+            </a:extLst>
+          </p:cNvPr>
+          <p:cNvPicPr>
+            <a:picLocks noChangeAspect="1"/>
+          </p:cNvPicPr>
+          <p:nvPr/>
+        </p:nvPicPr>
+        <p:blipFill>
+          <a:blip r:embed="rId3"/>
+          <a:stretch>
+            <a:fillRect/>
+          </a:stretch>
+        </p:blipFill>
+        <p:spPr>
+          <a:xfrm>
+            <a:off x="9113770" y="3308117"/>
+            <a:ext cx="1477992" cy="1473607"/>
+          </a:xfrm>
+          <a:prstGeom prst="rect">
+            <a:avLst/>
+          </a:prstGeom>
+        </p:spPr>
+      </p:pic>
+      <p:pic>
+        <p:nvPicPr>
+          <p:cNvPr id="7" name="Picture 6">
+            <a:extLst>
+              <a:ext uri="{FF2B5EF4-FFF2-40B4-BE49-F238E27FC236}">
+                <a16:creationId xmlns:a16="http://schemas.microsoft.com/office/drawing/2014/main" id="{A9066C64-8675-4DEE-88BD-515FB270CDD5}"/>
+              </a:ext>
+            </a:extLst>
+          </p:cNvPr>
+          <p:cNvPicPr>
+            <a:picLocks noChangeAspect="1"/>
+          </p:cNvPicPr>
+          <p:nvPr/>
+        </p:nvPicPr>
+        <p:blipFill>
+          <a:blip r:embed="rId4"/>
+          <a:stretch>
+            <a:fillRect/>
+          </a:stretch>
+        </p:blipFill>
+        <p:spPr>
+          <a:xfrm>
+            <a:off x="5359195" y="3308117"/>
+            <a:ext cx="1473607" cy="1473607"/>
+          </a:xfrm>
+          <a:prstGeom prst="rect">
+            <a:avLst/>
+          </a:prstGeom>
+        </p:spPr>
+      </p:pic>
+      <p:pic>
+        <p:nvPicPr>
+          <p:cNvPr id="11" name="Picture 10">
+            <a:extLst>
+              <a:ext uri="{FF2B5EF4-FFF2-40B4-BE49-F238E27FC236}">
+                <a16:creationId xmlns:a16="http://schemas.microsoft.com/office/drawing/2014/main" id="{6C7F3101-F2B6-455E-8BCC-6BC46CB2FE23}"/>
+              </a:ext>
+            </a:extLst>
+          </p:cNvPr>
+          <p:cNvPicPr>
+            <a:picLocks noChangeAspect="1"/>
+          </p:cNvPicPr>
+          <p:nvPr/>
+        </p:nvPicPr>
+        <p:blipFill>
+          <a:blip r:embed="rId5"/>
+          <a:stretch>
+            <a:fillRect/>
+          </a:stretch>
+        </p:blipFill>
+        <p:spPr>
+          <a:xfrm>
+            <a:off x="5359194" y="4971081"/>
+            <a:ext cx="1473607" cy="1477993"/>
+          </a:xfrm>
+          <a:prstGeom prst="rect">
+            <a:avLst/>
+          </a:prstGeom>
+        </p:spPr>
+      </p:pic>
+      <p:pic>
+        <p:nvPicPr>
+          <p:cNvPr id="12" name="Picture 11">
+            <a:extLst>
+              <a:ext uri="{FF2B5EF4-FFF2-40B4-BE49-F238E27FC236}">
+                <a16:creationId xmlns:a16="http://schemas.microsoft.com/office/drawing/2014/main" id="{D7EF5412-6460-4D87-9D80-BB10A9765A77}"/>
+              </a:ext>
+            </a:extLst>
+          </p:cNvPr>
+          <p:cNvPicPr>
+            <a:picLocks noChangeAspect="1"/>
+          </p:cNvPicPr>
+          <p:nvPr/>
+        </p:nvPicPr>
+        <p:blipFill>
+          <a:blip r:embed="rId6"/>
+          <a:stretch>
+            <a:fillRect/>
+          </a:stretch>
+        </p:blipFill>
+        <p:spPr>
+          <a:xfrm>
+            <a:off x="1600238" y="4971081"/>
+            <a:ext cx="1473607" cy="1469247"/>
+          </a:xfrm>
+          <a:prstGeom prst="rect">
+            <a:avLst/>
+          </a:prstGeom>
+        </p:spPr>
+      </p:pic>
+      <p:pic>
+        <p:nvPicPr>
+          <p:cNvPr id="13" name="Picture 12">
+            <a:extLst>
+              <a:ext uri="{FF2B5EF4-FFF2-40B4-BE49-F238E27FC236}">
+                <a16:creationId xmlns:a16="http://schemas.microsoft.com/office/drawing/2014/main" id="{4CBAE42C-4B66-4D75-8CBC-D704FBAFAEA3}"/>
+              </a:ext>
+            </a:extLst>
+          </p:cNvPr>
+          <p:cNvPicPr>
+            <a:picLocks noChangeAspect="1"/>
+          </p:cNvPicPr>
+          <p:nvPr/>
+        </p:nvPicPr>
+        <p:blipFill>
+          <a:blip r:embed="rId7"/>
+          <a:stretch>
+            <a:fillRect/>
+          </a:stretch>
+        </p:blipFill>
+        <p:spPr>
+          <a:xfrm>
+            <a:off x="9118155" y="4971081"/>
+            <a:ext cx="1473607" cy="1473607"/>
+          </a:xfrm>
+          <a:prstGeom prst="rect">
+            <a:avLst/>
+          </a:prstGeom>
+        </p:spPr>
+      </p:pic>
     </p:spTree>
     <p:extLst>
       <p:ext uri="{BB962C8B-B14F-4D97-AF65-F5344CB8AC3E}">

--- a/Prepoznavanje ročno napisanih števk.pptx
+++ b/Prepoznavanje ročno napisanih števk.pptx
@@ -5,10 +5,10 @@
     <p:sldMasterId id="2147483672" r:id="rId4"/>
   </p:sldMasterIdLst>
   <p:notesMasterIdLst>
-    <p:notesMasterId r:id="rId12"/>
+    <p:notesMasterId r:id="rId13"/>
   </p:notesMasterIdLst>
   <p:handoutMasterIdLst>
-    <p:handoutMasterId r:id="rId13"/>
+    <p:handoutMasterId r:id="rId14"/>
   </p:handoutMasterIdLst>
   <p:sldIdLst>
     <p:sldId id="256" r:id="rId5"/>
@@ -18,6 +18,7 @@
     <p:sldId id="267" r:id="rId9"/>
     <p:sldId id="264" r:id="rId10"/>
     <p:sldId id="265" r:id="rId11"/>
+    <p:sldId id="268" r:id="rId12"/>
   </p:sldIdLst>
   <p:sldSz cx="12192000" cy="6858000"/>
   <p:notesSz cx="6858000" cy="9144000"/>
@@ -5248,7 +5249,7 @@
         </p:blipFill>
         <p:spPr>
           <a:xfrm>
-            <a:off x="7767084" y="4216913"/>
+            <a:off x="8093132" y="2139188"/>
             <a:ext cx="1910356" cy="1910356"/>
           </a:xfrm>
           <a:prstGeom prst="rect">
@@ -5278,7 +5279,7 @@
         </p:blipFill>
         <p:spPr>
           <a:xfrm>
-            <a:off x="2077168" y="4216912"/>
+            <a:off x="2169445" y="1919347"/>
             <a:ext cx="1910355" cy="2350038"/>
           </a:xfrm>
           <a:prstGeom prst="rect">
@@ -5310,7 +5311,7 @@
         </p:blipFill>
         <p:spPr>
           <a:xfrm>
-            <a:off x="7767083" y="2056240"/>
+            <a:off x="8112199" y="4472777"/>
             <a:ext cx="1910355" cy="1910355"/>
           </a:xfrm>
           <a:prstGeom prst="rect">
@@ -5340,7 +5341,7 @@
         </p:blipFill>
         <p:spPr>
           <a:xfrm>
-            <a:off x="2077168" y="2060600"/>
+            <a:off x="2169446" y="4472777"/>
             <a:ext cx="1910355" cy="1910355"/>
           </a:xfrm>
           <a:prstGeom prst="rect">
@@ -5362,7 +5363,7 @@
         </p:nvSpPr>
         <p:spPr>
           <a:xfrm>
-            <a:off x="4795123" y="2881387"/>
+            <a:off x="5004287" y="2964337"/>
             <a:ext cx="2164359" cy="260059"/>
           </a:xfrm>
           <a:prstGeom prst="rightArrow">
@@ -5408,7 +5409,7 @@
         </p:nvSpPr>
         <p:spPr>
           <a:xfrm>
-            <a:off x="4795122" y="5042061"/>
+            <a:off x="5013820" y="5297924"/>
             <a:ext cx="2164359" cy="260059"/>
           </a:xfrm>
           <a:prstGeom prst="rightArrow">
@@ -7250,7 +7251,7 @@
                     <a:bodyPr/>
                     <a:lstStyle/>
                     <a:p>
-                      <a:endParaRPr lang="en-SI"/>
+                      <a:endParaRPr lang="en-SI" dirty="0"/>
                     </a:p>
                   </a:txBody>
                   <a:tcPr/>
@@ -7304,10 +7305,10 @@
       </p:graphicFrame>
       <p:pic>
         <p:nvPicPr>
-          <p:cNvPr id="5" name="Picture 4">
+          <p:cNvPr id="19" name="Picture 18">
             <a:extLst>
               <a:ext uri="{FF2B5EF4-FFF2-40B4-BE49-F238E27FC236}">
-                <a16:creationId xmlns:a16="http://schemas.microsoft.com/office/drawing/2014/main" id="{54A428DC-075C-4365-8DA3-EF43F2C027FA}"/>
+                <a16:creationId xmlns:a16="http://schemas.microsoft.com/office/drawing/2014/main" id="{3E215345-DB12-4160-BD4C-0994A2D67808}"/>
               </a:ext>
             </a:extLst>
           </p:cNvPr>
@@ -7324,8 +7325,8 @@
         </p:blipFill>
         <p:spPr>
           <a:xfrm>
-            <a:off x="1600238" y="3312477"/>
-            <a:ext cx="1473607" cy="1469247"/>
+            <a:off x="1600237" y="3287020"/>
+            <a:ext cx="1473607" cy="1477967"/>
           </a:xfrm>
           <a:prstGeom prst="rect">
             <a:avLst/>
@@ -7334,10 +7335,10 @@
       </p:pic>
       <p:pic>
         <p:nvPicPr>
-          <p:cNvPr id="6" name="Picture 5">
+          <p:cNvPr id="20" name="Picture 19">
             <a:extLst>
               <a:ext uri="{FF2B5EF4-FFF2-40B4-BE49-F238E27FC236}">
-                <a16:creationId xmlns:a16="http://schemas.microsoft.com/office/drawing/2014/main" id="{AD4CF20F-AC53-4726-BE58-474660F96D07}"/>
+                <a16:creationId xmlns:a16="http://schemas.microsoft.com/office/drawing/2014/main" id="{FBDB311B-AD60-4643-A6F1-BB1ACA0D770A}"/>
               </a:ext>
             </a:extLst>
           </p:cNvPr>
@@ -7354,8 +7355,8 @@
         </p:blipFill>
         <p:spPr>
           <a:xfrm>
-            <a:off x="9113770" y="3308117"/>
-            <a:ext cx="1477992" cy="1473607"/>
+            <a:off x="5359195" y="3287020"/>
+            <a:ext cx="1491150" cy="1486725"/>
           </a:xfrm>
           <a:prstGeom prst="rect">
             <a:avLst/>
@@ -7364,10 +7365,10 @@
       </p:pic>
       <p:pic>
         <p:nvPicPr>
-          <p:cNvPr id="7" name="Picture 6">
+          <p:cNvPr id="21" name="Picture 20">
             <a:extLst>
               <a:ext uri="{FF2B5EF4-FFF2-40B4-BE49-F238E27FC236}">
-                <a16:creationId xmlns:a16="http://schemas.microsoft.com/office/drawing/2014/main" id="{A9066C64-8675-4DEE-88BD-515FB270CDD5}"/>
+                <a16:creationId xmlns:a16="http://schemas.microsoft.com/office/drawing/2014/main" id="{C3C92294-891A-45E4-A0C5-10CA1ADDD4E7}"/>
               </a:ext>
             </a:extLst>
           </p:cNvPr>
@@ -7384,8 +7385,8 @@
         </p:blipFill>
         <p:spPr>
           <a:xfrm>
-            <a:off x="5359195" y="3308117"/>
-            <a:ext cx="1473607" cy="1473607"/>
+            <a:off x="9069947" y="3284839"/>
+            <a:ext cx="1491150" cy="1482327"/>
           </a:xfrm>
           <a:prstGeom prst="rect">
             <a:avLst/>
@@ -7394,10 +7395,10 @@
       </p:pic>
       <p:pic>
         <p:nvPicPr>
-          <p:cNvPr id="11" name="Picture 10">
+          <p:cNvPr id="22" name="Picture 21">
             <a:extLst>
               <a:ext uri="{FF2B5EF4-FFF2-40B4-BE49-F238E27FC236}">
-                <a16:creationId xmlns:a16="http://schemas.microsoft.com/office/drawing/2014/main" id="{6C7F3101-F2B6-455E-8BCC-6BC46CB2FE23}"/>
+                <a16:creationId xmlns:a16="http://schemas.microsoft.com/office/drawing/2014/main" id="{CBCAD419-864F-4D79-B975-B08D630569CD}"/>
               </a:ext>
             </a:extLst>
           </p:cNvPr>
@@ -7414,8 +7415,8 @@
         </p:blipFill>
         <p:spPr>
           <a:xfrm>
-            <a:off x="5359194" y="4971081"/>
-            <a:ext cx="1473607" cy="1477993"/>
+            <a:off x="1579233" y="4983421"/>
+            <a:ext cx="1491150" cy="1504464"/>
           </a:xfrm>
           <a:prstGeom prst="rect">
             <a:avLst/>
@@ -7424,10 +7425,10 @@
       </p:pic>
       <p:pic>
         <p:nvPicPr>
-          <p:cNvPr id="12" name="Picture 11">
+          <p:cNvPr id="23" name="Picture 22">
             <a:extLst>
               <a:ext uri="{FF2B5EF4-FFF2-40B4-BE49-F238E27FC236}">
-                <a16:creationId xmlns:a16="http://schemas.microsoft.com/office/drawing/2014/main" id="{D7EF5412-6460-4D87-9D80-BB10A9765A77}"/>
+                <a16:creationId xmlns:a16="http://schemas.microsoft.com/office/drawing/2014/main" id="{D0EAC9FC-F3B8-47A4-A9BB-397A22DC2903}"/>
               </a:ext>
             </a:extLst>
           </p:cNvPr>
@@ -7444,8 +7445,8 @@
         </p:blipFill>
         <p:spPr>
           <a:xfrm>
-            <a:off x="1600238" y="4971081"/>
-            <a:ext cx="1473607" cy="1469247"/>
+            <a:off x="5331311" y="4996735"/>
+            <a:ext cx="1491150" cy="1491150"/>
           </a:xfrm>
           <a:prstGeom prst="rect">
             <a:avLst/>
@@ -7454,10 +7455,10 @@
       </p:pic>
       <p:pic>
         <p:nvPicPr>
-          <p:cNvPr id="13" name="Picture 12">
+          <p:cNvPr id="24" name="Picture 23">
             <a:extLst>
               <a:ext uri="{FF2B5EF4-FFF2-40B4-BE49-F238E27FC236}">
-                <a16:creationId xmlns:a16="http://schemas.microsoft.com/office/drawing/2014/main" id="{4CBAE42C-4B66-4D75-8CBC-D704FBAFAEA3}"/>
+                <a16:creationId xmlns:a16="http://schemas.microsoft.com/office/drawing/2014/main" id="{BB5C0BD4-8B00-4FFE-8A10-A308E8CE786E}"/>
               </a:ext>
             </a:extLst>
           </p:cNvPr>
@@ -7474,8 +7475,8 @@
         </p:blipFill>
         <p:spPr>
           <a:xfrm>
-            <a:off x="9118155" y="4971081"/>
-            <a:ext cx="1473607" cy="1473607"/>
+            <a:off x="9069948" y="4983421"/>
+            <a:ext cx="1491150" cy="1486712"/>
           </a:xfrm>
           <a:prstGeom prst="rect">
             <a:avLst/>
@@ -7601,7 +7602,7 @@
             <p:ph idx="1"/>
             <p:extLst>
               <p:ext uri="{D42A27DB-BD31-4B8C-83A1-F6EECF244321}">
-                <p14:modId xmlns:p14="http://schemas.microsoft.com/office/powerpoint/2010/main" val="244685597"/>
+                <p14:modId xmlns:p14="http://schemas.microsoft.com/office/powerpoint/2010/main" val="1945780588"/>
               </p:ext>
             </p:extLst>
           </p:nvPr>
@@ -7718,26 +7719,35 @@
                     <a:bodyPr/>
                     <a:lstStyle/>
                     <a:p>
+                      <a:pPr algn="ctr"/>
                       <a:r>
                         <a:rPr lang="en-SI" dirty="0"/>
-                        <a:t>MP: 0.6250</a:t>
+                        <a:t>MP: 0.6125</a:t>
                       </a:r>
                     </a:p>
                     <a:p>
+                      <a:pPr algn="ctr"/>
                       <a:r>
                         <a:rPr lang="en-SI" dirty="0"/>
-                        <a:t>SVD:  0.6500</a:t>
+                        <a:t>SVD(max):  0.6575</a:t>
                       </a:r>
                     </a:p>
                   </a:txBody>
-                  <a:tcPr/>
+                  <a:tcPr anchor="ctr">
+                    <a:solidFill>
+                      <a:schemeClr val="tx2">
+                        <a:lumMod val="20000"/>
+                        <a:lumOff val="80000"/>
+                      </a:schemeClr>
+                    </a:solidFill>
+                  </a:tcPr>
                 </a:tc>
                 <a:tc>
                   <a:txBody>
                     <a:bodyPr/>
                     <a:lstStyle/>
                     <a:p>
-                      <a:pPr marL="0" marR="0" lvl="0" indent="0" algn="l" defTabSz="457200" rtl="0" eaLnBrk="1" fontAlgn="auto" latinLnBrk="0" hangingPunct="1">
+                      <a:pPr marL="0" marR="0" lvl="0" indent="0" algn="ctr" defTabSz="457200" rtl="0" eaLnBrk="1" fontAlgn="auto" latinLnBrk="0" hangingPunct="1">
                         <a:lnSpc>
                           <a:spcPct val="100000"/>
                         </a:lnSpc>
@@ -7756,20 +7766,28 @@
                       </a:pPr>
                       <a:r>
                         <a:rPr lang="en-SI" dirty="0"/>
-                        <a:t>MP: 0.6250</a:t>
+                        <a:t>MP: 0.57875</a:t>
                       </a:r>
                     </a:p>
                     <a:p>
+                      <a:pPr algn="ctr"/>
                       <a:r>
                         <a:rPr lang="en-SI" dirty="0"/>
-                        <a:t>SVD: 0.6500</a:t>
+                        <a:t>SVD(max): 0.63750</a:t>
                       </a:r>
                     </a:p>
                     <a:p>
                       <a:endParaRPr lang="en-SI" dirty="0"/>
                     </a:p>
                   </a:txBody>
-                  <a:tcPr/>
+                  <a:tcPr anchor="ctr">
+                    <a:solidFill>
+                      <a:schemeClr val="tx2">
+                        <a:lumMod val="20000"/>
+                        <a:lumOff val="80000"/>
+                      </a:schemeClr>
+                    </a:solidFill>
+                  </a:tcPr>
                 </a:tc>
                 <a:extLst>
                   <a:ext uri="{0D108BD9-81ED-4DB2-BD59-A6C34878D82A}">
@@ -7809,44 +7827,52 @@
                     <a:bodyPr/>
                     <a:lstStyle/>
                     <a:p>
+                      <a:pPr algn="ctr"/>
                       <a:r>
                         <a:rPr lang="en-SI" dirty="0"/>
-                        <a:t>MP: 0.7750</a:t>
+                        <a:t>MP: 0.69875</a:t>
                       </a:r>
                     </a:p>
                     <a:p>
+                      <a:pPr algn="ctr"/>
                       <a:r>
                         <a:rPr lang="en-SI" dirty="0"/>
-                        <a:t>SVD: 0.8125</a:t>
+                        <a:t>SVD(max): 0.72875</a:t>
                       </a:r>
                     </a:p>
                     <a:p>
                       <a:endParaRPr lang="en-SI" dirty="0"/>
                     </a:p>
                   </a:txBody>
-                  <a:tcPr/>
+                  <a:tcPr anchor="ctr">
+                    <a:solidFill>
+                      <a:srgbClr val="92D050"/>
+                    </a:solidFill>
+                  </a:tcPr>
                 </a:tc>
                 <a:tc>
                   <a:txBody>
                     <a:bodyPr/>
                     <a:lstStyle/>
                     <a:p>
+                      <a:pPr algn="ctr"/>
                       <a:r>
                         <a:rPr lang="en-SI" dirty="0"/>
-                        <a:t>MP: 0.6375</a:t>
+                        <a:t>MP: 0.64500</a:t>
                       </a:r>
                     </a:p>
                     <a:p>
+                      <a:pPr algn="ctr"/>
                       <a:r>
                         <a:rPr lang="en-SI" dirty="0"/>
-                        <a:t>SVD: 0.6250</a:t>
+                        <a:t>SVD(max): 0.68125</a:t>
                       </a:r>
                     </a:p>
                     <a:p>
                       <a:endParaRPr lang="en-SI" dirty="0"/>
                     </a:p>
                   </a:txBody>
-                  <a:tcPr/>
+                  <a:tcPr anchor="ctr"/>
                 </a:tc>
                 <a:extLst>
                   <a:ext uri="{0D108BD9-81ED-4DB2-BD59-A6C34878D82A}">
@@ -7910,12 +7936,16 @@
           <a:lstStyle/>
           <a:p>
             <a:r>
+              <a:rPr lang="en-SI" dirty="0"/>
+              <a:t>CA v </a:t>
+            </a:r>
+            <a:r>
               <a:rPr lang="sl-SI" dirty="0"/>
               <a:t>O</a:t>
             </a:r>
             <a:r>
               <a:rPr lang="en-SI" dirty="0" err="1"/>
-              <a:t>dvisnost</a:t>
+              <a:t>dvisnosti</a:t>
             </a:r>
             <a:r>
               <a:rPr lang="en-SI" dirty="0"/>
@@ -7947,19 +7977,316 @@
       </p:sp>
       <p:pic>
         <p:nvPicPr>
-          <p:cNvPr id="1026" name="Picture 2">
+          <p:cNvPr id="7" name="Content Placeholder 6">
             <a:extLst>
               <a:ext uri="{FF2B5EF4-FFF2-40B4-BE49-F238E27FC236}">
-                <a16:creationId xmlns:a16="http://schemas.microsoft.com/office/drawing/2014/main" id="{FA91ADE7-57E1-4AD5-8DF5-2642326EF344}"/>
+                <a16:creationId xmlns:a16="http://schemas.microsoft.com/office/drawing/2014/main" id="{DDD37FA7-44C6-4370-9D9F-059CE8A07A7B}"/>
               </a:ext>
             </a:extLst>
           </p:cNvPr>
           <p:cNvPicPr>
-            <a:picLocks noGrp="1" noChangeAspect="1" noChangeArrowheads="1"/>
+            <a:picLocks noGrp="1" noChangeAspect="1"/>
           </p:cNvPicPr>
           <p:nvPr>
             <p:ph idx="1"/>
           </p:nvPr>
+        </p:nvPicPr>
+        <p:blipFill>
+          <a:blip r:embed="rId2"/>
+          <a:stretch>
+            <a:fillRect/>
+          </a:stretch>
+        </p:blipFill>
+        <p:spPr>
+          <a:xfrm>
+            <a:off x="4395550" y="2578462"/>
+            <a:ext cx="3400900" cy="2724530"/>
+          </a:xfrm>
+          <a:prstGeom prst="rect">
+            <a:avLst/>
+          </a:prstGeom>
+        </p:spPr>
+      </p:pic>
+      <p:pic>
+        <p:nvPicPr>
+          <p:cNvPr id="5" name="Picture 4">
+            <a:extLst>
+              <a:ext uri="{FF2B5EF4-FFF2-40B4-BE49-F238E27FC236}">
+                <a16:creationId xmlns:a16="http://schemas.microsoft.com/office/drawing/2014/main" id="{0A5604AE-E60A-4BB6-89AE-7308824DAC71}"/>
+              </a:ext>
+            </a:extLst>
+          </p:cNvPr>
+          <p:cNvPicPr>
+            <a:picLocks noChangeAspect="1"/>
+          </p:cNvPicPr>
+          <p:nvPr/>
+        </p:nvPicPr>
+        <p:blipFill rotWithShape="1">
+          <a:blip r:embed="rId3"/>
+          <a:srcRect b="349"/>
+          <a:stretch/>
+        </p:blipFill>
+        <p:spPr>
+          <a:xfrm>
+            <a:off x="957877" y="2573699"/>
+            <a:ext cx="3410426" cy="2724531"/>
+          </a:xfrm>
+          <a:prstGeom prst="rect">
+            <a:avLst/>
+          </a:prstGeom>
+        </p:spPr>
+      </p:pic>
+      <p:pic>
+        <p:nvPicPr>
+          <p:cNvPr id="6" name="Picture 5">
+            <a:extLst>
+              <a:ext uri="{FF2B5EF4-FFF2-40B4-BE49-F238E27FC236}">
+                <a16:creationId xmlns:a16="http://schemas.microsoft.com/office/drawing/2014/main" id="{845418E0-46E8-436E-921A-2F7FD83C08B4}"/>
+              </a:ext>
+            </a:extLst>
+          </p:cNvPr>
+          <p:cNvPicPr>
+            <a:picLocks noChangeAspect="1"/>
+          </p:cNvPicPr>
+          <p:nvPr/>
+        </p:nvPicPr>
+        <p:blipFill rotWithShape="1">
+          <a:blip r:embed="rId4"/>
+          <a:srcRect t="1379" b="1"/>
+          <a:stretch/>
+        </p:blipFill>
+        <p:spPr>
+          <a:xfrm>
+            <a:off x="7823697" y="2578460"/>
+            <a:ext cx="3429479" cy="2724531"/>
+          </a:xfrm>
+          <a:prstGeom prst="rect">
+            <a:avLst/>
+          </a:prstGeom>
+        </p:spPr>
+      </p:pic>
+    </p:spTree>
+    <p:extLst>
+      <p:ext uri="{BB962C8B-B14F-4D97-AF65-F5344CB8AC3E}">
+        <p14:creationId xmlns:p14="http://schemas.microsoft.com/office/powerpoint/2010/main" val="2931012932"/>
+      </p:ext>
+    </p:extLst>
+  </p:cSld>
+  <p:clrMapOvr>
+    <a:masterClrMapping/>
+  </p:clrMapOvr>
+</p:sld>
+</file>
+
+<file path=ppt/slides/slide8.xml><?xml version="1.0" encoding="utf-8"?>
+<p:sld xmlns:a="http://schemas.openxmlformats.org/drawingml/2006/main" xmlns:r="http://schemas.openxmlformats.org/officeDocument/2006/relationships" xmlns:p="http://schemas.openxmlformats.org/presentationml/2006/main">
+  <p:cSld>
+    <p:spTree>
+      <p:nvGrpSpPr>
+        <p:cNvPr id="1" name=""/>
+        <p:cNvGrpSpPr/>
+        <p:nvPr/>
+      </p:nvGrpSpPr>
+      <p:grpSpPr>
+        <a:xfrm>
+          <a:off x="0" y="0"/>
+          <a:ext cx="0" cy="0"/>
+          <a:chOff x="0" y="0"/>
+          <a:chExt cx="0" cy="0"/>
+        </a:xfrm>
+      </p:grpSpPr>
+      <p:sp>
+        <p:nvSpPr>
+          <p:cNvPr id="2" name="Title 1">
+            <a:extLst>
+              <a:ext uri="{FF2B5EF4-FFF2-40B4-BE49-F238E27FC236}">
+                <a16:creationId xmlns:a16="http://schemas.microsoft.com/office/drawing/2014/main" id="{858F7BC7-E7CB-445B-A091-B0A142915CEE}"/>
+              </a:ext>
+            </a:extLst>
+          </p:cNvPr>
+          <p:cNvSpPr>
+            <a:spLocks noGrp="1"/>
+          </p:cNvSpPr>
+          <p:nvPr>
+            <p:ph type="title"/>
+          </p:nvPr>
+        </p:nvSpPr>
+        <p:spPr/>
+        <p:txBody>
+          <a:bodyPr/>
+          <a:lstStyle/>
+          <a:p>
+            <a:r>
+              <a:rPr lang="en-SI" dirty="0" err="1"/>
+              <a:t>Napake</a:t>
+            </a:r>
+            <a:r>
+              <a:rPr lang="en-SI" dirty="0"/>
+              <a:t> </a:t>
+            </a:r>
+            <a:r>
+              <a:rPr lang="en-SI" dirty="0" err="1"/>
+              <a:t>pri</a:t>
+            </a:r>
+            <a:r>
+              <a:rPr lang="en-SI" dirty="0"/>
+              <a:t> </a:t>
+            </a:r>
+            <a:r>
+              <a:rPr lang="en-SI" dirty="0" err="1"/>
+              <a:t>računanju</a:t>
+            </a:r>
+            <a:r>
+              <a:rPr lang="en-SI" dirty="0"/>
+              <a:t> za </a:t>
+            </a:r>
+            <a:r>
+              <a:rPr lang="en-SI" dirty="0" err="1"/>
+              <a:t>posamezne</a:t>
+            </a:r>
+            <a:r>
+              <a:rPr lang="en-SI" dirty="0"/>
+              <a:t> </a:t>
+            </a:r>
+            <a:r>
+              <a:rPr lang="en-SI" dirty="0" err="1"/>
+              <a:t>števke</a:t>
+            </a:r>
+            <a:endParaRPr lang="en-SI" dirty="0"/>
+          </a:p>
+        </p:txBody>
+      </p:sp>
+      <p:sp>
+        <p:nvSpPr>
+          <p:cNvPr id="7" name="TextBox 6">
+            <a:extLst>
+              <a:ext uri="{FF2B5EF4-FFF2-40B4-BE49-F238E27FC236}">
+                <a16:creationId xmlns:a16="http://schemas.microsoft.com/office/drawing/2014/main" id="{B24BFD3A-6CD0-4C1A-9A80-EAED4F72FE42}"/>
+              </a:ext>
+            </a:extLst>
+          </p:cNvPr>
+          <p:cNvSpPr txBox="1"/>
+          <p:nvPr/>
+        </p:nvSpPr>
+        <p:spPr>
+          <a:xfrm>
+            <a:off x="1252844" y="5571068"/>
+            <a:ext cx="1828801" cy="584775"/>
+          </a:xfrm>
+          <a:prstGeom prst="rect">
+            <a:avLst/>
+          </a:prstGeom>
+          <a:noFill/>
+        </p:spPr>
+        <p:txBody>
+          <a:bodyPr wrap="square" rtlCol="0">
+            <a:spAutoFit/>
+          </a:bodyPr>
+          <a:lstStyle/>
+          <a:p>
+            <a:r>
+              <a:rPr lang="en-SI" sz="3200" dirty="0" err="1"/>
+              <a:t>Števka</a:t>
+            </a:r>
+            <a:r>
+              <a:rPr lang="en-SI" sz="3200" dirty="0"/>
+              <a:t>: 0</a:t>
+            </a:r>
+          </a:p>
+        </p:txBody>
+      </p:sp>
+      <p:sp>
+        <p:nvSpPr>
+          <p:cNvPr id="11" name="TextBox 10">
+            <a:extLst>
+              <a:ext uri="{FF2B5EF4-FFF2-40B4-BE49-F238E27FC236}">
+                <a16:creationId xmlns:a16="http://schemas.microsoft.com/office/drawing/2014/main" id="{C35DDF96-D612-461C-9E6B-685922C5D3FB}"/>
+              </a:ext>
+            </a:extLst>
+          </p:cNvPr>
+          <p:cNvSpPr txBox="1"/>
+          <p:nvPr/>
+        </p:nvSpPr>
+        <p:spPr>
+          <a:xfrm>
+            <a:off x="5011182" y="5571068"/>
+            <a:ext cx="2169634" cy="584775"/>
+          </a:xfrm>
+          <a:prstGeom prst="rect">
+            <a:avLst/>
+          </a:prstGeom>
+          <a:noFill/>
+        </p:spPr>
+        <p:txBody>
+          <a:bodyPr wrap="square" rtlCol="0">
+            <a:spAutoFit/>
+          </a:bodyPr>
+          <a:lstStyle/>
+          <a:p>
+            <a:pPr algn="ctr"/>
+            <a:r>
+              <a:rPr lang="en-SI" sz="3200" dirty="0" err="1"/>
+              <a:t>Števka</a:t>
+            </a:r>
+            <a:r>
+              <a:rPr lang="en-SI" sz="3200" dirty="0"/>
+              <a:t>: 4</a:t>
+            </a:r>
+          </a:p>
+        </p:txBody>
+      </p:sp>
+      <p:sp>
+        <p:nvSpPr>
+          <p:cNvPr id="12" name="TextBox 11">
+            <a:extLst>
+              <a:ext uri="{FF2B5EF4-FFF2-40B4-BE49-F238E27FC236}">
+                <a16:creationId xmlns:a16="http://schemas.microsoft.com/office/drawing/2014/main" id="{CF4F3FD7-3B60-4DB5-B9EC-FA22B779E3E1}"/>
+              </a:ext>
+            </a:extLst>
+          </p:cNvPr>
+          <p:cNvSpPr txBox="1"/>
+          <p:nvPr/>
+        </p:nvSpPr>
+        <p:spPr>
+          <a:xfrm>
+            <a:off x="9110353" y="5571069"/>
+            <a:ext cx="1828801" cy="584775"/>
+          </a:xfrm>
+          <a:prstGeom prst="rect">
+            <a:avLst/>
+          </a:prstGeom>
+          <a:noFill/>
+        </p:spPr>
+        <p:txBody>
+          <a:bodyPr wrap="square" rtlCol="0">
+            <a:spAutoFit/>
+          </a:bodyPr>
+          <a:lstStyle/>
+          <a:p>
+            <a:r>
+              <a:rPr lang="en-SI" sz="3200" dirty="0" err="1"/>
+              <a:t>Števka</a:t>
+            </a:r>
+            <a:r>
+              <a:rPr lang="en-SI" sz="3200" dirty="0"/>
+              <a:t>: 5</a:t>
+            </a:r>
+          </a:p>
+        </p:txBody>
+      </p:sp>
+      <p:pic>
+        <p:nvPicPr>
+          <p:cNvPr id="4104" name="Picture 8">
+            <a:extLst>
+              <a:ext uri="{FF2B5EF4-FFF2-40B4-BE49-F238E27FC236}">
+                <a16:creationId xmlns:a16="http://schemas.microsoft.com/office/drawing/2014/main" id="{174130AE-F4BA-4006-89A9-582F729A0B95}"/>
+              </a:ext>
+            </a:extLst>
+          </p:cNvPr>
+          <p:cNvPicPr>
+            <a:picLocks noChangeAspect="1" noChangeArrowheads="1"/>
+          </p:cNvPicPr>
+          <p:nvPr/>
         </p:nvPicPr>
         <p:blipFill rotWithShape="1">
           <a:blip r:embed="rId2">
@@ -7969,13 +8296,13 @@
               </a:ext>
             </a:extLst>
           </a:blip>
-          <a:srcRect l="10020" t="13996" r="7389" b="7644"/>
+          <a:srcRect l="2705"/>
           <a:stretch/>
         </p:blipFill>
         <p:spPr bwMode="auto">
           <a:xfrm>
-            <a:off x="1553157" y="1812021"/>
-            <a:ext cx="9085685" cy="4848838"/>
+            <a:off x="295537" y="2684473"/>
+            <a:ext cx="3743414" cy="2904117"/>
           </a:xfrm>
           <a:prstGeom prst="rect">
             <a:avLst/>
@@ -7992,10 +8319,87 @@
           </a:extLst>
         </p:spPr>
       </p:pic>
+      <p:pic>
+        <p:nvPicPr>
+          <p:cNvPr id="4106" name="Picture 10">
+            <a:extLst>
+              <a:ext uri="{FF2B5EF4-FFF2-40B4-BE49-F238E27FC236}">
+                <a16:creationId xmlns:a16="http://schemas.microsoft.com/office/drawing/2014/main" id="{DD335EDB-DA3F-4D0C-A6F8-9D7195A71DBA}"/>
+              </a:ext>
+            </a:extLst>
+          </p:cNvPr>
+          <p:cNvPicPr>
+            <a:picLocks noChangeAspect="1" noChangeArrowheads="1"/>
+          </p:cNvPicPr>
+          <p:nvPr/>
+        </p:nvPicPr>
+        <p:blipFill>
+          <a:blip r:embed="rId3">
+            <a:extLst>
+              <a:ext uri="{28A0092B-C50C-407E-A947-70E740481C1C}">
+                <a14:useLocalDpi xmlns:a14="http://schemas.microsoft.com/office/drawing/2010/main" val="0"/>
+              </a:ext>
+            </a:extLst>
+          </a:blip>
+          <a:srcRect/>
+          <a:stretch>
+            <a:fillRect/>
+          </a:stretch>
+        </p:blipFill>
+        <p:spPr bwMode="auto">
+          <a:xfrm>
+            <a:off x="4224292" y="2684472"/>
+            <a:ext cx="3743414" cy="2904117"/>
+          </a:xfrm>
+          <a:prstGeom prst="rect">
+            <a:avLst/>
+          </a:prstGeom>
+          <a:noFill/>
+          <a:extLst>
+            <a:ext uri="{909E8E84-426E-40DD-AFC4-6F175D3DCCD1}">
+              <a14:hiddenFill xmlns:a14="http://schemas.microsoft.com/office/drawing/2010/main">
+                <a:solidFill>
+                  <a:srgbClr val="FFFFFF"/>
+                </a:solidFill>
+              </a14:hiddenFill>
+            </a:ext>
+          </a:extLst>
+        </p:spPr>
+      </p:pic>
+      <p:pic>
+        <p:nvPicPr>
+          <p:cNvPr id="10" name="Picture 9">
+            <a:extLst>
+              <a:ext uri="{FF2B5EF4-FFF2-40B4-BE49-F238E27FC236}">
+                <a16:creationId xmlns:a16="http://schemas.microsoft.com/office/drawing/2014/main" id="{32ADA4C5-774C-4564-B2D3-5708E58F73ED}"/>
+              </a:ext>
+            </a:extLst>
+          </p:cNvPr>
+          <p:cNvPicPr>
+            <a:picLocks noChangeAspect="1"/>
+          </p:cNvPicPr>
+          <p:nvPr/>
+        </p:nvPicPr>
+        <p:blipFill>
+          <a:blip r:embed="rId4"/>
+          <a:stretch>
+            <a:fillRect/>
+          </a:stretch>
+        </p:blipFill>
+        <p:spPr>
+          <a:xfrm>
+            <a:off x="8153049" y="2684472"/>
+            <a:ext cx="3743414" cy="2904117"/>
+          </a:xfrm>
+          <a:prstGeom prst="rect">
+            <a:avLst/>
+          </a:prstGeom>
+        </p:spPr>
+      </p:pic>
     </p:spTree>
     <p:extLst>
       <p:ext uri="{BB962C8B-B14F-4D97-AF65-F5344CB8AC3E}">
-        <p14:creationId xmlns:p14="http://schemas.microsoft.com/office/powerpoint/2010/main" val="2931012932"/>
+        <p14:creationId xmlns:p14="http://schemas.microsoft.com/office/powerpoint/2010/main" val="2294659521"/>
       </p:ext>
     </p:extLst>
   </p:cSld>

--- a/Prepoznavanje ročno napisanih števk.pptx
+++ b/Prepoznavanje ročno napisanih števk.pptx
@@ -43,7 +43,7 @@
       </p:grpSpPr>
       <p:sp>
         <p:nvSpPr>
-          <p:cNvPr id="90" name="PlaceHolder 1"/>
+          <p:cNvPr id="84" name="PlaceHolder 1"/>
           <p:cNvSpPr>
             <a:spLocks noGrp="1"/>
           </p:cNvSpPr>
@@ -65,27 +65,22 @@
             <a:noAutofit/>
           </a:bodyPr>
           <a:p>
+            <a:pPr algn="ctr"/>
             <a:r>
-              <a:rPr b="0" lang="en-US" sz="1800" spc="-1" strike="noStrike">
-                <a:solidFill>
-                  <a:srgbClr val="000000"/>
-                </a:solidFill>
-                <a:latin typeface="Gill Sans MT"/>
+              <a:rPr b="0" lang="en-US" sz="4400" spc="-1" strike="noStrike">
+                <a:latin typeface="Arial"/>
               </a:rPr>
               <a:t>Click to move the slide</a:t>
             </a:r>
-            <a:endParaRPr b="0" lang="en-US" sz="1800" spc="-1" strike="noStrike">
-              <a:solidFill>
-                <a:srgbClr val="000000"/>
-              </a:solidFill>
-              <a:latin typeface="Gill Sans MT"/>
-            </a:endParaRPr>
-          </a:p>
-        </p:txBody>
-      </p:sp>
-      <p:sp>
-        <p:nvSpPr>
-          <p:cNvPr id="91" name="PlaceHolder 2"/>
+            <a:endParaRPr b="0" lang="en-US" sz="4400" spc="-1" strike="noStrike">
+              <a:latin typeface="Arial"/>
+            </a:endParaRPr>
+          </a:p>
+        </p:txBody>
+      </p:sp>
+      <p:sp>
+        <p:nvSpPr>
+          <p:cNvPr id="85" name="PlaceHolder 2"/>
           <p:cNvSpPr>
             <a:spLocks noGrp="1"/>
           </p:cNvSpPr>
@@ -121,7 +116,7 @@
       </p:sp>
       <p:sp>
         <p:nvSpPr>
-          <p:cNvPr id="92" name="PlaceHolder 3"/>
+          <p:cNvPr id="86" name="PlaceHolder 3"/>
           <p:cNvSpPr>
             <a:spLocks noGrp="1"/>
           </p:cNvSpPr>
@@ -157,7 +152,7 @@
       </p:sp>
       <p:sp>
         <p:nvSpPr>
-          <p:cNvPr id="93" name="PlaceHolder 4"/>
+          <p:cNvPr id="87" name="PlaceHolder 4"/>
           <p:cNvSpPr>
             <a:spLocks noGrp="1"/>
           </p:cNvSpPr>
@@ -194,7 +189,7 @@
       </p:sp>
       <p:sp>
         <p:nvSpPr>
-          <p:cNvPr id="94" name="PlaceHolder 5"/>
+          <p:cNvPr id="88" name="PlaceHolder 5"/>
           <p:cNvSpPr>
             <a:spLocks noGrp="1"/>
           </p:cNvSpPr>
@@ -230,7 +225,7 @@
       </p:sp>
       <p:sp>
         <p:nvSpPr>
-          <p:cNvPr id="95" name="PlaceHolder 6"/>
+          <p:cNvPr id="89" name="PlaceHolder 6"/>
           <p:cNvSpPr>
             <a:spLocks noGrp="1"/>
           </p:cNvSpPr>
@@ -253,7 +248,7 @@
           </a:bodyPr>
           <a:p>
             <a:pPr algn="r"/>
-            <a:fld id="{6BD8B6B1-D9ED-4AEA-85F6-313BA4F49C16}" type="slidenum">
+            <a:fld id="{65236CE4-8705-4356-8266-4F263B77566C}" type="slidenum">
               <a:rPr b="0" lang="en-US" sz="1400" spc="-1" strike="noStrike">
                 <a:latin typeface="Times New Roman"/>
               </a:rPr>
@@ -290,7 +285,7 @@
       </p:grpSpPr>
       <p:sp>
         <p:nvSpPr>
-          <p:cNvPr id="152" name="PlaceHolder 1"/>
+          <p:cNvPr id="146" name="PlaceHolder 1"/>
           <p:cNvSpPr>
             <a:spLocks noGrp="1"/>
           </p:cNvSpPr>
@@ -301,16 +296,16 @@
         <p:spPr>
           <a:xfrm>
             <a:off x="685800" y="1143000"/>
-            <a:ext cx="5486040" cy="3085920"/>
-          </a:xfrm>
-          <a:prstGeom prst="rect">
-            <a:avLst/>
-          </a:prstGeom>
-        </p:spPr>
-      </p:sp>
-      <p:sp>
-        <p:nvSpPr>
-          <p:cNvPr id="153" name="PlaceHolder 2"/>
+            <a:ext cx="5485680" cy="3085560"/>
+          </a:xfrm>
+          <a:prstGeom prst="rect">
+            <a:avLst/>
+          </a:prstGeom>
+        </p:spPr>
+      </p:sp>
+      <p:sp>
+        <p:nvSpPr>
+          <p:cNvPr id="147" name="PlaceHolder 2"/>
           <p:cNvSpPr>
             <a:spLocks noGrp="1"/>
           </p:cNvSpPr>
@@ -321,14 +316,14 @@
         <p:spPr>
           <a:xfrm>
             <a:off x="685800" y="4400640"/>
-            <a:ext cx="5486040" cy="3600000"/>
-          </a:xfrm>
-          <a:prstGeom prst="rect">
-            <a:avLst/>
-          </a:prstGeom>
-        </p:spPr>
-        <p:txBody>
-          <a:bodyPr>
+            <a:ext cx="5485680" cy="3599640"/>
+          </a:xfrm>
+          <a:prstGeom prst="rect">
+            <a:avLst/>
+          </a:prstGeom>
+        </p:spPr>
+        <p:txBody>
+          <a:bodyPr lIns="0" rIns="0" tIns="0" bIns="0">
             <a:noAutofit/>
           </a:bodyPr>
           <a:p>
@@ -340,14 +335,14 @@
       </p:sp>
       <p:sp>
         <p:nvSpPr>
-          <p:cNvPr id="154" name="TextShape 3"/>
-          <p:cNvSpPr txBox="1"/>
+          <p:cNvPr id="148" name="CustomShape 3"/>
+          <p:cNvSpPr/>
           <p:nvPr/>
         </p:nvSpPr>
         <p:spPr>
           <a:xfrm>
             <a:off x="3884760" y="8685360"/>
-            <a:ext cx="2971440" cy="458280"/>
+            <a:ext cx="2971080" cy="457920"/>
           </a:xfrm>
           <a:prstGeom prst="rect">
             <a:avLst/>
@@ -357,8 +352,14 @@
             <a:noFill/>
           </a:ln>
         </p:spPr>
-        <p:txBody>
-          <a:bodyPr anchor="b">
+        <p:style>
+          <a:lnRef idx="0"/>
+          <a:fillRef idx="0"/>
+          <a:effectRef idx="0"/>
+          <a:fontRef idx="minor"/>
+        </p:style>
+        <p:txBody>
+          <a:bodyPr lIns="90000" rIns="90000" tIns="45000" bIns="45000" anchor="b">
             <a:noAutofit/>
           </a:bodyPr>
           <a:p>
@@ -367,14 +368,14 @@
                 <a:spcPct val="100000"/>
               </a:lnSpc>
             </a:pPr>
-            <a:fld id="{BE57B825-26B2-473D-83A4-9E45F81159C6}" type="slidenum">
+            <a:fld id="{998AC0A8-D7D2-4ACF-AE65-7E58E97A9A40}" type="slidenum">
               <a:rPr b="0" lang="en-US" sz="1200" spc="-1" strike="noStrike">
                 <a:latin typeface="Times New Roman"/>
               </a:rPr>
               <a:t>&lt;number&gt;</a:t>
             </a:fld>
             <a:endParaRPr b="0" lang="en-US" sz="1200" spc="-1" strike="noStrike">
-              <a:latin typeface="Times New Roman"/>
+              <a:latin typeface="Arial"/>
             </a:endParaRPr>
           </a:p>
         </p:txBody>
@@ -425,7 +426,7 @@
       </p:grpSpPr>
       <p:sp>
         <p:nvSpPr>
-          <p:cNvPr id="30" name="PlaceHolder 1"/>
+          <p:cNvPr id="27" name="PlaceHolder 1"/>
           <p:cNvSpPr>
             <a:spLocks noGrp="1"/>
           </p:cNvSpPr>
@@ -435,8 +436,8 @@
         </p:nvSpPr>
         <p:spPr>
           <a:xfrm>
-            <a:off x="581040" y="702000"/>
-            <a:ext cx="11029320" cy="1013400"/>
+            <a:off x="609480" y="273600"/>
+            <a:ext cx="10972440" cy="1144800"/>
           </a:xfrm>
           <a:prstGeom prst="rect">
             <a:avLst/>
@@ -447,18 +448,16 @@
             <a:noAutofit/>
           </a:bodyPr>
           <a:p>
-            <a:endParaRPr b="0" lang="en-US" sz="1800" spc="-1" strike="noStrike">
-              <a:solidFill>
-                <a:srgbClr val="000000"/>
-              </a:solidFill>
-              <a:latin typeface="Gill Sans MT"/>
-            </a:endParaRPr>
-          </a:p>
-        </p:txBody>
-      </p:sp>
-      <p:sp>
-        <p:nvSpPr>
-          <p:cNvPr id="31" name="PlaceHolder 2"/>
+            <a:pPr algn="ctr"/>
+            <a:endParaRPr b="0" lang="en-US" sz="4400" spc="-1" strike="noStrike">
+              <a:latin typeface="Arial"/>
+            </a:endParaRPr>
+          </a:p>
+        </p:txBody>
+      </p:sp>
+      <p:sp>
+        <p:nvSpPr>
+          <p:cNvPr id="28" name="PlaceHolder 2"/>
           <p:cNvSpPr>
             <a:spLocks noGrp="1"/>
           </p:cNvSpPr>
@@ -468,8 +467,8 @@
         </p:nvSpPr>
         <p:spPr>
           <a:xfrm>
-            <a:off x="581040" y="2180520"/>
-            <a:ext cx="11029320" cy="1754280"/>
+            <a:off x="609480" y="1604520"/>
+            <a:ext cx="10972440" cy="1896840"/>
           </a:xfrm>
           <a:prstGeom prst="rect">
             <a:avLst/>
@@ -480,18 +479,15 @@
             <a:normAutofit/>
           </a:bodyPr>
           <a:p>
-            <a:endParaRPr b="0" lang="en-US" sz="1800" spc="-1" strike="noStrike">
-              <a:solidFill>
-                <a:srgbClr val="3d3d3d"/>
-              </a:solidFill>
-              <a:latin typeface="Gill Sans MT"/>
-            </a:endParaRPr>
-          </a:p>
-        </p:txBody>
-      </p:sp>
-      <p:sp>
-        <p:nvSpPr>
-          <p:cNvPr id="32" name="PlaceHolder 3"/>
+            <a:endParaRPr b="0" lang="en-US" sz="3200" spc="-1" strike="noStrike">
+              <a:latin typeface="Arial"/>
+            </a:endParaRPr>
+          </a:p>
+        </p:txBody>
+      </p:sp>
+      <p:sp>
+        <p:nvSpPr>
+          <p:cNvPr id="29" name="PlaceHolder 3"/>
           <p:cNvSpPr>
             <a:spLocks noGrp="1"/>
           </p:cNvSpPr>
@@ -501,8 +497,8 @@
         </p:nvSpPr>
         <p:spPr>
           <a:xfrm>
-            <a:off x="581040" y="4101840"/>
-            <a:ext cx="11029320" cy="1754280"/>
+            <a:off x="609480" y="3682080"/>
+            <a:ext cx="10972440" cy="1896840"/>
           </a:xfrm>
           <a:prstGeom prst="rect">
             <a:avLst/>
@@ -513,11 +509,8 @@
             <a:normAutofit/>
           </a:bodyPr>
           <a:p>
-            <a:endParaRPr b="0" lang="en-US" sz="1800" spc="-1" strike="noStrike">
-              <a:solidFill>
-                <a:srgbClr val="3d3d3d"/>
-              </a:solidFill>
-              <a:latin typeface="Gill Sans MT"/>
+            <a:endParaRPr b="0" lang="en-US" sz="3200" spc="-1" strike="noStrike">
+              <a:latin typeface="Arial"/>
             </a:endParaRPr>
           </a:p>
         </p:txBody>
@@ -546,7 +539,7 @@
       </p:grpSpPr>
       <p:sp>
         <p:nvSpPr>
-          <p:cNvPr id="33" name="PlaceHolder 1"/>
+          <p:cNvPr id="30" name="PlaceHolder 1"/>
           <p:cNvSpPr>
             <a:spLocks noGrp="1"/>
           </p:cNvSpPr>
@@ -556,8 +549,8 @@
         </p:nvSpPr>
         <p:spPr>
           <a:xfrm>
-            <a:off x="581040" y="702000"/>
-            <a:ext cx="11029320" cy="1013400"/>
+            <a:off x="609480" y="273600"/>
+            <a:ext cx="10972440" cy="1144800"/>
           </a:xfrm>
           <a:prstGeom prst="rect">
             <a:avLst/>
@@ -568,18 +561,16 @@
             <a:noAutofit/>
           </a:bodyPr>
           <a:p>
-            <a:endParaRPr b="0" lang="en-US" sz="1800" spc="-1" strike="noStrike">
-              <a:solidFill>
-                <a:srgbClr val="000000"/>
-              </a:solidFill>
-              <a:latin typeface="Gill Sans MT"/>
-            </a:endParaRPr>
-          </a:p>
-        </p:txBody>
-      </p:sp>
-      <p:sp>
-        <p:nvSpPr>
-          <p:cNvPr id="34" name="PlaceHolder 2"/>
+            <a:pPr algn="ctr"/>
+            <a:endParaRPr b="0" lang="en-US" sz="4400" spc="-1" strike="noStrike">
+              <a:latin typeface="Arial"/>
+            </a:endParaRPr>
+          </a:p>
+        </p:txBody>
+      </p:sp>
+      <p:sp>
+        <p:nvSpPr>
+          <p:cNvPr id="31" name="PlaceHolder 2"/>
           <p:cNvSpPr>
             <a:spLocks noGrp="1"/>
           </p:cNvSpPr>
@@ -589,8 +580,8 @@
         </p:nvSpPr>
         <p:spPr>
           <a:xfrm>
-            <a:off x="581040" y="2180520"/>
-            <a:ext cx="5382000" cy="1754280"/>
+            <a:off x="609480" y="1604520"/>
+            <a:ext cx="5354280" cy="1896840"/>
           </a:xfrm>
           <a:prstGeom prst="rect">
             <a:avLst/>
@@ -601,18 +592,15 @@
             <a:normAutofit/>
           </a:bodyPr>
           <a:p>
-            <a:endParaRPr b="0" lang="en-US" sz="1800" spc="-1" strike="noStrike">
-              <a:solidFill>
-                <a:srgbClr val="3d3d3d"/>
-              </a:solidFill>
-              <a:latin typeface="Gill Sans MT"/>
-            </a:endParaRPr>
-          </a:p>
-        </p:txBody>
-      </p:sp>
-      <p:sp>
-        <p:nvSpPr>
-          <p:cNvPr id="35" name="PlaceHolder 3"/>
+            <a:endParaRPr b="0" lang="en-US" sz="3200" spc="-1" strike="noStrike">
+              <a:latin typeface="Arial"/>
+            </a:endParaRPr>
+          </a:p>
+        </p:txBody>
+      </p:sp>
+      <p:sp>
+        <p:nvSpPr>
+          <p:cNvPr id="32" name="PlaceHolder 3"/>
           <p:cNvSpPr>
             <a:spLocks noGrp="1"/>
           </p:cNvSpPr>
@@ -622,8 +610,8 @@
         </p:nvSpPr>
         <p:spPr>
           <a:xfrm>
-            <a:off x="6232680" y="2180520"/>
-            <a:ext cx="5382000" cy="1754280"/>
+            <a:off x="6231960" y="1604520"/>
+            <a:ext cx="5354280" cy="1896840"/>
           </a:xfrm>
           <a:prstGeom prst="rect">
             <a:avLst/>
@@ -634,18 +622,15 @@
             <a:normAutofit/>
           </a:bodyPr>
           <a:p>
-            <a:endParaRPr b="0" lang="en-US" sz="1800" spc="-1" strike="noStrike">
-              <a:solidFill>
-                <a:srgbClr val="3d3d3d"/>
-              </a:solidFill>
-              <a:latin typeface="Gill Sans MT"/>
-            </a:endParaRPr>
-          </a:p>
-        </p:txBody>
-      </p:sp>
-      <p:sp>
-        <p:nvSpPr>
-          <p:cNvPr id="36" name="PlaceHolder 4"/>
+            <a:endParaRPr b="0" lang="en-US" sz="3200" spc="-1" strike="noStrike">
+              <a:latin typeface="Arial"/>
+            </a:endParaRPr>
+          </a:p>
+        </p:txBody>
+      </p:sp>
+      <p:sp>
+        <p:nvSpPr>
+          <p:cNvPr id="33" name="PlaceHolder 4"/>
           <p:cNvSpPr>
             <a:spLocks noGrp="1"/>
           </p:cNvSpPr>
@@ -655,8 +640,8 @@
         </p:nvSpPr>
         <p:spPr>
           <a:xfrm>
-            <a:off x="581040" y="4101840"/>
-            <a:ext cx="5382000" cy="1754280"/>
+            <a:off x="609480" y="3682080"/>
+            <a:ext cx="5354280" cy="1896840"/>
           </a:xfrm>
           <a:prstGeom prst="rect">
             <a:avLst/>
@@ -667,18 +652,15 @@
             <a:normAutofit/>
           </a:bodyPr>
           <a:p>
-            <a:endParaRPr b="0" lang="en-US" sz="1800" spc="-1" strike="noStrike">
-              <a:solidFill>
-                <a:srgbClr val="3d3d3d"/>
-              </a:solidFill>
-              <a:latin typeface="Gill Sans MT"/>
-            </a:endParaRPr>
-          </a:p>
-        </p:txBody>
-      </p:sp>
-      <p:sp>
-        <p:nvSpPr>
-          <p:cNvPr id="37" name="PlaceHolder 5"/>
+            <a:endParaRPr b="0" lang="en-US" sz="3200" spc="-1" strike="noStrike">
+              <a:latin typeface="Arial"/>
+            </a:endParaRPr>
+          </a:p>
+        </p:txBody>
+      </p:sp>
+      <p:sp>
+        <p:nvSpPr>
+          <p:cNvPr id="34" name="PlaceHolder 5"/>
           <p:cNvSpPr>
             <a:spLocks noGrp="1"/>
           </p:cNvSpPr>
@@ -688,8 +670,8 @@
         </p:nvSpPr>
         <p:spPr>
           <a:xfrm>
-            <a:off x="6232680" y="4101840"/>
-            <a:ext cx="5382000" cy="1754280"/>
+            <a:off x="6231960" y="3682080"/>
+            <a:ext cx="5354280" cy="1896840"/>
           </a:xfrm>
           <a:prstGeom prst="rect">
             <a:avLst/>
@@ -700,11 +682,8 @@
             <a:normAutofit/>
           </a:bodyPr>
           <a:p>
-            <a:endParaRPr b="0" lang="en-US" sz="1800" spc="-1" strike="noStrike">
-              <a:solidFill>
-                <a:srgbClr val="3d3d3d"/>
-              </a:solidFill>
-              <a:latin typeface="Gill Sans MT"/>
+            <a:endParaRPr b="0" lang="en-US" sz="3200" spc="-1" strike="noStrike">
+              <a:latin typeface="Arial"/>
             </a:endParaRPr>
           </a:p>
         </p:txBody>
@@ -733,7 +712,7 @@
       </p:grpSpPr>
       <p:sp>
         <p:nvSpPr>
-          <p:cNvPr id="38" name="PlaceHolder 1"/>
+          <p:cNvPr id="35" name="PlaceHolder 1"/>
           <p:cNvSpPr>
             <a:spLocks noGrp="1"/>
           </p:cNvSpPr>
@@ -743,8 +722,8 @@
         </p:nvSpPr>
         <p:spPr>
           <a:xfrm>
-            <a:off x="581040" y="702000"/>
-            <a:ext cx="11029320" cy="1013400"/>
+            <a:off x="609480" y="273600"/>
+            <a:ext cx="10972440" cy="1144800"/>
           </a:xfrm>
           <a:prstGeom prst="rect">
             <a:avLst/>
@@ -755,18 +734,16 @@
             <a:noAutofit/>
           </a:bodyPr>
           <a:p>
-            <a:endParaRPr b="0" lang="en-US" sz="1800" spc="-1" strike="noStrike">
-              <a:solidFill>
-                <a:srgbClr val="000000"/>
-              </a:solidFill>
-              <a:latin typeface="Gill Sans MT"/>
-            </a:endParaRPr>
-          </a:p>
-        </p:txBody>
-      </p:sp>
-      <p:sp>
-        <p:nvSpPr>
-          <p:cNvPr id="39" name="PlaceHolder 2"/>
+            <a:pPr algn="ctr"/>
+            <a:endParaRPr b="0" lang="en-US" sz="4400" spc="-1" strike="noStrike">
+              <a:latin typeface="Arial"/>
+            </a:endParaRPr>
+          </a:p>
+        </p:txBody>
+      </p:sp>
+      <p:sp>
+        <p:nvSpPr>
+          <p:cNvPr id="36" name="PlaceHolder 2"/>
           <p:cNvSpPr>
             <a:spLocks noGrp="1"/>
           </p:cNvSpPr>
@@ -776,8 +753,8 @@
         </p:nvSpPr>
         <p:spPr>
           <a:xfrm>
-            <a:off x="581040" y="2180520"/>
-            <a:ext cx="3551040" cy="1754280"/>
+            <a:off x="609480" y="1604520"/>
+            <a:ext cx="3533040" cy="1896840"/>
           </a:xfrm>
           <a:prstGeom prst="rect">
             <a:avLst/>
@@ -788,18 +765,15 @@
             <a:normAutofit/>
           </a:bodyPr>
           <a:p>
-            <a:endParaRPr b="0" lang="en-US" sz="1800" spc="-1" strike="noStrike">
-              <a:solidFill>
-                <a:srgbClr val="3d3d3d"/>
-              </a:solidFill>
-              <a:latin typeface="Gill Sans MT"/>
-            </a:endParaRPr>
-          </a:p>
-        </p:txBody>
-      </p:sp>
-      <p:sp>
-        <p:nvSpPr>
-          <p:cNvPr id="40" name="PlaceHolder 3"/>
+            <a:endParaRPr b="0" lang="en-US" sz="3200" spc="-1" strike="noStrike">
+              <a:latin typeface="Arial"/>
+            </a:endParaRPr>
+          </a:p>
+        </p:txBody>
+      </p:sp>
+      <p:sp>
+        <p:nvSpPr>
+          <p:cNvPr id="37" name="PlaceHolder 3"/>
           <p:cNvSpPr>
             <a:spLocks noGrp="1"/>
           </p:cNvSpPr>
@@ -809,8 +783,8 @@
         </p:nvSpPr>
         <p:spPr>
           <a:xfrm>
-            <a:off x="4309920" y="2180520"/>
-            <a:ext cx="3551040" cy="1754280"/>
+            <a:off x="4319640" y="1604520"/>
+            <a:ext cx="3533040" cy="1896840"/>
           </a:xfrm>
           <a:prstGeom prst="rect">
             <a:avLst/>
@@ -821,18 +795,15 @@
             <a:normAutofit/>
           </a:bodyPr>
           <a:p>
-            <a:endParaRPr b="0" lang="en-US" sz="1800" spc="-1" strike="noStrike">
-              <a:solidFill>
-                <a:srgbClr val="3d3d3d"/>
-              </a:solidFill>
-              <a:latin typeface="Gill Sans MT"/>
-            </a:endParaRPr>
-          </a:p>
-        </p:txBody>
-      </p:sp>
-      <p:sp>
-        <p:nvSpPr>
-          <p:cNvPr id="41" name="PlaceHolder 4"/>
+            <a:endParaRPr b="0" lang="en-US" sz="3200" spc="-1" strike="noStrike">
+              <a:latin typeface="Arial"/>
+            </a:endParaRPr>
+          </a:p>
+        </p:txBody>
+      </p:sp>
+      <p:sp>
+        <p:nvSpPr>
+          <p:cNvPr id="38" name="PlaceHolder 4"/>
           <p:cNvSpPr>
             <a:spLocks noGrp="1"/>
           </p:cNvSpPr>
@@ -842,8 +813,8 @@
         </p:nvSpPr>
         <p:spPr>
           <a:xfrm>
-            <a:off x="8039160" y="2180520"/>
-            <a:ext cx="3551040" cy="1754280"/>
+            <a:off x="8029800" y="1604520"/>
+            <a:ext cx="3533040" cy="1896840"/>
           </a:xfrm>
           <a:prstGeom prst="rect">
             <a:avLst/>
@@ -854,18 +825,15 @@
             <a:normAutofit/>
           </a:bodyPr>
           <a:p>
-            <a:endParaRPr b="0" lang="en-US" sz="1800" spc="-1" strike="noStrike">
-              <a:solidFill>
-                <a:srgbClr val="3d3d3d"/>
-              </a:solidFill>
-              <a:latin typeface="Gill Sans MT"/>
-            </a:endParaRPr>
-          </a:p>
-        </p:txBody>
-      </p:sp>
-      <p:sp>
-        <p:nvSpPr>
-          <p:cNvPr id="42" name="PlaceHolder 5"/>
+            <a:endParaRPr b="0" lang="en-US" sz="3200" spc="-1" strike="noStrike">
+              <a:latin typeface="Arial"/>
+            </a:endParaRPr>
+          </a:p>
+        </p:txBody>
+      </p:sp>
+      <p:sp>
+        <p:nvSpPr>
+          <p:cNvPr id="39" name="PlaceHolder 5"/>
           <p:cNvSpPr>
             <a:spLocks noGrp="1"/>
           </p:cNvSpPr>
@@ -875,8 +843,8 @@
         </p:nvSpPr>
         <p:spPr>
           <a:xfrm>
-            <a:off x="581040" y="4101840"/>
-            <a:ext cx="3551040" cy="1754280"/>
+            <a:off x="609480" y="3682080"/>
+            <a:ext cx="3533040" cy="1896840"/>
           </a:xfrm>
           <a:prstGeom prst="rect">
             <a:avLst/>
@@ -887,18 +855,15 @@
             <a:normAutofit/>
           </a:bodyPr>
           <a:p>
-            <a:endParaRPr b="0" lang="en-US" sz="1800" spc="-1" strike="noStrike">
-              <a:solidFill>
-                <a:srgbClr val="3d3d3d"/>
-              </a:solidFill>
-              <a:latin typeface="Gill Sans MT"/>
-            </a:endParaRPr>
-          </a:p>
-        </p:txBody>
-      </p:sp>
-      <p:sp>
-        <p:nvSpPr>
-          <p:cNvPr id="43" name="PlaceHolder 6"/>
+            <a:endParaRPr b="0" lang="en-US" sz="3200" spc="-1" strike="noStrike">
+              <a:latin typeface="Arial"/>
+            </a:endParaRPr>
+          </a:p>
+        </p:txBody>
+      </p:sp>
+      <p:sp>
+        <p:nvSpPr>
+          <p:cNvPr id="40" name="PlaceHolder 6"/>
           <p:cNvSpPr>
             <a:spLocks noGrp="1"/>
           </p:cNvSpPr>
@@ -908,8 +873,8 @@
         </p:nvSpPr>
         <p:spPr>
           <a:xfrm>
-            <a:off x="4309920" y="4101840"/>
-            <a:ext cx="3551040" cy="1754280"/>
+            <a:off x="4319640" y="3682080"/>
+            <a:ext cx="3533040" cy="1896840"/>
           </a:xfrm>
           <a:prstGeom prst="rect">
             <a:avLst/>
@@ -920,18 +885,15 @@
             <a:normAutofit/>
           </a:bodyPr>
           <a:p>
-            <a:endParaRPr b="0" lang="en-US" sz="1800" spc="-1" strike="noStrike">
-              <a:solidFill>
-                <a:srgbClr val="3d3d3d"/>
-              </a:solidFill>
-              <a:latin typeface="Gill Sans MT"/>
-            </a:endParaRPr>
-          </a:p>
-        </p:txBody>
-      </p:sp>
-      <p:sp>
-        <p:nvSpPr>
-          <p:cNvPr id="44" name="PlaceHolder 7"/>
+            <a:endParaRPr b="0" lang="en-US" sz="3200" spc="-1" strike="noStrike">
+              <a:latin typeface="Arial"/>
+            </a:endParaRPr>
+          </a:p>
+        </p:txBody>
+      </p:sp>
+      <p:sp>
+        <p:nvSpPr>
+          <p:cNvPr id="41" name="PlaceHolder 7"/>
           <p:cNvSpPr>
             <a:spLocks noGrp="1"/>
           </p:cNvSpPr>
@@ -941,8 +903,8 @@
         </p:nvSpPr>
         <p:spPr>
           <a:xfrm>
-            <a:off x="8039160" y="4101840"/>
-            <a:ext cx="3551040" cy="1754280"/>
+            <a:off x="8029800" y="3682080"/>
+            <a:ext cx="3533040" cy="1896840"/>
           </a:xfrm>
           <a:prstGeom prst="rect">
             <a:avLst/>
@@ -953,11 +915,8 @@
             <a:normAutofit/>
           </a:bodyPr>
           <a:p>
-            <a:endParaRPr b="0" lang="en-US" sz="1800" spc="-1" strike="noStrike">
-              <a:solidFill>
-                <a:srgbClr val="3d3d3d"/>
-              </a:solidFill>
-              <a:latin typeface="Gill Sans MT"/>
+            <a:endParaRPr b="0" lang="en-US" sz="3200" spc="-1" strike="noStrike">
+              <a:latin typeface="Arial"/>
             </a:endParaRPr>
           </a:p>
         </p:txBody>
@@ -1008,7 +967,7 @@
       </p:grpSpPr>
       <p:sp>
         <p:nvSpPr>
-          <p:cNvPr id="54" name="PlaceHolder 1"/>
+          <p:cNvPr id="48" name="PlaceHolder 1"/>
           <p:cNvSpPr>
             <a:spLocks noGrp="1"/>
           </p:cNvSpPr>
@@ -1018,8 +977,8 @@
         </p:nvSpPr>
         <p:spPr>
           <a:xfrm>
-            <a:off x="581040" y="702000"/>
-            <a:ext cx="11029320" cy="1013400"/>
+            <a:off x="609480" y="273600"/>
+            <a:ext cx="10972440" cy="1144800"/>
           </a:xfrm>
           <a:prstGeom prst="rect">
             <a:avLst/>
@@ -1030,18 +989,16 @@
             <a:noAutofit/>
           </a:bodyPr>
           <a:p>
-            <a:endParaRPr b="0" lang="en-US" sz="1800" spc="-1" strike="noStrike">
-              <a:solidFill>
-                <a:srgbClr val="000000"/>
-              </a:solidFill>
-              <a:latin typeface="Gill Sans MT"/>
-            </a:endParaRPr>
-          </a:p>
-        </p:txBody>
-      </p:sp>
-      <p:sp>
-        <p:nvSpPr>
-          <p:cNvPr id="55" name="PlaceHolder 2"/>
+            <a:pPr algn="ctr"/>
+            <a:endParaRPr b="0" lang="en-US" sz="4400" spc="-1" strike="noStrike">
+              <a:latin typeface="Arial"/>
+            </a:endParaRPr>
+          </a:p>
+        </p:txBody>
+      </p:sp>
+      <p:sp>
+        <p:nvSpPr>
+          <p:cNvPr id="49" name="PlaceHolder 2"/>
           <p:cNvSpPr>
             <a:spLocks noGrp="1"/>
           </p:cNvSpPr>
@@ -1051,8 +1008,8 @@
         </p:nvSpPr>
         <p:spPr>
           <a:xfrm>
-            <a:off x="581040" y="2180520"/>
-            <a:ext cx="11029320" cy="3678120"/>
+            <a:off x="609480" y="1604520"/>
+            <a:ext cx="10972440" cy="3977280"/>
           </a:xfrm>
           <a:prstGeom prst="rect">
             <a:avLst/>
@@ -1094,7 +1051,7 @@
       </p:grpSpPr>
       <p:sp>
         <p:nvSpPr>
-          <p:cNvPr id="56" name="PlaceHolder 1"/>
+          <p:cNvPr id="50" name="PlaceHolder 1"/>
           <p:cNvSpPr>
             <a:spLocks noGrp="1"/>
           </p:cNvSpPr>
@@ -1104,8 +1061,8 @@
         </p:nvSpPr>
         <p:spPr>
           <a:xfrm>
-            <a:off x="581040" y="702000"/>
-            <a:ext cx="11029320" cy="1013400"/>
+            <a:off x="609480" y="273600"/>
+            <a:ext cx="10972440" cy="1144800"/>
           </a:xfrm>
           <a:prstGeom prst="rect">
             <a:avLst/>
@@ -1116,18 +1073,16 @@
             <a:noAutofit/>
           </a:bodyPr>
           <a:p>
-            <a:endParaRPr b="0" lang="en-US" sz="1800" spc="-1" strike="noStrike">
-              <a:solidFill>
-                <a:srgbClr val="000000"/>
-              </a:solidFill>
-              <a:latin typeface="Gill Sans MT"/>
-            </a:endParaRPr>
-          </a:p>
-        </p:txBody>
-      </p:sp>
-      <p:sp>
-        <p:nvSpPr>
-          <p:cNvPr id="57" name="PlaceHolder 2"/>
+            <a:pPr algn="ctr"/>
+            <a:endParaRPr b="0" lang="en-US" sz="4400" spc="-1" strike="noStrike">
+              <a:latin typeface="Arial"/>
+            </a:endParaRPr>
+          </a:p>
+        </p:txBody>
+      </p:sp>
+      <p:sp>
+        <p:nvSpPr>
+          <p:cNvPr id="51" name="PlaceHolder 2"/>
           <p:cNvSpPr>
             <a:spLocks noGrp="1"/>
           </p:cNvSpPr>
@@ -1137,8 +1092,8 @@
         </p:nvSpPr>
         <p:spPr>
           <a:xfrm>
-            <a:off x="581040" y="2180520"/>
-            <a:ext cx="11029320" cy="3678120"/>
+            <a:off x="609480" y="1604520"/>
+            <a:ext cx="10972440" cy="3977280"/>
           </a:xfrm>
           <a:prstGeom prst="rect">
             <a:avLst/>
@@ -1149,11 +1104,8 @@
             <a:normAutofit/>
           </a:bodyPr>
           <a:p>
-            <a:endParaRPr b="0" lang="en-US" sz="1800" spc="-1" strike="noStrike">
-              <a:solidFill>
-                <a:srgbClr val="3d3d3d"/>
-              </a:solidFill>
-              <a:latin typeface="Gill Sans MT"/>
+            <a:endParaRPr b="0" lang="en-US" sz="3200" spc="-1" strike="noStrike">
+              <a:latin typeface="Arial"/>
             </a:endParaRPr>
           </a:p>
         </p:txBody>
@@ -1182,7 +1134,7 @@
       </p:grpSpPr>
       <p:sp>
         <p:nvSpPr>
-          <p:cNvPr id="58" name="PlaceHolder 1"/>
+          <p:cNvPr id="52" name="PlaceHolder 1"/>
           <p:cNvSpPr>
             <a:spLocks noGrp="1"/>
           </p:cNvSpPr>
@@ -1192,8 +1144,8 @@
         </p:nvSpPr>
         <p:spPr>
           <a:xfrm>
-            <a:off x="581040" y="702000"/>
-            <a:ext cx="11029320" cy="1013400"/>
+            <a:off x="609480" y="273600"/>
+            <a:ext cx="10972440" cy="1144800"/>
           </a:xfrm>
           <a:prstGeom prst="rect">
             <a:avLst/>
@@ -1204,18 +1156,16 @@
             <a:noAutofit/>
           </a:bodyPr>
           <a:p>
-            <a:endParaRPr b="0" lang="en-US" sz="1800" spc="-1" strike="noStrike">
-              <a:solidFill>
-                <a:srgbClr val="000000"/>
-              </a:solidFill>
-              <a:latin typeface="Gill Sans MT"/>
-            </a:endParaRPr>
-          </a:p>
-        </p:txBody>
-      </p:sp>
-      <p:sp>
-        <p:nvSpPr>
-          <p:cNvPr id="59" name="PlaceHolder 2"/>
+            <a:pPr algn="ctr"/>
+            <a:endParaRPr b="0" lang="en-US" sz="4400" spc="-1" strike="noStrike">
+              <a:latin typeface="Arial"/>
+            </a:endParaRPr>
+          </a:p>
+        </p:txBody>
+      </p:sp>
+      <p:sp>
+        <p:nvSpPr>
+          <p:cNvPr id="53" name="PlaceHolder 2"/>
           <p:cNvSpPr>
             <a:spLocks noGrp="1"/>
           </p:cNvSpPr>
@@ -1225,8 +1175,8 @@
         </p:nvSpPr>
         <p:spPr>
           <a:xfrm>
-            <a:off x="581040" y="2180520"/>
-            <a:ext cx="5382000" cy="3678120"/>
+            <a:off x="609480" y="1604520"/>
+            <a:ext cx="5354280" cy="3977280"/>
           </a:xfrm>
           <a:prstGeom prst="rect">
             <a:avLst/>
@@ -1237,18 +1187,15 @@
             <a:normAutofit/>
           </a:bodyPr>
           <a:p>
-            <a:endParaRPr b="0" lang="en-US" sz="1800" spc="-1" strike="noStrike">
-              <a:solidFill>
-                <a:srgbClr val="3d3d3d"/>
-              </a:solidFill>
-              <a:latin typeface="Gill Sans MT"/>
-            </a:endParaRPr>
-          </a:p>
-        </p:txBody>
-      </p:sp>
-      <p:sp>
-        <p:nvSpPr>
-          <p:cNvPr id="60" name="PlaceHolder 3"/>
+            <a:endParaRPr b="0" lang="en-US" sz="3200" spc="-1" strike="noStrike">
+              <a:latin typeface="Arial"/>
+            </a:endParaRPr>
+          </a:p>
+        </p:txBody>
+      </p:sp>
+      <p:sp>
+        <p:nvSpPr>
+          <p:cNvPr id="54" name="PlaceHolder 3"/>
           <p:cNvSpPr>
             <a:spLocks noGrp="1"/>
           </p:cNvSpPr>
@@ -1258,8 +1205,8 @@
         </p:nvSpPr>
         <p:spPr>
           <a:xfrm>
-            <a:off x="6232680" y="2180520"/>
-            <a:ext cx="5382000" cy="3678120"/>
+            <a:off x="6231960" y="1604520"/>
+            <a:ext cx="5354280" cy="3977280"/>
           </a:xfrm>
           <a:prstGeom prst="rect">
             <a:avLst/>
@@ -1270,11 +1217,8 @@
             <a:normAutofit/>
           </a:bodyPr>
           <a:p>
-            <a:endParaRPr b="0" lang="en-US" sz="1800" spc="-1" strike="noStrike">
-              <a:solidFill>
-                <a:srgbClr val="3d3d3d"/>
-              </a:solidFill>
-              <a:latin typeface="Gill Sans MT"/>
+            <a:endParaRPr b="0" lang="en-US" sz="3200" spc="-1" strike="noStrike">
+              <a:latin typeface="Arial"/>
             </a:endParaRPr>
           </a:p>
         </p:txBody>
@@ -1303,7 +1247,7 @@
       </p:grpSpPr>
       <p:sp>
         <p:nvSpPr>
-          <p:cNvPr id="61" name="PlaceHolder 1"/>
+          <p:cNvPr id="55" name="PlaceHolder 1"/>
           <p:cNvSpPr>
             <a:spLocks noGrp="1"/>
           </p:cNvSpPr>
@@ -1313,8 +1257,8 @@
         </p:nvSpPr>
         <p:spPr>
           <a:xfrm>
-            <a:off x="581040" y="702000"/>
-            <a:ext cx="11029320" cy="1013400"/>
+            <a:off x="609480" y="273600"/>
+            <a:ext cx="10972440" cy="1144800"/>
           </a:xfrm>
           <a:prstGeom prst="rect">
             <a:avLst/>
@@ -1325,11 +1269,9 @@
             <a:noAutofit/>
           </a:bodyPr>
           <a:p>
-            <a:endParaRPr b="0" lang="en-US" sz="1800" spc="-1" strike="noStrike">
-              <a:solidFill>
-                <a:srgbClr val="000000"/>
-              </a:solidFill>
-              <a:latin typeface="Gill Sans MT"/>
+            <a:pPr algn="ctr"/>
+            <a:endParaRPr b="0" lang="en-US" sz="4400" spc="-1" strike="noStrike">
+              <a:latin typeface="Arial"/>
             </a:endParaRPr>
           </a:p>
         </p:txBody>
@@ -1358,7 +1300,7 @@
       </p:grpSpPr>
       <p:sp>
         <p:nvSpPr>
-          <p:cNvPr id="62" name="PlaceHolder 1"/>
+          <p:cNvPr id="56" name="PlaceHolder 1"/>
           <p:cNvSpPr>
             <a:spLocks noGrp="1"/>
           </p:cNvSpPr>
@@ -1368,8 +1310,8 @@
         </p:nvSpPr>
         <p:spPr>
           <a:xfrm>
-            <a:off x="581040" y="702000"/>
-            <a:ext cx="11029320" cy="4698720"/>
+            <a:off x="609480" y="273600"/>
+            <a:ext cx="10972440" cy="5307840"/>
           </a:xfrm>
           <a:prstGeom prst="rect">
             <a:avLst/>
@@ -1411,7 +1353,7 @@
       </p:grpSpPr>
       <p:sp>
         <p:nvSpPr>
-          <p:cNvPr id="63" name="PlaceHolder 1"/>
+          <p:cNvPr id="57" name="PlaceHolder 1"/>
           <p:cNvSpPr>
             <a:spLocks noGrp="1"/>
           </p:cNvSpPr>
@@ -1421,8 +1363,8 @@
         </p:nvSpPr>
         <p:spPr>
           <a:xfrm>
-            <a:off x="581040" y="702000"/>
-            <a:ext cx="11029320" cy="1013400"/>
+            <a:off x="609480" y="273600"/>
+            <a:ext cx="10972440" cy="1144800"/>
           </a:xfrm>
           <a:prstGeom prst="rect">
             <a:avLst/>
@@ -1433,18 +1375,16 @@
             <a:noAutofit/>
           </a:bodyPr>
           <a:p>
-            <a:endParaRPr b="0" lang="en-US" sz="1800" spc="-1" strike="noStrike">
-              <a:solidFill>
-                <a:srgbClr val="000000"/>
-              </a:solidFill>
-              <a:latin typeface="Gill Sans MT"/>
-            </a:endParaRPr>
-          </a:p>
-        </p:txBody>
-      </p:sp>
-      <p:sp>
-        <p:nvSpPr>
-          <p:cNvPr id="64" name="PlaceHolder 2"/>
+            <a:pPr algn="ctr"/>
+            <a:endParaRPr b="0" lang="en-US" sz="4400" spc="-1" strike="noStrike">
+              <a:latin typeface="Arial"/>
+            </a:endParaRPr>
+          </a:p>
+        </p:txBody>
+      </p:sp>
+      <p:sp>
+        <p:nvSpPr>
+          <p:cNvPr id="58" name="PlaceHolder 2"/>
           <p:cNvSpPr>
             <a:spLocks noGrp="1"/>
           </p:cNvSpPr>
@@ -1454,8 +1394,8 @@
         </p:nvSpPr>
         <p:spPr>
           <a:xfrm>
-            <a:off x="581040" y="2180520"/>
-            <a:ext cx="5382000" cy="1754280"/>
+            <a:off x="609480" y="1604520"/>
+            <a:ext cx="5354280" cy="1896840"/>
           </a:xfrm>
           <a:prstGeom prst="rect">
             <a:avLst/>
@@ -1466,18 +1406,15 @@
             <a:normAutofit/>
           </a:bodyPr>
           <a:p>
-            <a:endParaRPr b="0" lang="en-US" sz="1800" spc="-1" strike="noStrike">
-              <a:solidFill>
-                <a:srgbClr val="3d3d3d"/>
-              </a:solidFill>
-              <a:latin typeface="Gill Sans MT"/>
-            </a:endParaRPr>
-          </a:p>
-        </p:txBody>
-      </p:sp>
-      <p:sp>
-        <p:nvSpPr>
-          <p:cNvPr id="65" name="PlaceHolder 3"/>
+            <a:endParaRPr b="0" lang="en-US" sz="3200" spc="-1" strike="noStrike">
+              <a:latin typeface="Arial"/>
+            </a:endParaRPr>
+          </a:p>
+        </p:txBody>
+      </p:sp>
+      <p:sp>
+        <p:nvSpPr>
+          <p:cNvPr id="59" name="PlaceHolder 3"/>
           <p:cNvSpPr>
             <a:spLocks noGrp="1"/>
           </p:cNvSpPr>
@@ -1487,8 +1424,8 @@
         </p:nvSpPr>
         <p:spPr>
           <a:xfrm>
-            <a:off x="6232680" y="2180520"/>
-            <a:ext cx="5382000" cy="3678120"/>
+            <a:off x="6231960" y="1604520"/>
+            <a:ext cx="5354280" cy="3977280"/>
           </a:xfrm>
           <a:prstGeom prst="rect">
             <a:avLst/>
@@ -1499,18 +1436,15 @@
             <a:normAutofit/>
           </a:bodyPr>
           <a:p>
-            <a:endParaRPr b="0" lang="en-US" sz="1800" spc="-1" strike="noStrike">
-              <a:solidFill>
-                <a:srgbClr val="3d3d3d"/>
-              </a:solidFill>
-              <a:latin typeface="Gill Sans MT"/>
-            </a:endParaRPr>
-          </a:p>
-        </p:txBody>
-      </p:sp>
-      <p:sp>
-        <p:nvSpPr>
-          <p:cNvPr id="66" name="PlaceHolder 4"/>
+            <a:endParaRPr b="0" lang="en-US" sz="3200" spc="-1" strike="noStrike">
+              <a:latin typeface="Arial"/>
+            </a:endParaRPr>
+          </a:p>
+        </p:txBody>
+      </p:sp>
+      <p:sp>
+        <p:nvSpPr>
+          <p:cNvPr id="60" name="PlaceHolder 4"/>
           <p:cNvSpPr>
             <a:spLocks noGrp="1"/>
           </p:cNvSpPr>
@@ -1520,8 +1454,8 @@
         </p:nvSpPr>
         <p:spPr>
           <a:xfrm>
-            <a:off x="581040" y="4101840"/>
-            <a:ext cx="5382000" cy="1754280"/>
+            <a:off x="609480" y="3682080"/>
+            <a:ext cx="5354280" cy="1896840"/>
           </a:xfrm>
           <a:prstGeom prst="rect">
             <a:avLst/>
@@ -1532,11 +1466,8 @@
             <a:normAutofit/>
           </a:bodyPr>
           <a:p>
-            <a:endParaRPr b="0" lang="en-US" sz="1800" spc="-1" strike="noStrike">
-              <a:solidFill>
-                <a:srgbClr val="3d3d3d"/>
-              </a:solidFill>
-              <a:latin typeface="Gill Sans MT"/>
+            <a:endParaRPr b="0" lang="en-US" sz="3200" spc="-1" strike="noStrike">
+              <a:latin typeface="Arial"/>
             </a:endParaRPr>
           </a:p>
         </p:txBody>
@@ -1565,7 +1496,7 @@
       </p:grpSpPr>
       <p:sp>
         <p:nvSpPr>
-          <p:cNvPr id="9" name="PlaceHolder 1"/>
+          <p:cNvPr id="6" name="PlaceHolder 1"/>
           <p:cNvSpPr>
             <a:spLocks noGrp="1"/>
           </p:cNvSpPr>
@@ -1575,8 +1506,8 @@
         </p:nvSpPr>
         <p:spPr>
           <a:xfrm>
-            <a:off x="581040" y="702000"/>
-            <a:ext cx="11029320" cy="1013400"/>
+            <a:off x="609480" y="273600"/>
+            <a:ext cx="10972440" cy="1144800"/>
           </a:xfrm>
           <a:prstGeom prst="rect">
             <a:avLst/>
@@ -1587,18 +1518,16 @@
             <a:noAutofit/>
           </a:bodyPr>
           <a:p>
-            <a:endParaRPr b="0" lang="en-US" sz="1800" spc="-1" strike="noStrike">
-              <a:solidFill>
-                <a:srgbClr val="000000"/>
-              </a:solidFill>
-              <a:latin typeface="Gill Sans MT"/>
-            </a:endParaRPr>
-          </a:p>
-        </p:txBody>
-      </p:sp>
-      <p:sp>
-        <p:nvSpPr>
-          <p:cNvPr id="10" name="PlaceHolder 2"/>
+            <a:pPr algn="ctr"/>
+            <a:endParaRPr b="0" lang="en-US" sz="4400" spc="-1" strike="noStrike">
+              <a:latin typeface="Arial"/>
+            </a:endParaRPr>
+          </a:p>
+        </p:txBody>
+      </p:sp>
+      <p:sp>
+        <p:nvSpPr>
+          <p:cNvPr id="7" name="PlaceHolder 2"/>
           <p:cNvSpPr>
             <a:spLocks noGrp="1"/>
           </p:cNvSpPr>
@@ -1608,8 +1537,8 @@
         </p:nvSpPr>
         <p:spPr>
           <a:xfrm>
-            <a:off x="581040" y="2180520"/>
-            <a:ext cx="11029320" cy="3678120"/>
+            <a:off x="609480" y="1604520"/>
+            <a:ext cx="10972440" cy="3977280"/>
           </a:xfrm>
           <a:prstGeom prst="rect">
             <a:avLst/>
@@ -1651,7 +1580,7 @@
       </p:grpSpPr>
       <p:sp>
         <p:nvSpPr>
-          <p:cNvPr id="67" name="PlaceHolder 1"/>
+          <p:cNvPr id="61" name="PlaceHolder 1"/>
           <p:cNvSpPr>
             <a:spLocks noGrp="1"/>
           </p:cNvSpPr>
@@ -1661,8 +1590,8 @@
         </p:nvSpPr>
         <p:spPr>
           <a:xfrm>
-            <a:off x="581040" y="702000"/>
-            <a:ext cx="11029320" cy="1013400"/>
+            <a:off x="609480" y="273600"/>
+            <a:ext cx="10972440" cy="1144800"/>
           </a:xfrm>
           <a:prstGeom prst="rect">
             <a:avLst/>
@@ -1673,18 +1602,16 @@
             <a:noAutofit/>
           </a:bodyPr>
           <a:p>
-            <a:endParaRPr b="0" lang="en-US" sz="1800" spc="-1" strike="noStrike">
-              <a:solidFill>
-                <a:srgbClr val="000000"/>
-              </a:solidFill>
-              <a:latin typeface="Gill Sans MT"/>
-            </a:endParaRPr>
-          </a:p>
-        </p:txBody>
-      </p:sp>
-      <p:sp>
-        <p:nvSpPr>
-          <p:cNvPr id="68" name="PlaceHolder 2"/>
+            <a:pPr algn="ctr"/>
+            <a:endParaRPr b="0" lang="en-US" sz="4400" spc="-1" strike="noStrike">
+              <a:latin typeface="Arial"/>
+            </a:endParaRPr>
+          </a:p>
+        </p:txBody>
+      </p:sp>
+      <p:sp>
+        <p:nvSpPr>
+          <p:cNvPr id="62" name="PlaceHolder 2"/>
           <p:cNvSpPr>
             <a:spLocks noGrp="1"/>
           </p:cNvSpPr>
@@ -1694,8 +1621,8 @@
         </p:nvSpPr>
         <p:spPr>
           <a:xfrm>
-            <a:off x="581040" y="2180520"/>
-            <a:ext cx="5382000" cy="3678120"/>
+            <a:off x="609480" y="1604520"/>
+            <a:ext cx="5354280" cy="3977280"/>
           </a:xfrm>
           <a:prstGeom prst="rect">
             <a:avLst/>
@@ -1706,18 +1633,15 @@
             <a:normAutofit/>
           </a:bodyPr>
           <a:p>
-            <a:endParaRPr b="0" lang="en-US" sz="1800" spc="-1" strike="noStrike">
-              <a:solidFill>
-                <a:srgbClr val="3d3d3d"/>
-              </a:solidFill>
-              <a:latin typeface="Gill Sans MT"/>
-            </a:endParaRPr>
-          </a:p>
-        </p:txBody>
-      </p:sp>
-      <p:sp>
-        <p:nvSpPr>
-          <p:cNvPr id="69" name="PlaceHolder 3"/>
+            <a:endParaRPr b="0" lang="en-US" sz="3200" spc="-1" strike="noStrike">
+              <a:latin typeface="Arial"/>
+            </a:endParaRPr>
+          </a:p>
+        </p:txBody>
+      </p:sp>
+      <p:sp>
+        <p:nvSpPr>
+          <p:cNvPr id="63" name="PlaceHolder 3"/>
           <p:cNvSpPr>
             <a:spLocks noGrp="1"/>
           </p:cNvSpPr>
@@ -1727,8 +1651,8 @@
         </p:nvSpPr>
         <p:spPr>
           <a:xfrm>
-            <a:off x="6232680" y="2180520"/>
-            <a:ext cx="5382000" cy="1754280"/>
+            <a:off x="6231960" y="1604520"/>
+            <a:ext cx="5354280" cy="1896840"/>
           </a:xfrm>
           <a:prstGeom prst="rect">
             <a:avLst/>
@@ -1739,18 +1663,15 @@
             <a:normAutofit/>
           </a:bodyPr>
           <a:p>
-            <a:endParaRPr b="0" lang="en-US" sz="1800" spc="-1" strike="noStrike">
-              <a:solidFill>
-                <a:srgbClr val="3d3d3d"/>
-              </a:solidFill>
-              <a:latin typeface="Gill Sans MT"/>
-            </a:endParaRPr>
-          </a:p>
-        </p:txBody>
-      </p:sp>
-      <p:sp>
-        <p:nvSpPr>
-          <p:cNvPr id="70" name="PlaceHolder 4"/>
+            <a:endParaRPr b="0" lang="en-US" sz="3200" spc="-1" strike="noStrike">
+              <a:latin typeface="Arial"/>
+            </a:endParaRPr>
+          </a:p>
+        </p:txBody>
+      </p:sp>
+      <p:sp>
+        <p:nvSpPr>
+          <p:cNvPr id="64" name="PlaceHolder 4"/>
           <p:cNvSpPr>
             <a:spLocks noGrp="1"/>
           </p:cNvSpPr>
@@ -1760,8 +1681,8 @@
         </p:nvSpPr>
         <p:spPr>
           <a:xfrm>
-            <a:off x="6232680" y="4101840"/>
-            <a:ext cx="5382000" cy="1754280"/>
+            <a:off x="6231960" y="3682080"/>
+            <a:ext cx="5354280" cy="1896840"/>
           </a:xfrm>
           <a:prstGeom prst="rect">
             <a:avLst/>
@@ -1772,11 +1693,8 @@
             <a:normAutofit/>
           </a:bodyPr>
           <a:p>
-            <a:endParaRPr b="0" lang="en-US" sz="1800" spc="-1" strike="noStrike">
-              <a:solidFill>
-                <a:srgbClr val="3d3d3d"/>
-              </a:solidFill>
-              <a:latin typeface="Gill Sans MT"/>
+            <a:endParaRPr b="0" lang="en-US" sz="3200" spc="-1" strike="noStrike">
+              <a:latin typeface="Arial"/>
             </a:endParaRPr>
           </a:p>
         </p:txBody>
@@ -1805,7 +1723,7 @@
       </p:grpSpPr>
       <p:sp>
         <p:nvSpPr>
-          <p:cNvPr id="71" name="PlaceHolder 1"/>
+          <p:cNvPr id="65" name="PlaceHolder 1"/>
           <p:cNvSpPr>
             <a:spLocks noGrp="1"/>
           </p:cNvSpPr>
@@ -1815,8 +1733,8 @@
         </p:nvSpPr>
         <p:spPr>
           <a:xfrm>
-            <a:off x="581040" y="702000"/>
-            <a:ext cx="11029320" cy="1013400"/>
+            <a:off x="609480" y="273600"/>
+            <a:ext cx="10972440" cy="1144800"/>
           </a:xfrm>
           <a:prstGeom prst="rect">
             <a:avLst/>
@@ -1827,18 +1745,16 @@
             <a:noAutofit/>
           </a:bodyPr>
           <a:p>
-            <a:endParaRPr b="0" lang="en-US" sz="1800" spc="-1" strike="noStrike">
-              <a:solidFill>
-                <a:srgbClr val="000000"/>
-              </a:solidFill>
-              <a:latin typeface="Gill Sans MT"/>
-            </a:endParaRPr>
-          </a:p>
-        </p:txBody>
-      </p:sp>
-      <p:sp>
-        <p:nvSpPr>
-          <p:cNvPr id="72" name="PlaceHolder 2"/>
+            <a:pPr algn="ctr"/>
+            <a:endParaRPr b="0" lang="en-US" sz="4400" spc="-1" strike="noStrike">
+              <a:latin typeface="Arial"/>
+            </a:endParaRPr>
+          </a:p>
+        </p:txBody>
+      </p:sp>
+      <p:sp>
+        <p:nvSpPr>
+          <p:cNvPr id="66" name="PlaceHolder 2"/>
           <p:cNvSpPr>
             <a:spLocks noGrp="1"/>
           </p:cNvSpPr>
@@ -1848,8 +1764,8 @@
         </p:nvSpPr>
         <p:spPr>
           <a:xfrm>
-            <a:off x="581040" y="2180520"/>
-            <a:ext cx="5382000" cy="1754280"/>
+            <a:off x="609480" y="1604520"/>
+            <a:ext cx="5354280" cy="1896840"/>
           </a:xfrm>
           <a:prstGeom prst="rect">
             <a:avLst/>
@@ -1860,18 +1776,15 @@
             <a:normAutofit/>
           </a:bodyPr>
           <a:p>
-            <a:endParaRPr b="0" lang="en-US" sz="1800" spc="-1" strike="noStrike">
-              <a:solidFill>
-                <a:srgbClr val="3d3d3d"/>
-              </a:solidFill>
-              <a:latin typeface="Gill Sans MT"/>
-            </a:endParaRPr>
-          </a:p>
-        </p:txBody>
-      </p:sp>
-      <p:sp>
-        <p:nvSpPr>
-          <p:cNvPr id="73" name="PlaceHolder 3"/>
+            <a:endParaRPr b="0" lang="en-US" sz="3200" spc="-1" strike="noStrike">
+              <a:latin typeface="Arial"/>
+            </a:endParaRPr>
+          </a:p>
+        </p:txBody>
+      </p:sp>
+      <p:sp>
+        <p:nvSpPr>
+          <p:cNvPr id="67" name="PlaceHolder 3"/>
           <p:cNvSpPr>
             <a:spLocks noGrp="1"/>
           </p:cNvSpPr>
@@ -1881,8 +1794,8 @@
         </p:nvSpPr>
         <p:spPr>
           <a:xfrm>
-            <a:off x="6232680" y="2180520"/>
-            <a:ext cx="5382000" cy="1754280"/>
+            <a:off x="6231960" y="1604520"/>
+            <a:ext cx="5354280" cy="1896840"/>
           </a:xfrm>
           <a:prstGeom prst="rect">
             <a:avLst/>
@@ -1893,18 +1806,15 @@
             <a:normAutofit/>
           </a:bodyPr>
           <a:p>
-            <a:endParaRPr b="0" lang="en-US" sz="1800" spc="-1" strike="noStrike">
-              <a:solidFill>
-                <a:srgbClr val="3d3d3d"/>
-              </a:solidFill>
-              <a:latin typeface="Gill Sans MT"/>
-            </a:endParaRPr>
-          </a:p>
-        </p:txBody>
-      </p:sp>
-      <p:sp>
-        <p:nvSpPr>
-          <p:cNvPr id="74" name="PlaceHolder 4"/>
+            <a:endParaRPr b="0" lang="en-US" sz="3200" spc="-1" strike="noStrike">
+              <a:latin typeface="Arial"/>
+            </a:endParaRPr>
+          </a:p>
+        </p:txBody>
+      </p:sp>
+      <p:sp>
+        <p:nvSpPr>
+          <p:cNvPr id="68" name="PlaceHolder 4"/>
           <p:cNvSpPr>
             <a:spLocks noGrp="1"/>
           </p:cNvSpPr>
@@ -1914,8 +1824,8 @@
         </p:nvSpPr>
         <p:spPr>
           <a:xfrm>
-            <a:off x="581040" y="4101840"/>
-            <a:ext cx="11029320" cy="1754280"/>
+            <a:off x="609480" y="3682080"/>
+            <a:ext cx="10972440" cy="1896840"/>
           </a:xfrm>
           <a:prstGeom prst="rect">
             <a:avLst/>
@@ -1926,11 +1836,8 @@
             <a:normAutofit/>
           </a:bodyPr>
           <a:p>
-            <a:endParaRPr b="0" lang="en-US" sz="1800" spc="-1" strike="noStrike">
-              <a:solidFill>
-                <a:srgbClr val="3d3d3d"/>
-              </a:solidFill>
-              <a:latin typeface="Gill Sans MT"/>
+            <a:endParaRPr b="0" lang="en-US" sz="3200" spc="-1" strike="noStrike">
+              <a:latin typeface="Arial"/>
             </a:endParaRPr>
           </a:p>
         </p:txBody>
@@ -1959,7 +1866,7 @@
       </p:grpSpPr>
       <p:sp>
         <p:nvSpPr>
-          <p:cNvPr id="75" name="PlaceHolder 1"/>
+          <p:cNvPr id="69" name="PlaceHolder 1"/>
           <p:cNvSpPr>
             <a:spLocks noGrp="1"/>
           </p:cNvSpPr>
@@ -1969,8 +1876,8 @@
         </p:nvSpPr>
         <p:spPr>
           <a:xfrm>
-            <a:off x="581040" y="702000"/>
-            <a:ext cx="11029320" cy="1013400"/>
+            <a:off x="609480" y="273600"/>
+            <a:ext cx="10972440" cy="1144800"/>
           </a:xfrm>
           <a:prstGeom prst="rect">
             <a:avLst/>
@@ -1981,18 +1888,16 @@
             <a:noAutofit/>
           </a:bodyPr>
           <a:p>
-            <a:endParaRPr b="0" lang="en-US" sz="1800" spc="-1" strike="noStrike">
-              <a:solidFill>
-                <a:srgbClr val="000000"/>
-              </a:solidFill>
-              <a:latin typeface="Gill Sans MT"/>
-            </a:endParaRPr>
-          </a:p>
-        </p:txBody>
-      </p:sp>
-      <p:sp>
-        <p:nvSpPr>
-          <p:cNvPr id="76" name="PlaceHolder 2"/>
+            <a:pPr algn="ctr"/>
+            <a:endParaRPr b="0" lang="en-US" sz="4400" spc="-1" strike="noStrike">
+              <a:latin typeface="Arial"/>
+            </a:endParaRPr>
+          </a:p>
+        </p:txBody>
+      </p:sp>
+      <p:sp>
+        <p:nvSpPr>
+          <p:cNvPr id="70" name="PlaceHolder 2"/>
           <p:cNvSpPr>
             <a:spLocks noGrp="1"/>
           </p:cNvSpPr>
@@ -2002,8 +1907,8 @@
         </p:nvSpPr>
         <p:spPr>
           <a:xfrm>
-            <a:off x="581040" y="2180520"/>
-            <a:ext cx="11029320" cy="1754280"/>
+            <a:off x="609480" y="1604520"/>
+            <a:ext cx="10972440" cy="1896840"/>
           </a:xfrm>
           <a:prstGeom prst="rect">
             <a:avLst/>
@@ -2014,18 +1919,15 @@
             <a:normAutofit/>
           </a:bodyPr>
           <a:p>
-            <a:endParaRPr b="0" lang="en-US" sz="1800" spc="-1" strike="noStrike">
-              <a:solidFill>
-                <a:srgbClr val="3d3d3d"/>
-              </a:solidFill>
-              <a:latin typeface="Gill Sans MT"/>
-            </a:endParaRPr>
-          </a:p>
-        </p:txBody>
-      </p:sp>
-      <p:sp>
-        <p:nvSpPr>
-          <p:cNvPr id="77" name="PlaceHolder 3"/>
+            <a:endParaRPr b="0" lang="en-US" sz="3200" spc="-1" strike="noStrike">
+              <a:latin typeface="Arial"/>
+            </a:endParaRPr>
+          </a:p>
+        </p:txBody>
+      </p:sp>
+      <p:sp>
+        <p:nvSpPr>
+          <p:cNvPr id="71" name="PlaceHolder 3"/>
           <p:cNvSpPr>
             <a:spLocks noGrp="1"/>
           </p:cNvSpPr>
@@ -2035,8 +1937,8 @@
         </p:nvSpPr>
         <p:spPr>
           <a:xfrm>
-            <a:off x="581040" y="4101840"/>
-            <a:ext cx="11029320" cy="1754280"/>
+            <a:off x="609480" y="3682080"/>
+            <a:ext cx="10972440" cy="1896840"/>
           </a:xfrm>
           <a:prstGeom prst="rect">
             <a:avLst/>
@@ -2047,11 +1949,8 @@
             <a:normAutofit/>
           </a:bodyPr>
           <a:p>
-            <a:endParaRPr b="0" lang="en-US" sz="1800" spc="-1" strike="noStrike">
-              <a:solidFill>
-                <a:srgbClr val="3d3d3d"/>
-              </a:solidFill>
-              <a:latin typeface="Gill Sans MT"/>
+            <a:endParaRPr b="0" lang="en-US" sz="3200" spc="-1" strike="noStrike">
+              <a:latin typeface="Arial"/>
             </a:endParaRPr>
           </a:p>
         </p:txBody>
@@ -2080,7 +1979,7 @@
       </p:grpSpPr>
       <p:sp>
         <p:nvSpPr>
-          <p:cNvPr id="78" name="PlaceHolder 1"/>
+          <p:cNvPr id="72" name="PlaceHolder 1"/>
           <p:cNvSpPr>
             <a:spLocks noGrp="1"/>
           </p:cNvSpPr>
@@ -2090,8 +1989,8 @@
         </p:nvSpPr>
         <p:spPr>
           <a:xfrm>
-            <a:off x="581040" y="702000"/>
-            <a:ext cx="11029320" cy="1013400"/>
+            <a:off x="609480" y="273600"/>
+            <a:ext cx="10972440" cy="1144800"/>
           </a:xfrm>
           <a:prstGeom prst="rect">
             <a:avLst/>
@@ -2102,18 +2001,16 @@
             <a:noAutofit/>
           </a:bodyPr>
           <a:p>
-            <a:endParaRPr b="0" lang="en-US" sz="1800" spc="-1" strike="noStrike">
-              <a:solidFill>
-                <a:srgbClr val="000000"/>
-              </a:solidFill>
-              <a:latin typeface="Gill Sans MT"/>
-            </a:endParaRPr>
-          </a:p>
-        </p:txBody>
-      </p:sp>
-      <p:sp>
-        <p:nvSpPr>
-          <p:cNvPr id="79" name="PlaceHolder 2"/>
+            <a:pPr algn="ctr"/>
+            <a:endParaRPr b="0" lang="en-US" sz="4400" spc="-1" strike="noStrike">
+              <a:latin typeface="Arial"/>
+            </a:endParaRPr>
+          </a:p>
+        </p:txBody>
+      </p:sp>
+      <p:sp>
+        <p:nvSpPr>
+          <p:cNvPr id="73" name="PlaceHolder 2"/>
           <p:cNvSpPr>
             <a:spLocks noGrp="1"/>
           </p:cNvSpPr>
@@ -2123,8 +2020,8 @@
         </p:nvSpPr>
         <p:spPr>
           <a:xfrm>
-            <a:off x="581040" y="2180520"/>
-            <a:ext cx="5382000" cy="1754280"/>
+            <a:off x="609480" y="1604520"/>
+            <a:ext cx="5354280" cy="1896840"/>
           </a:xfrm>
           <a:prstGeom prst="rect">
             <a:avLst/>
@@ -2135,18 +2032,15 @@
             <a:normAutofit/>
           </a:bodyPr>
           <a:p>
-            <a:endParaRPr b="0" lang="en-US" sz="1800" spc="-1" strike="noStrike">
-              <a:solidFill>
-                <a:srgbClr val="3d3d3d"/>
-              </a:solidFill>
-              <a:latin typeface="Gill Sans MT"/>
-            </a:endParaRPr>
-          </a:p>
-        </p:txBody>
-      </p:sp>
-      <p:sp>
-        <p:nvSpPr>
-          <p:cNvPr id="80" name="PlaceHolder 3"/>
+            <a:endParaRPr b="0" lang="en-US" sz="3200" spc="-1" strike="noStrike">
+              <a:latin typeface="Arial"/>
+            </a:endParaRPr>
+          </a:p>
+        </p:txBody>
+      </p:sp>
+      <p:sp>
+        <p:nvSpPr>
+          <p:cNvPr id="74" name="PlaceHolder 3"/>
           <p:cNvSpPr>
             <a:spLocks noGrp="1"/>
           </p:cNvSpPr>
@@ -2156,8 +2050,8 @@
         </p:nvSpPr>
         <p:spPr>
           <a:xfrm>
-            <a:off x="6232680" y="2180520"/>
-            <a:ext cx="5382000" cy="1754280"/>
+            <a:off x="6231960" y="1604520"/>
+            <a:ext cx="5354280" cy="1896840"/>
           </a:xfrm>
           <a:prstGeom prst="rect">
             <a:avLst/>
@@ -2168,18 +2062,15 @@
             <a:normAutofit/>
           </a:bodyPr>
           <a:p>
-            <a:endParaRPr b="0" lang="en-US" sz="1800" spc="-1" strike="noStrike">
-              <a:solidFill>
-                <a:srgbClr val="3d3d3d"/>
-              </a:solidFill>
-              <a:latin typeface="Gill Sans MT"/>
-            </a:endParaRPr>
-          </a:p>
-        </p:txBody>
-      </p:sp>
-      <p:sp>
-        <p:nvSpPr>
-          <p:cNvPr id="81" name="PlaceHolder 4"/>
+            <a:endParaRPr b="0" lang="en-US" sz="3200" spc="-1" strike="noStrike">
+              <a:latin typeface="Arial"/>
+            </a:endParaRPr>
+          </a:p>
+        </p:txBody>
+      </p:sp>
+      <p:sp>
+        <p:nvSpPr>
+          <p:cNvPr id="75" name="PlaceHolder 4"/>
           <p:cNvSpPr>
             <a:spLocks noGrp="1"/>
           </p:cNvSpPr>
@@ -2189,8 +2080,8 @@
         </p:nvSpPr>
         <p:spPr>
           <a:xfrm>
-            <a:off x="581040" y="4101840"/>
-            <a:ext cx="5382000" cy="1754280"/>
+            <a:off x="609480" y="3682080"/>
+            <a:ext cx="5354280" cy="1896840"/>
           </a:xfrm>
           <a:prstGeom prst="rect">
             <a:avLst/>
@@ -2201,18 +2092,15 @@
             <a:normAutofit/>
           </a:bodyPr>
           <a:p>
-            <a:endParaRPr b="0" lang="en-US" sz="1800" spc="-1" strike="noStrike">
-              <a:solidFill>
-                <a:srgbClr val="3d3d3d"/>
-              </a:solidFill>
-              <a:latin typeface="Gill Sans MT"/>
-            </a:endParaRPr>
-          </a:p>
-        </p:txBody>
-      </p:sp>
-      <p:sp>
-        <p:nvSpPr>
-          <p:cNvPr id="82" name="PlaceHolder 5"/>
+            <a:endParaRPr b="0" lang="en-US" sz="3200" spc="-1" strike="noStrike">
+              <a:latin typeface="Arial"/>
+            </a:endParaRPr>
+          </a:p>
+        </p:txBody>
+      </p:sp>
+      <p:sp>
+        <p:nvSpPr>
+          <p:cNvPr id="76" name="PlaceHolder 5"/>
           <p:cNvSpPr>
             <a:spLocks noGrp="1"/>
           </p:cNvSpPr>
@@ -2222,8 +2110,8 @@
         </p:nvSpPr>
         <p:spPr>
           <a:xfrm>
-            <a:off x="6232680" y="4101840"/>
-            <a:ext cx="5382000" cy="1754280"/>
+            <a:off x="6231960" y="3682080"/>
+            <a:ext cx="5354280" cy="1896840"/>
           </a:xfrm>
           <a:prstGeom prst="rect">
             <a:avLst/>
@@ -2234,11 +2122,8 @@
             <a:normAutofit/>
           </a:bodyPr>
           <a:p>
-            <a:endParaRPr b="0" lang="en-US" sz="1800" spc="-1" strike="noStrike">
-              <a:solidFill>
-                <a:srgbClr val="3d3d3d"/>
-              </a:solidFill>
-              <a:latin typeface="Gill Sans MT"/>
+            <a:endParaRPr b="0" lang="en-US" sz="3200" spc="-1" strike="noStrike">
+              <a:latin typeface="Arial"/>
             </a:endParaRPr>
           </a:p>
         </p:txBody>
@@ -2267,7 +2152,7 @@
       </p:grpSpPr>
       <p:sp>
         <p:nvSpPr>
-          <p:cNvPr id="83" name="PlaceHolder 1"/>
+          <p:cNvPr id="77" name="PlaceHolder 1"/>
           <p:cNvSpPr>
             <a:spLocks noGrp="1"/>
           </p:cNvSpPr>
@@ -2277,8 +2162,8 @@
         </p:nvSpPr>
         <p:spPr>
           <a:xfrm>
-            <a:off x="581040" y="702000"/>
-            <a:ext cx="11029320" cy="1013400"/>
+            <a:off x="609480" y="273600"/>
+            <a:ext cx="10972440" cy="1144800"/>
           </a:xfrm>
           <a:prstGeom prst="rect">
             <a:avLst/>
@@ -2289,18 +2174,16 @@
             <a:noAutofit/>
           </a:bodyPr>
           <a:p>
-            <a:endParaRPr b="0" lang="en-US" sz="1800" spc="-1" strike="noStrike">
-              <a:solidFill>
-                <a:srgbClr val="000000"/>
-              </a:solidFill>
-              <a:latin typeface="Gill Sans MT"/>
-            </a:endParaRPr>
-          </a:p>
-        </p:txBody>
-      </p:sp>
-      <p:sp>
-        <p:nvSpPr>
-          <p:cNvPr id="84" name="PlaceHolder 2"/>
+            <a:pPr algn="ctr"/>
+            <a:endParaRPr b="0" lang="en-US" sz="4400" spc="-1" strike="noStrike">
+              <a:latin typeface="Arial"/>
+            </a:endParaRPr>
+          </a:p>
+        </p:txBody>
+      </p:sp>
+      <p:sp>
+        <p:nvSpPr>
+          <p:cNvPr id="78" name="PlaceHolder 2"/>
           <p:cNvSpPr>
             <a:spLocks noGrp="1"/>
           </p:cNvSpPr>
@@ -2310,8 +2193,8 @@
         </p:nvSpPr>
         <p:spPr>
           <a:xfrm>
-            <a:off x="581040" y="2180520"/>
-            <a:ext cx="3551040" cy="1754280"/>
+            <a:off x="609480" y="1604520"/>
+            <a:ext cx="3533040" cy="1896840"/>
           </a:xfrm>
           <a:prstGeom prst="rect">
             <a:avLst/>
@@ -2322,18 +2205,15 @@
             <a:normAutofit/>
           </a:bodyPr>
           <a:p>
-            <a:endParaRPr b="0" lang="en-US" sz="1800" spc="-1" strike="noStrike">
-              <a:solidFill>
-                <a:srgbClr val="3d3d3d"/>
-              </a:solidFill>
-              <a:latin typeface="Gill Sans MT"/>
-            </a:endParaRPr>
-          </a:p>
-        </p:txBody>
-      </p:sp>
-      <p:sp>
-        <p:nvSpPr>
-          <p:cNvPr id="85" name="PlaceHolder 3"/>
+            <a:endParaRPr b="0" lang="en-US" sz="3200" spc="-1" strike="noStrike">
+              <a:latin typeface="Arial"/>
+            </a:endParaRPr>
+          </a:p>
+        </p:txBody>
+      </p:sp>
+      <p:sp>
+        <p:nvSpPr>
+          <p:cNvPr id="79" name="PlaceHolder 3"/>
           <p:cNvSpPr>
             <a:spLocks noGrp="1"/>
           </p:cNvSpPr>
@@ -2343,8 +2223,8 @@
         </p:nvSpPr>
         <p:spPr>
           <a:xfrm>
-            <a:off x="4309920" y="2180520"/>
-            <a:ext cx="3551040" cy="1754280"/>
+            <a:off x="4319640" y="1604520"/>
+            <a:ext cx="3533040" cy="1896840"/>
           </a:xfrm>
           <a:prstGeom prst="rect">
             <a:avLst/>
@@ -2355,18 +2235,15 @@
             <a:normAutofit/>
           </a:bodyPr>
           <a:p>
-            <a:endParaRPr b="0" lang="en-US" sz="1800" spc="-1" strike="noStrike">
-              <a:solidFill>
-                <a:srgbClr val="3d3d3d"/>
-              </a:solidFill>
-              <a:latin typeface="Gill Sans MT"/>
-            </a:endParaRPr>
-          </a:p>
-        </p:txBody>
-      </p:sp>
-      <p:sp>
-        <p:nvSpPr>
-          <p:cNvPr id="86" name="PlaceHolder 4"/>
+            <a:endParaRPr b="0" lang="en-US" sz="3200" spc="-1" strike="noStrike">
+              <a:latin typeface="Arial"/>
+            </a:endParaRPr>
+          </a:p>
+        </p:txBody>
+      </p:sp>
+      <p:sp>
+        <p:nvSpPr>
+          <p:cNvPr id="80" name="PlaceHolder 4"/>
           <p:cNvSpPr>
             <a:spLocks noGrp="1"/>
           </p:cNvSpPr>
@@ -2376,8 +2253,8 @@
         </p:nvSpPr>
         <p:spPr>
           <a:xfrm>
-            <a:off x="8039160" y="2180520"/>
-            <a:ext cx="3551040" cy="1754280"/>
+            <a:off x="8029800" y="1604520"/>
+            <a:ext cx="3533040" cy="1896840"/>
           </a:xfrm>
           <a:prstGeom prst="rect">
             <a:avLst/>
@@ -2388,18 +2265,15 @@
             <a:normAutofit/>
           </a:bodyPr>
           <a:p>
-            <a:endParaRPr b="0" lang="en-US" sz="1800" spc="-1" strike="noStrike">
-              <a:solidFill>
-                <a:srgbClr val="3d3d3d"/>
-              </a:solidFill>
-              <a:latin typeface="Gill Sans MT"/>
-            </a:endParaRPr>
-          </a:p>
-        </p:txBody>
-      </p:sp>
-      <p:sp>
-        <p:nvSpPr>
-          <p:cNvPr id="87" name="PlaceHolder 5"/>
+            <a:endParaRPr b="0" lang="en-US" sz="3200" spc="-1" strike="noStrike">
+              <a:latin typeface="Arial"/>
+            </a:endParaRPr>
+          </a:p>
+        </p:txBody>
+      </p:sp>
+      <p:sp>
+        <p:nvSpPr>
+          <p:cNvPr id="81" name="PlaceHolder 5"/>
           <p:cNvSpPr>
             <a:spLocks noGrp="1"/>
           </p:cNvSpPr>
@@ -2409,8 +2283,8 @@
         </p:nvSpPr>
         <p:spPr>
           <a:xfrm>
-            <a:off x="581040" y="4101840"/>
-            <a:ext cx="3551040" cy="1754280"/>
+            <a:off x="609480" y="3682080"/>
+            <a:ext cx="3533040" cy="1896840"/>
           </a:xfrm>
           <a:prstGeom prst="rect">
             <a:avLst/>
@@ -2421,18 +2295,15 @@
             <a:normAutofit/>
           </a:bodyPr>
           <a:p>
-            <a:endParaRPr b="0" lang="en-US" sz="1800" spc="-1" strike="noStrike">
-              <a:solidFill>
-                <a:srgbClr val="3d3d3d"/>
-              </a:solidFill>
-              <a:latin typeface="Gill Sans MT"/>
-            </a:endParaRPr>
-          </a:p>
-        </p:txBody>
-      </p:sp>
-      <p:sp>
-        <p:nvSpPr>
-          <p:cNvPr id="88" name="PlaceHolder 6"/>
+            <a:endParaRPr b="0" lang="en-US" sz="3200" spc="-1" strike="noStrike">
+              <a:latin typeface="Arial"/>
+            </a:endParaRPr>
+          </a:p>
+        </p:txBody>
+      </p:sp>
+      <p:sp>
+        <p:nvSpPr>
+          <p:cNvPr id="82" name="PlaceHolder 6"/>
           <p:cNvSpPr>
             <a:spLocks noGrp="1"/>
           </p:cNvSpPr>
@@ -2442,8 +2313,8 @@
         </p:nvSpPr>
         <p:spPr>
           <a:xfrm>
-            <a:off x="4309920" y="4101840"/>
-            <a:ext cx="3551040" cy="1754280"/>
+            <a:off x="4319640" y="3682080"/>
+            <a:ext cx="3533040" cy="1896840"/>
           </a:xfrm>
           <a:prstGeom prst="rect">
             <a:avLst/>
@@ -2454,18 +2325,15 @@
             <a:normAutofit/>
           </a:bodyPr>
           <a:p>
-            <a:endParaRPr b="0" lang="en-US" sz="1800" spc="-1" strike="noStrike">
-              <a:solidFill>
-                <a:srgbClr val="3d3d3d"/>
-              </a:solidFill>
-              <a:latin typeface="Gill Sans MT"/>
-            </a:endParaRPr>
-          </a:p>
-        </p:txBody>
-      </p:sp>
-      <p:sp>
-        <p:nvSpPr>
-          <p:cNvPr id="89" name="PlaceHolder 7"/>
+            <a:endParaRPr b="0" lang="en-US" sz="3200" spc="-1" strike="noStrike">
+              <a:latin typeface="Arial"/>
+            </a:endParaRPr>
+          </a:p>
+        </p:txBody>
+      </p:sp>
+      <p:sp>
+        <p:nvSpPr>
+          <p:cNvPr id="83" name="PlaceHolder 7"/>
           <p:cNvSpPr>
             <a:spLocks noGrp="1"/>
           </p:cNvSpPr>
@@ -2475,8 +2343,8 @@
         </p:nvSpPr>
         <p:spPr>
           <a:xfrm>
-            <a:off x="8039160" y="4101840"/>
-            <a:ext cx="3551040" cy="1754280"/>
+            <a:off x="8029800" y="3682080"/>
+            <a:ext cx="3533040" cy="1896840"/>
           </a:xfrm>
           <a:prstGeom prst="rect">
             <a:avLst/>
@@ -2487,11 +2355,8 @@
             <a:normAutofit/>
           </a:bodyPr>
           <a:p>
-            <a:endParaRPr b="0" lang="en-US" sz="1800" spc="-1" strike="noStrike">
-              <a:solidFill>
-                <a:srgbClr val="3d3d3d"/>
-              </a:solidFill>
-              <a:latin typeface="Gill Sans MT"/>
+            <a:endParaRPr b="0" lang="en-US" sz="3200" spc="-1" strike="noStrike">
+              <a:latin typeface="Arial"/>
             </a:endParaRPr>
           </a:p>
         </p:txBody>
@@ -2520,7 +2385,7 @@
       </p:grpSpPr>
       <p:sp>
         <p:nvSpPr>
-          <p:cNvPr id="11" name="PlaceHolder 1"/>
+          <p:cNvPr id="8" name="PlaceHolder 1"/>
           <p:cNvSpPr>
             <a:spLocks noGrp="1"/>
           </p:cNvSpPr>
@@ -2530,8 +2395,8 @@
         </p:nvSpPr>
         <p:spPr>
           <a:xfrm>
-            <a:off x="581040" y="702000"/>
-            <a:ext cx="11029320" cy="1013400"/>
+            <a:off x="609480" y="273600"/>
+            <a:ext cx="10972440" cy="1144800"/>
           </a:xfrm>
           <a:prstGeom prst="rect">
             <a:avLst/>
@@ -2542,18 +2407,16 @@
             <a:noAutofit/>
           </a:bodyPr>
           <a:p>
-            <a:endParaRPr b="0" lang="en-US" sz="1800" spc="-1" strike="noStrike">
-              <a:solidFill>
-                <a:srgbClr val="000000"/>
-              </a:solidFill>
-              <a:latin typeface="Gill Sans MT"/>
-            </a:endParaRPr>
-          </a:p>
-        </p:txBody>
-      </p:sp>
-      <p:sp>
-        <p:nvSpPr>
-          <p:cNvPr id="12" name="PlaceHolder 2"/>
+            <a:pPr algn="ctr"/>
+            <a:endParaRPr b="0" lang="en-US" sz="4400" spc="-1" strike="noStrike">
+              <a:latin typeface="Arial"/>
+            </a:endParaRPr>
+          </a:p>
+        </p:txBody>
+      </p:sp>
+      <p:sp>
+        <p:nvSpPr>
+          <p:cNvPr id="9" name="PlaceHolder 2"/>
           <p:cNvSpPr>
             <a:spLocks noGrp="1"/>
           </p:cNvSpPr>
@@ -2563,8 +2426,8 @@
         </p:nvSpPr>
         <p:spPr>
           <a:xfrm>
-            <a:off x="581040" y="2180520"/>
-            <a:ext cx="11029320" cy="3678120"/>
+            <a:off x="609480" y="1604520"/>
+            <a:ext cx="10972440" cy="3977280"/>
           </a:xfrm>
           <a:prstGeom prst="rect">
             <a:avLst/>
@@ -2575,11 +2438,8 @@
             <a:normAutofit/>
           </a:bodyPr>
           <a:p>
-            <a:endParaRPr b="0" lang="en-US" sz="1800" spc="-1" strike="noStrike">
-              <a:solidFill>
-                <a:srgbClr val="3d3d3d"/>
-              </a:solidFill>
-              <a:latin typeface="Gill Sans MT"/>
+            <a:endParaRPr b="0" lang="en-US" sz="3200" spc="-1" strike="noStrike">
+              <a:latin typeface="Arial"/>
             </a:endParaRPr>
           </a:p>
         </p:txBody>
@@ -2608,7 +2468,7 @@
       </p:grpSpPr>
       <p:sp>
         <p:nvSpPr>
-          <p:cNvPr id="13" name="PlaceHolder 1"/>
+          <p:cNvPr id="10" name="PlaceHolder 1"/>
           <p:cNvSpPr>
             <a:spLocks noGrp="1"/>
           </p:cNvSpPr>
@@ -2618,8 +2478,8 @@
         </p:nvSpPr>
         <p:spPr>
           <a:xfrm>
-            <a:off x="581040" y="702000"/>
-            <a:ext cx="11029320" cy="1013400"/>
+            <a:off x="609480" y="273600"/>
+            <a:ext cx="10972440" cy="1144800"/>
           </a:xfrm>
           <a:prstGeom prst="rect">
             <a:avLst/>
@@ -2630,18 +2490,16 @@
             <a:noAutofit/>
           </a:bodyPr>
           <a:p>
-            <a:endParaRPr b="0" lang="en-US" sz="1800" spc="-1" strike="noStrike">
-              <a:solidFill>
-                <a:srgbClr val="000000"/>
-              </a:solidFill>
-              <a:latin typeface="Gill Sans MT"/>
-            </a:endParaRPr>
-          </a:p>
-        </p:txBody>
-      </p:sp>
-      <p:sp>
-        <p:nvSpPr>
-          <p:cNvPr id="14" name="PlaceHolder 2"/>
+            <a:pPr algn="ctr"/>
+            <a:endParaRPr b="0" lang="en-US" sz="4400" spc="-1" strike="noStrike">
+              <a:latin typeface="Arial"/>
+            </a:endParaRPr>
+          </a:p>
+        </p:txBody>
+      </p:sp>
+      <p:sp>
+        <p:nvSpPr>
+          <p:cNvPr id="11" name="PlaceHolder 2"/>
           <p:cNvSpPr>
             <a:spLocks noGrp="1"/>
           </p:cNvSpPr>
@@ -2651,8 +2509,8 @@
         </p:nvSpPr>
         <p:spPr>
           <a:xfrm>
-            <a:off x="581040" y="2180520"/>
-            <a:ext cx="5382000" cy="3678120"/>
+            <a:off x="609480" y="1604520"/>
+            <a:ext cx="5354280" cy="3977280"/>
           </a:xfrm>
           <a:prstGeom prst="rect">
             <a:avLst/>
@@ -2663,18 +2521,15 @@
             <a:normAutofit/>
           </a:bodyPr>
           <a:p>
-            <a:endParaRPr b="0" lang="en-US" sz="1800" spc="-1" strike="noStrike">
-              <a:solidFill>
-                <a:srgbClr val="3d3d3d"/>
-              </a:solidFill>
-              <a:latin typeface="Gill Sans MT"/>
-            </a:endParaRPr>
-          </a:p>
-        </p:txBody>
-      </p:sp>
-      <p:sp>
-        <p:nvSpPr>
-          <p:cNvPr id="15" name="PlaceHolder 3"/>
+            <a:endParaRPr b="0" lang="en-US" sz="3200" spc="-1" strike="noStrike">
+              <a:latin typeface="Arial"/>
+            </a:endParaRPr>
+          </a:p>
+        </p:txBody>
+      </p:sp>
+      <p:sp>
+        <p:nvSpPr>
+          <p:cNvPr id="12" name="PlaceHolder 3"/>
           <p:cNvSpPr>
             <a:spLocks noGrp="1"/>
           </p:cNvSpPr>
@@ -2684,8 +2539,8 @@
         </p:nvSpPr>
         <p:spPr>
           <a:xfrm>
-            <a:off x="6232680" y="2180520"/>
-            <a:ext cx="5382000" cy="3678120"/>
+            <a:off x="6231960" y="1604520"/>
+            <a:ext cx="5354280" cy="3977280"/>
           </a:xfrm>
           <a:prstGeom prst="rect">
             <a:avLst/>
@@ -2696,11 +2551,8 @@
             <a:normAutofit/>
           </a:bodyPr>
           <a:p>
-            <a:endParaRPr b="0" lang="en-US" sz="1800" spc="-1" strike="noStrike">
-              <a:solidFill>
-                <a:srgbClr val="3d3d3d"/>
-              </a:solidFill>
-              <a:latin typeface="Gill Sans MT"/>
+            <a:endParaRPr b="0" lang="en-US" sz="3200" spc="-1" strike="noStrike">
+              <a:latin typeface="Arial"/>
             </a:endParaRPr>
           </a:p>
         </p:txBody>
@@ -2729,7 +2581,7 @@
       </p:grpSpPr>
       <p:sp>
         <p:nvSpPr>
-          <p:cNvPr id="16" name="PlaceHolder 1"/>
+          <p:cNvPr id="13" name="PlaceHolder 1"/>
           <p:cNvSpPr>
             <a:spLocks noGrp="1"/>
           </p:cNvSpPr>
@@ -2739,8 +2591,8 @@
         </p:nvSpPr>
         <p:spPr>
           <a:xfrm>
-            <a:off x="581040" y="702000"/>
-            <a:ext cx="11029320" cy="1013400"/>
+            <a:off x="609480" y="273600"/>
+            <a:ext cx="10972440" cy="1144800"/>
           </a:xfrm>
           <a:prstGeom prst="rect">
             <a:avLst/>
@@ -2751,11 +2603,9 @@
             <a:noAutofit/>
           </a:bodyPr>
           <a:p>
-            <a:endParaRPr b="0" lang="en-US" sz="1800" spc="-1" strike="noStrike">
-              <a:solidFill>
-                <a:srgbClr val="000000"/>
-              </a:solidFill>
-              <a:latin typeface="Gill Sans MT"/>
+            <a:pPr algn="ctr"/>
+            <a:endParaRPr b="0" lang="en-US" sz="4400" spc="-1" strike="noStrike">
+              <a:latin typeface="Arial"/>
             </a:endParaRPr>
           </a:p>
         </p:txBody>
@@ -2784,7 +2634,7 @@
       </p:grpSpPr>
       <p:sp>
         <p:nvSpPr>
-          <p:cNvPr id="17" name="PlaceHolder 1"/>
+          <p:cNvPr id="14" name="PlaceHolder 1"/>
           <p:cNvSpPr>
             <a:spLocks noGrp="1"/>
           </p:cNvSpPr>
@@ -2794,8 +2644,8 @@
         </p:nvSpPr>
         <p:spPr>
           <a:xfrm>
-            <a:off x="581040" y="702000"/>
-            <a:ext cx="11029320" cy="4698720"/>
+            <a:off x="609480" y="273600"/>
+            <a:ext cx="10972440" cy="5307840"/>
           </a:xfrm>
           <a:prstGeom prst="rect">
             <a:avLst/>
@@ -2837,7 +2687,7 @@
       </p:grpSpPr>
       <p:sp>
         <p:nvSpPr>
-          <p:cNvPr id="18" name="PlaceHolder 1"/>
+          <p:cNvPr id="15" name="PlaceHolder 1"/>
           <p:cNvSpPr>
             <a:spLocks noGrp="1"/>
           </p:cNvSpPr>
@@ -2847,8 +2697,8 @@
         </p:nvSpPr>
         <p:spPr>
           <a:xfrm>
-            <a:off x="581040" y="702000"/>
-            <a:ext cx="11029320" cy="1013400"/>
+            <a:off x="609480" y="273600"/>
+            <a:ext cx="10972440" cy="1144800"/>
           </a:xfrm>
           <a:prstGeom prst="rect">
             <a:avLst/>
@@ -2859,18 +2709,16 @@
             <a:noAutofit/>
           </a:bodyPr>
           <a:p>
-            <a:endParaRPr b="0" lang="en-US" sz="1800" spc="-1" strike="noStrike">
-              <a:solidFill>
-                <a:srgbClr val="000000"/>
-              </a:solidFill>
-              <a:latin typeface="Gill Sans MT"/>
-            </a:endParaRPr>
-          </a:p>
-        </p:txBody>
-      </p:sp>
-      <p:sp>
-        <p:nvSpPr>
-          <p:cNvPr id="19" name="PlaceHolder 2"/>
+            <a:pPr algn="ctr"/>
+            <a:endParaRPr b="0" lang="en-US" sz="4400" spc="-1" strike="noStrike">
+              <a:latin typeface="Arial"/>
+            </a:endParaRPr>
+          </a:p>
+        </p:txBody>
+      </p:sp>
+      <p:sp>
+        <p:nvSpPr>
+          <p:cNvPr id="16" name="PlaceHolder 2"/>
           <p:cNvSpPr>
             <a:spLocks noGrp="1"/>
           </p:cNvSpPr>
@@ -2880,8 +2728,8 @@
         </p:nvSpPr>
         <p:spPr>
           <a:xfrm>
-            <a:off x="581040" y="2180520"/>
-            <a:ext cx="5382000" cy="1754280"/>
+            <a:off x="609480" y="1604520"/>
+            <a:ext cx="5354280" cy="1896840"/>
           </a:xfrm>
           <a:prstGeom prst="rect">
             <a:avLst/>
@@ -2892,18 +2740,15 @@
             <a:normAutofit/>
           </a:bodyPr>
           <a:p>
-            <a:endParaRPr b="0" lang="en-US" sz="1800" spc="-1" strike="noStrike">
-              <a:solidFill>
-                <a:srgbClr val="3d3d3d"/>
-              </a:solidFill>
-              <a:latin typeface="Gill Sans MT"/>
-            </a:endParaRPr>
-          </a:p>
-        </p:txBody>
-      </p:sp>
-      <p:sp>
-        <p:nvSpPr>
-          <p:cNvPr id="20" name="PlaceHolder 3"/>
+            <a:endParaRPr b="0" lang="en-US" sz="3200" spc="-1" strike="noStrike">
+              <a:latin typeface="Arial"/>
+            </a:endParaRPr>
+          </a:p>
+        </p:txBody>
+      </p:sp>
+      <p:sp>
+        <p:nvSpPr>
+          <p:cNvPr id="17" name="PlaceHolder 3"/>
           <p:cNvSpPr>
             <a:spLocks noGrp="1"/>
           </p:cNvSpPr>
@@ -2913,8 +2758,8 @@
         </p:nvSpPr>
         <p:spPr>
           <a:xfrm>
-            <a:off x="6232680" y="2180520"/>
-            <a:ext cx="5382000" cy="3678120"/>
+            <a:off x="6231960" y="1604520"/>
+            <a:ext cx="5354280" cy="3977280"/>
           </a:xfrm>
           <a:prstGeom prst="rect">
             <a:avLst/>
@@ -2925,18 +2770,15 @@
             <a:normAutofit/>
           </a:bodyPr>
           <a:p>
-            <a:endParaRPr b="0" lang="en-US" sz="1800" spc="-1" strike="noStrike">
-              <a:solidFill>
-                <a:srgbClr val="3d3d3d"/>
-              </a:solidFill>
-              <a:latin typeface="Gill Sans MT"/>
-            </a:endParaRPr>
-          </a:p>
-        </p:txBody>
-      </p:sp>
-      <p:sp>
-        <p:nvSpPr>
-          <p:cNvPr id="21" name="PlaceHolder 4"/>
+            <a:endParaRPr b="0" lang="en-US" sz="3200" spc="-1" strike="noStrike">
+              <a:latin typeface="Arial"/>
+            </a:endParaRPr>
+          </a:p>
+        </p:txBody>
+      </p:sp>
+      <p:sp>
+        <p:nvSpPr>
+          <p:cNvPr id="18" name="PlaceHolder 4"/>
           <p:cNvSpPr>
             <a:spLocks noGrp="1"/>
           </p:cNvSpPr>
@@ -2946,8 +2788,8 @@
         </p:nvSpPr>
         <p:spPr>
           <a:xfrm>
-            <a:off x="581040" y="4101840"/>
-            <a:ext cx="5382000" cy="1754280"/>
+            <a:off x="609480" y="3682080"/>
+            <a:ext cx="5354280" cy="1896840"/>
           </a:xfrm>
           <a:prstGeom prst="rect">
             <a:avLst/>
@@ -2958,11 +2800,8 @@
             <a:normAutofit/>
           </a:bodyPr>
           <a:p>
-            <a:endParaRPr b="0" lang="en-US" sz="1800" spc="-1" strike="noStrike">
-              <a:solidFill>
-                <a:srgbClr val="3d3d3d"/>
-              </a:solidFill>
-              <a:latin typeface="Gill Sans MT"/>
+            <a:endParaRPr b="0" lang="en-US" sz="3200" spc="-1" strike="noStrike">
+              <a:latin typeface="Arial"/>
             </a:endParaRPr>
           </a:p>
         </p:txBody>
@@ -2991,7 +2830,7 @@
       </p:grpSpPr>
       <p:sp>
         <p:nvSpPr>
-          <p:cNvPr id="22" name="PlaceHolder 1"/>
+          <p:cNvPr id="19" name="PlaceHolder 1"/>
           <p:cNvSpPr>
             <a:spLocks noGrp="1"/>
           </p:cNvSpPr>
@@ -3001,8 +2840,8 @@
         </p:nvSpPr>
         <p:spPr>
           <a:xfrm>
-            <a:off x="581040" y="702000"/>
-            <a:ext cx="11029320" cy="1013400"/>
+            <a:off x="609480" y="273600"/>
+            <a:ext cx="10972440" cy="1144800"/>
           </a:xfrm>
           <a:prstGeom prst="rect">
             <a:avLst/>
@@ -3013,18 +2852,16 @@
             <a:noAutofit/>
           </a:bodyPr>
           <a:p>
-            <a:endParaRPr b="0" lang="en-US" sz="1800" spc="-1" strike="noStrike">
-              <a:solidFill>
-                <a:srgbClr val="000000"/>
-              </a:solidFill>
-              <a:latin typeface="Gill Sans MT"/>
-            </a:endParaRPr>
-          </a:p>
-        </p:txBody>
-      </p:sp>
-      <p:sp>
-        <p:nvSpPr>
-          <p:cNvPr id="23" name="PlaceHolder 2"/>
+            <a:pPr algn="ctr"/>
+            <a:endParaRPr b="0" lang="en-US" sz="4400" spc="-1" strike="noStrike">
+              <a:latin typeface="Arial"/>
+            </a:endParaRPr>
+          </a:p>
+        </p:txBody>
+      </p:sp>
+      <p:sp>
+        <p:nvSpPr>
+          <p:cNvPr id="20" name="PlaceHolder 2"/>
           <p:cNvSpPr>
             <a:spLocks noGrp="1"/>
           </p:cNvSpPr>
@@ -3034,8 +2871,8 @@
         </p:nvSpPr>
         <p:spPr>
           <a:xfrm>
-            <a:off x="581040" y="2180520"/>
-            <a:ext cx="5382000" cy="3678120"/>
+            <a:off x="609480" y="1604520"/>
+            <a:ext cx="5354280" cy="3977280"/>
           </a:xfrm>
           <a:prstGeom prst="rect">
             <a:avLst/>
@@ -3046,18 +2883,15 @@
             <a:normAutofit/>
           </a:bodyPr>
           <a:p>
-            <a:endParaRPr b="0" lang="en-US" sz="1800" spc="-1" strike="noStrike">
-              <a:solidFill>
-                <a:srgbClr val="3d3d3d"/>
-              </a:solidFill>
-              <a:latin typeface="Gill Sans MT"/>
-            </a:endParaRPr>
-          </a:p>
-        </p:txBody>
-      </p:sp>
-      <p:sp>
-        <p:nvSpPr>
-          <p:cNvPr id="24" name="PlaceHolder 3"/>
+            <a:endParaRPr b="0" lang="en-US" sz="3200" spc="-1" strike="noStrike">
+              <a:latin typeface="Arial"/>
+            </a:endParaRPr>
+          </a:p>
+        </p:txBody>
+      </p:sp>
+      <p:sp>
+        <p:nvSpPr>
+          <p:cNvPr id="21" name="PlaceHolder 3"/>
           <p:cNvSpPr>
             <a:spLocks noGrp="1"/>
           </p:cNvSpPr>
@@ -3067,8 +2901,8 @@
         </p:nvSpPr>
         <p:spPr>
           <a:xfrm>
-            <a:off x="6232680" y="2180520"/>
-            <a:ext cx="5382000" cy="1754280"/>
+            <a:off x="6231960" y="1604520"/>
+            <a:ext cx="5354280" cy="1896840"/>
           </a:xfrm>
           <a:prstGeom prst="rect">
             <a:avLst/>
@@ -3079,18 +2913,15 @@
             <a:normAutofit/>
           </a:bodyPr>
           <a:p>
-            <a:endParaRPr b="0" lang="en-US" sz="1800" spc="-1" strike="noStrike">
-              <a:solidFill>
-                <a:srgbClr val="3d3d3d"/>
-              </a:solidFill>
-              <a:latin typeface="Gill Sans MT"/>
-            </a:endParaRPr>
-          </a:p>
-        </p:txBody>
-      </p:sp>
-      <p:sp>
-        <p:nvSpPr>
-          <p:cNvPr id="25" name="PlaceHolder 4"/>
+            <a:endParaRPr b="0" lang="en-US" sz="3200" spc="-1" strike="noStrike">
+              <a:latin typeface="Arial"/>
+            </a:endParaRPr>
+          </a:p>
+        </p:txBody>
+      </p:sp>
+      <p:sp>
+        <p:nvSpPr>
+          <p:cNvPr id="22" name="PlaceHolder 4"/>
           <p:cNvSpPr>
             <a:spLocks noGrp="1"/>
           </p:cNvSpPr>
@@ -3100,8 +2931,8 @@
         </p:nvSpPr>
         <p:spPr>
           <a:xfrm>
-            <a:off x="6232680" y="4101840"/>
-            <a:ext cx="5382000" cy="1754280"/>
+            <a:off x="6231960" y="3682080"/>
+            <a:ext cx="5354280" cy="1896840"/>
           </a:xfrm>
           <a:prstGeom prst="rect">
             <a:avLst/>
@@ -3112,11 +2943,8 @@
             <a:normAutofit/>
           </a:bodyPr>
           <a:p>
-            <a:endParaRPr b="0" lang="en-US" sz="1800" spc="-1" strike="noStrike">
-              <a:solidFill>
-                <a:srgbClr val="3d3d3d"/>
-              </a:solidFill>
-              <a:latin typeface="Gill Sans MT"/>
+            <a:endParaRPr b="0" lang="en-US" sz="3200" spc="-1" strike="noStrike">
+              <a:latin typeface="Arial"/>
             </a:endParaRPr>
           </a:p>
         </p:txBody>
@@ -3145,7 +2973,7 @@
       </p:grpSpPr>
       <p:sp>
         <p:nvSpPr>
-          <p:cNvPr id="26" name="PlaceHolder 1"/>
+          <p:cNvPr id="23" name="PlaceHolder 1"/>
           <p:cNvSpPr>
             <a:spLocks noGrp="1"/>
           </p:cNvSpPr>
@@ -3155,8 +2983,8 @@
         </p:nvSpPr>
         <p:spPr>
           <a:xfrm>
-            <a:off x="581040" y="702000"/>
-            <a:ext cx="11029320" cy="1013400"/>
+            <a:off x="609480" y="273600"/>
+            <a:ext cx="10972440" cy="1144800"/>
           </a:xfrm>
           <a:prstGeom prst="rect">
             <a:avLst/>
@@ -3167,18 +2995,16 @@
             <a:noAutofit/>
           </a:bodyPr>
           <a:p>
-            <a:endParaRPr b="0" lang="en-US" sz="1800" spc="-1" strike="noStrike">
-              <a:solidFill>
-                <a:srgbClr val="000000"/>
-              </a:solidFill>
-              <a:latin typeface="Gill Sans MT"/>
-            </a:endParaRPr>
-          </a:p>
-        </p:txBody>
-      </p:sp>
-      <p:sp>
-        <p:nvSpPr>
-          <p:cNvPr id="27" name="PlaceHolder 2"/>
+            <a:pPr algn="ctr"/>
+            <a:endParaRPr b="0" lang="en-US" sz="4400" spc="-1" strike="noStrike">
+              <a:latin typeface="Arial"/>
+            </a:endParaRPr>
+          </a:p>
+        </p:txBody>
+      </p:sp>
+      <p:sp>
+        <p:nvSpPr>
+          <p:cNvPr id="24" name="PlaceHolder 2"/>
           <p:cNvSpPr>
             <a:spLocks noGrp="1"/>
           </p:cNvSpPr>
@@ -3188,8 +3014,8 @@
         </p:nvSpPr>
         <p:spPr>
           <a:xfrm>
-            <a:off x="581040" y="2180520"/>
-            <a:ext cx="5382000" cy="1754280"/>
+            <a:off x="609480" y="1604520"/>
+            <a:ext cx="5354280" cy="1896840"/>
           </a:xfrm>
           <a:prstGeom prst="rect">
             <a:avLst/>
@@ -3200,18 +3026,15 @@
             <a:normAutofit/>
           </a:bodyPr>
           <a:p>
-            <a:endParaRPr b="0" lang="en-US" sz="1800" spc="-1" strike="noStrike">
-              <a:solidFill>
-                <a:srgbClr val="3d3d3d"/>
-              </a:solidFill>
-              <a:latin typeface="Gill Sans MT"/>
-            </a:endParaRPr>
-          </a:p>
-        </p:txBody>
-      </p:sp>
-      <p:sp>
-        <p:nvSpPr>
-          <p:cNvPr id="28" name="PlaceHolder 3"/>
+            <a:endParaRPr b="0" lang="en-US" sz="3200" spc="-1" strike="noStrike">
+              <a:latin typeface="Arial"/>
+            </a:endParaRPr>
+          </a:p>
+        </p:txBody>
+      </p:sp>
+      <p:sp>
+        <p:nvSpPr>
+          <p:cNvPr id="25" name="PlaceHolder 3"/>
           <p:cNvSpPr>
             <a:spLocks noGrp="1"/>
           </p:cNvSpPr>
@@ -3221,8 +3044,8 @@
         </p:nvSpPr>
         <p:spPr>
           <a:xfrm>
-            <a:off x="6232680" y="2180520"/>
-            <a:ext cx="5382000" cy="1754280"/>
+            <a:off x="6231960" y="1604520"/>
+            <a:ext cx="5354280" cy="1896840"/>
           </a:xfrm>
           <a:prstGeom prst="rect">
             <a:avLst/>
@@ -3233,18 +3056,15 @@
             <a:normAutofit/>
           </a:bodyPr>
           <a:p>
-            <a:endParaRPr b="0" lang="en-US" sz="1800" spc="-1" strike="noStrike">
-              <a:solidFill>
-                <a:srgbClr val="3d3d3d"/>
-              </a:solidFill>
-              <a:latin typeface="Gill Sans MT"/>
-            </a:endParaRPr>
-          </a:p>
-        </p:txBody>
-      </p:sp>
-      <p:sp>
-        <p:nvSpPr>
-          <p:cNvPr id="29" name="PlaceHolder 4"/>
+            <a:endParaRPr b="0" lang="en-US" sz="3200" spc="-1" strike="noStrike">
+              <a:latin typeface="Arial"/>
+            </a:endParaRPr>
+          </a:p>
+        </p:txBody>
+      </p:sp>
+      <p:sp>
+        <p:nvSpPr>
+          <p:cNvPr id="26" name="PlaceHolder 4"/>
           <p:cNvSpPr>
             <a:spLocks noGrp="1"/>
           </p:cNvSpPr>
@@ -3254,8 +3074,8 @@
         </p:nvSpPr>
         <p:spPr>
           <a:xfrm>
-            <a:off x="581040" y="4101840"/>
-            <a:ext cx="11029320" cy="1754280"/>
+            <a:off x="609480" y="3682080"/>
+            <a:ext cx="10972440" cy="1896840"/>
           </a:xfrm>
           <a:prstGeom prst="rect">
             <a:avLst/>
@@ -3266,11 +3086,8 @@
             <a:normAutofit/>
           </a:bodyPr>
           <a:p>
-            <a:endParaRPr b="0" lang="en-US" sz="1800" spc="-1" strike="noStrike">
-              <a:solidFill>
-                <a:srgbClr val="3d3d3d"/>
-              </a:solidFill>
-              <a:latin typeface="Gill Sans MT"/>
+            <a:endParaRPr b="0" lang="en-US" sz="3200" spc="-1" strike="noStrike">
+              <a:latin typeface="Arial"/>
             </a:endParaRPr>
           </a:p>
         </p:txBody>
@@ -3321,7 +3138,7 @@
         <p:spPr>
           <a:xfrm>
             <a:off x="446400" y="457200"/>
-            <a:ext cx="3702960" cy="94680"/>
+            <a:ext cx="3702600" cy="94320"/>
           </a:xfrm>
           <a:prstGeom prst="rect">
             <a:avLst/>
@@ -3362,7 +3179,7 @@
         <p:spPr>
           <a:xfrm>
             <a:off x="8042040" y="453600"/>
-            <a:ext cx="3702960" cy="98280"/>
+            <a:ext cx="3702600" cy="97920"/>
           </a:xfrm>
           <a:prstGeom prst="rect">
             <a:avLst/>
@@ -3403,7 +3220,7 @@
         <p:spPr>
           <a:xfrm>
             <a:off x="4241880" y="457200"/>
-            <a:ext cx="3702960" cy="91080"/>
+            <a:ext cx="3702600" cy="90720"/>
           </a:xfrm>
           <a:prstGeom prst="rect">
             <a:avLst/>
@@ -3444,7 +3261,7 @@
         <p:spPr>
           <a:xfrm>
             <a:off x="446400" y="3085920"/>
-            <a:ext cx="11262600" cy="3304440"/>
+            <a:ext cx="11262240" cy="3304080"/>
           </a:xfrm>
           <a:prstGeom prst="rect">
             <a:avLst/>
@@ -3488,37 +3305,32 @@
         </p:nvSpPr>
         <p:spPr>
           <a:xfrm>
-            <a:off x="581040" y="1020600"/>
-            <a:ext cx="10993320" cy="1474560"/>
-          </a:xfrm>
-          <a:prstGeom prst="rect">
-            <a:avLst/>
-          </a:prstGeom>
-        </p:spPr>
-        <p:txBody>
-          <a:bodyPr anchor="b">
-            <a:normAutofit/>
-          </a:bodyPr>
-          <a:p>
-            <a:pPr>
-              <a:lnSpc>
-                <a:spcPct val="100000"/>
-              </a:lnSpc>
-            </a:pPr>
+            <a:off x="581040" y="702000"/>
+            <a:ext cx="11028960" cy="1013040"/>
+          </a:xfrm>
+          <a:prstGeom prst="rect">
+            <a:avLst/>
+          </a:prstGeom>
+        </p:spPr>
+        <p:txBody>
+          <a:bodyPr lIns="0" rIns="0" tIns="0" bIns="0" anchor="ctr">
+            <a:noAutofit/>
+          </a:bodyPr>
+          <a:p>
             <a:r>
-              <a:rPr b="0" lang="en-US" sz="3600" spc="-1" strike="noStrike" cap="all">
-                <a:solidFill>
-                  <a:srgbClr val="1a3260"/>
-                </a:solidFill>
-                <a:latin typeface="Gill Sans MT"/>
+              <a:rPr b="0" lang="en-US" sz="1800" spc="-1" strike="noStrike">
+                <a:latin typeface="Arial"/>
               </a:rPr>
-              <a:t>Click to edit Master title style</a:t>
+              <a:t>Click to edit the title text </a:t>
             </a:r>
-            <a:endParaRPr b="0" lang="en-US" sz="3600" spc="-1" strike="noStrike">
-              <a:solidFill>
-                <a:srgbClr val="000000"/>
-              </a:solidFill>
-              <a:latin typeface="Gill Sans MT"/>
+            <a:r>
+              <a:rPr b="0" lang="en-US" sz="1800" spc="-1" strike="noStrike">
+                <a:latin typeface="Arial"/>
+              </a:rPr>
+              <a:t>format</a:t>
+            </a:r>
+            <a:endParaRPr b="0" lang="en-US" sz="1800" spc="-1" strike="noStrike">
+              <a:latin typeface="Arial"/>
             </a:endParaRPr>
           </a:p>
         </p:txBody>
@@ -3526,124 +3338,6 @@
       <p:sp>
         <p:nvSpPr>
           <p:cNvPr id="5" name="PlaceHolder 6"/>
-          <p:cNvSpPr>
-            <a:spLocks noGrp="1"/>
-          </p:cNvSpPr>
-          <p:nvPr>
-            <p:ph type="dt"/>
-          </p:nvPr>
-        </p:nvSpPr>
-        <p:spPr>
-          <a:xfrm>
-            <a:off x="7606080" y="5956200"/>
-            <a:ext cx="2844360" cy="364680"/>
-          </a:xfrm>
-          <a:prstGeom prst="rect">
-            <a:avLst/>
-          </a:prstGeom>
-        </p:spPr>
-        <p:txBody>
-          <a:bodyPr anchor="ctr">
-            <a:noAutofit/>
-          </a:bodyPr>
-          <a:p>
-            <a:pPr algn="r">
-              <a:lnSpc>
-                <a:spcPct val="100000"/>
-              </a:lnSpc>
-            </a:pPr>
-            <a:fld id="{DA4181E2-5506-4C15-8DE5-61F735FDC8A6}" type="datetime">
-              <a:rPr b="0" lang="en-US" sz="900" spc="-1" strike="noStrike">
-                <a:solidFill>
-                  <a:srgbClr val="2f5aac"/>
-                </a:solidFill>
-                <a:latin typeface="Gill Sans MT"/>
-              </a:rPr>
-              <a:t>5/27/21</a:t>
-            </a:fld>
-            <a:endParaRPr b="0" lang="en-US" sz="900" spc="-1" strike="noStrike">
-              <a:latin typeface="Times New Roman"/>
-            </a:endParaRPr>
-          </a:p>
-        </p:txBody>
-      </p:sp>
-      <p:sp>
-        <p:nvSpPr>
-          <p:cNvPr id="6" name="PlaceHolder 7"/>
-          <p:cNvSpPr>
-            <a:spLocks noGrp="1"/>
-          </p:cNvSpPr>
-          <p:nvPr>
-            <p:ph type="ftr"/>
-          </p:nvPr>
-        </p:nvSpPr>
-        <p:spPr>
-          <a:xfrm>
-            <a:off x="581040" y="5951880"/>
-            <a:ext cx="6916680" cy="364680"/>
-          </a:xfrm>
-          <a:prstGeom prst="rect">
-            <a:avLst/>
-          </a:prstGeom>
-        </p:spPr>
-        <p:txBody>
-          <a:bodyPr anchor="ctr">
-            <a:noAutofit/>
-          </a:bodyPr>
-          <a:p>
-            <a:endParaRPr b="0" lang="en-US" sz="2400" spc="-1" strike="noStrike">
-              <a:latin typeface="Times New Roman"/>
-            </a:endParaRPr>
-          </a:p>
-        </p:txBody>
-      </p:sp>
-      <p:sp>
-        <p:nvSpPr>
-          <p:cNvPr id="7" name="PlaceHolder 8"/>
-          <p:cNvSpPr>
-            <a:spLocks noGrp="1"/>
-          </p:cNvSpPr>
-          <p:nvPr>
-            <p:ph type="sldNum"/>
-          </p:nvPr>
-        </p:nvSpPr>
-        <p:spPr>
-          <a:xfrm>
-            <a:off x="10558440" y="5956200"/>
-            <a:ext cx="1015920" cy="364680"/>
-          </a:xfrm>
-          <a:prstGeom prst="rect">
-            <a:avLst/>
-          </a:prstGeom>
-        </p:spPr>
-        <p:txBody>
-          <a:bodyPr anchor="ctr">
-            <a:noAutofit/>
-          </a:bodyPr>
-          <a:p>
-            <a:pPr algn="r">
-              <a:lnSpc>
-                <a:spcPct val="100000"/>
-              </a:lnSpc>
-            </a:pPr>
-            <a:fld id="{DE17C6D6-DA63-4309-B24F-A64D675AF0F5}" type="slidenum">
-              <a:rPr b="0" lang="en-US" sz="900" spc="-1" strike="noStrike">
-                <a:solidFill>
-                  <a:srgbClr val="2f5aac"/>
-                </a:solidFill>
-                <a:latin typeface="Gill Sans MT"/>
-              </a:rPr>
-              <a:t>&lt;number&gt;</a:t>
-            </a:fld>
-            <a:endParaRPr b="0" lang="en-US" sz="900" spc="-1" strike="noStrike">
-              <a:latin typeface="Times New Roman"/>
-            </a:endParaRPr>
-          </a:p>
-        </p:txBody>
-      </p:sp>
-      <p:sp>
-        <p:nvSpPr>
-          <p:cNvPr id="8" name="PlaceHolder 9"/>
           <p:cNvSpPr>
             <a:spLocks noGrp="1"/>
           </p:cNvSpPr>
@@ -3677,19 +3371,13 @@
               <a:buChar char=""/>
             </a:pPr>
             <a:r>
-              <a:rPr b="0" lang="en-US" sz="1800" spc="-1" strike="noStrike">
-                <a:solidFill>
-                  <a:srgbClr val="3d3d3d"/>
-                </a:solidFill>
-                <a:latin typeface="Gill Sans MT"/>
+              <a:rPr b="0" lang="en-US" sz="3200" spc="-1" strike="noStrike">
+                <a:latin typeface="Arial"/>
               </a:rPr>
               <a:t>Click to edit the outline text format</a:t>
             </a:r>
-            <a:endParaRPr b="0" lang="en-US" sz="1800" spc="-1" strike="noStrike">
-              <a:solidFill>
-                <a:srgbClr val="3d3d3d"/>
-              </a:solidFill>
-              <a:latin typeface="Gill Sans MT"/>
+            <a:endParaRPr b="0" lang="en-US" sz="3200" spc="-1" strike="noStrike">
+              <a:latin typeface="Arial"/>
             </a:endParaRPr>
           </a:p>
           <a:p>
@@ -3705,19 +3393,13 @@
               <a:buChar char=""/>
             </a:pPr>
             <a:r>
-              <a:rPr b="0" lang="en-US" sz="1400" spc="-1" strike="noStrike">
-                <a:solidFill>
-                  <a:srgbClr val="3d3d3d"/>
-                </a:solidFill>
-                <a:latin typeface="Gill Sans MT"/>
+              <a:rPr b="0" lang="en-US" sz="2800" spc="-1" strike="noStrike">
+                <a:latin typeface="Arial"/>
               </a:rPr>
               <a:t>Second Outline Level</a:t>
             </a:r>
-            <a:endParaRPr b="0" lang="en-US" sz="1400" spc="-1" strike="noStrike">
-              <a:solidFill>
-                <a:srgbClr val="3d3d3d"/>
-              </a:solidFill>
-              <a:latin typeface="Gill Sans MT"/>
+            <a:endParaRPr b="0" lang="en-US" sz="2800" spc="-1" strike="noStrike">
+              <a:latin typeface="Arial"/>
             </a:endParaRPr>
           </a:p>
           <a:p>
@@ -3733,19 +3415,13 @@
               <a:buChar char=""/>
             </a:pPr>
             <a:r>
-              <a:rPr b="0" lang="en-US" sz="1200" spc="-1" strike="noStrike">
-                <a:solidFill>
-                  <a:srgbClr val="3d3d3d"/>
-                </a:solidFill>
-                <a:latin typeface="Gill Sans MT"/>
+              <a:rPr b="0" lang="en-US" sz="2400" spc="-1" strike="noStrike">
+                <a:latin typeface="Arial"/>
               </a:rPr>
               <a:t>Third Outline Level</a:t>
             </a:r>
-            <a:endParaRPr b="0" lang="en-US" sz="1200" spc="-1" strike="noStrike">
-              <a:solidFill>
-                <a:srgbClr val="3d3d3d"/>
-              </a:solidFill>
-              <a:latin typeface="Gill Sans MT"/>
+            <a:endParaRPr b="0" lang="en-US" sz="2400" spc="-1" strike="noStrike">
+              <a:latin typeface="Arial"/>
             </a:endParaRPr>
           </a:p>
           <a:p>
@@ -3761,19 +3437,13 @@
               <a:buChar char=""/>
             </a:pPr>
             <a:r>
-              <a:rPr b="0" lang="en-US" sz="1200" spc="-1" strike="noStrike">
-                <a:solidFill>
-                  <a:srgbClr val="3d3d3d"/>
-                </a:solidFill>
-                <a:latin typeface="Gill Sans MT"/>
+              <a:rPr b="0" lang="en-US" sz="2000" spc="-1" strike="noStrike">
+                <a:latin typeface="Arial"/>
               </a:rPr>
               <a:t>Fourth Outline Level</a:t>
             </a:r>
-            <a:endParaRPr b="0" lang="en-US" sz="1200" spc="-1" strike="noStrike">
-              <a:solidFill>
-                <a:srgbClr val="3d3d3d"/>
-              </a:solidFill>
-              <a:latin typeface="Gill Sans MT"/>
+            <a:endParaRPr b="0" lang="en-US" sz="2000" spc="-1" strike="noStrike">
+              <a:latin typeface="Arial"/>
             </a:endParaRPr>
           </a:p>
           <a:p>
@@ -3790,18 +3460,12 @@
             </a:pPr>
             <a:r>
               <a:rPr b="0" lang="en-US" sz="2000" spc="-1" strike="noStrike">
-                <a:solidFill>
-                  <a:srgbClr val="3d3d3d"/>
-                </a:solidFill>
-                <a:latin typeface="Gill Sans MT"/>
+                <a:latin typeface="Arial"/>
               </a:rPr>
               <a:t>Fifth Outline Level</a:t>
             </a:r>
             <a:endParaRPr b="0" lang="en-US" sz="2000" spc="-1" strike="noStrike">
-              <a:solidFill>
-                <a:srgbClr val="3d3d3d"/>
-              </a:solidFill>
-              <a:latin typeface="Gill Sans MT"/>
+              <a:latin typeface="Arial"/>
             </a:endParaRPr>
           </a:p>
           <a:p>
@@ -3818,18 +3482,12 @@
             </a:pPr>
             <a:r>
               <a:rPr b="0" lang="en-US" sz="2000" spc="-1" strike="noStrike">
-                <a:solidFill>
-                  <a:srgbClr val="3d3d3d"/>
-                </a:solidFill>
-                <a:latin typeface="Gill Sans MT"/>
+                <a:latin typeface="Arial"/>
               </a:rPr>
               <a:t>Sixth Outline Level</a:t>
             </a:r>
             <a:endParaRPr b="0" lang="en-US" sz="2000" spc="-1" strike="noStrike">
-              <a:solidFill>
-                <a:srgbClr val="3d3d3d"/>
-              </a:solidFill>
-              <a:latin typeface="Gill Sans MT"/>
+              <a:latin typeface="Arial"/>
             </a:endParaRPr>
           </a:p>
           <a:p>
@@ -3846,18 +3504,12 @@
             </a:pPr>
             <a:r>
               <a:rPr b="0" lang="en-US" sz="2000" spc="-1" strike="noStrike">
-                <a:solidFill>
-                  <a:srgbClr val="3d3d3d"/>
-                </a:solidFill>
-                <a:latin typeface="Gill Sans MT"/>
+                <a:latin typeface="Arial"/>
               </a:rPr>
               <a:t>Seventh Outline Level</a:t>
             </a:r>
             <a:endParaRPr b="0" lang="en-US" sz="2000" spc="-1" strike="noStrike">
-              <a:solidFill>
-                <a:srgbClr val="3d3d3d"/>
-              </a:solidFill>
-              <a:latin typeface="Gill Sans MT"/>
+              <a:latin typeface="Arial"/>
             </a:endParaRPr>
           </a:p>
         </p:txBody>
@@ -3916,14 +3568,14 @@
       </p:grpSpPr>
       <p:sp>
         <p:nvSpPr>
-          <p:cNvPr id="45" name="CustomShape 1"/>
+          <p:cNvPr id="42" name="CustomShape 1"/>
           <p:cNvSpPr/>
           <p:nvPr/>
         </p:nvSpPr>
         <p:spPr>
           <a:xfrm>
             <a:off x="446400" y="457200"/>
-            <a:ext cx="3702960" cy="94680"/>
+            <a:ext cx="3702600" cy="94320"/>
           </a:xfrm>
           <a:prstGeom prst="rect">
             <a:avLst/>
@@ -3957,14 +3609,14 @@
       </p:sp>
       <p:sp>
         <p:nvSpPr>
-          <p:cNvPr id="46" name="CustomShape 2"/>
+          <p:cNvPr id="43" name="CustomShape 2"/>
           <p:cNvSpPr/>
           <p:nvPr/>
         </p:nvSpPr>
         <p:spPr>
           <a:xfrm>
             <a:off x="8042040" y="453600"/>
-            <a:ext cx="3702960" cy="98280"/>
+            <a:ext cx="3702600" cy="97920"/>
           </a:xfrm>
           <a:prstGeom prst="rect">
             <a:avLst/>
@@ -3998,14 +3650,14 @@
       </p:sp>
       <p:sp>
         <p:nvSpPr>
-          <p:cNvPr id="47" name="CustomShape 3"/>
+          <p:cNvPr id="44" name="CustomShape 3"/>
           <p:cNvSpPr/>
           <p:nvPr/>
         </p:nvSpPr>
         <p:spPr>
           <a:xfrm>
             <a:off x="4241880" y="457200"/>
-            <a:ext cx="3702960" cy="91080"/>
+            <a:ext cx="3702600" cy="90720"/>
           </a:xfrm>
           <a:prstGeom prst="rect">
             <a:avLst/>
@@ -4039,14 +3691,14 @@
       </p:sp>
       <p:sp>
         <p:nvSpPr>
-          <p:cNvPr id="48" name="CustomShape 4"/>
+          <p:cNvPr id="45" name="CustomShape 4"/>
           <p:cNvSpPr/>
           <p:nvPr/>
         </p:nvSpPr>
         <p:spPr>
           <a:xfrm>
             <a:off x="440280" y="614520"/>
-            <a:ext cx="11309040" cy="1189080"/>
+            <a:ext cx="11308680" cy="1188720"/>
           </a:xfrm>
           <a:prstGeom prst="rect">
             <a:avLst/>
@@ -4080,7 +3732,7 @@
       </p:sp>
       <p:sp>
         <p:nvSpPr>
-          <p:cNvPr id="49" name="PlaceHolder 5"/>
+          <p:cNvPr id="46" name="PlaceHolder 5"/>
           <p:cNvSpPr>
             <a:spLocks noGrp="1"/>
           </p:cNvSpPr>
@@ -4090,44 +3742,34 @@
         </p:nvSpPr>
         <p:spPr>
           <a:xfrm>
-            <a:off x="581040" y="702000"/>
-            <a:ext cx="11029320" cy="1013400"/>
-          </a:xfrm>
-          <a:prstGeom prst="rect">
-            <a:avLst/>
-          </a:prstGeom>
-        </p:spPr>
-        <p:txBody>
-          <a:bodyPr anchor="b">
+            <a:off x="609480" y="273600"/>
+            <a:ext cx="10972440" cy="1144800"/>
+          </a:xfrm>
+          <a:prstGeom prst="rect">
+            <a:avLst/>
+          </a:prstGeom>
+        </p:spPr>
+        <p:txBody>
+          <a:bodyPr lIns="0" rIns="0" tIns="0" bIns="0" anchor="ctr">
             <a:noAutofit/>
           </a:bodyPr>
           <a:p>
-            <a:pPr>
-              <a:lnSpc>
-                <a:spcPct val="100000"/>
-              </a:lnSpc>
-            </a:pPr>
+            <a:pPr algn="ctr"/>
             <a:r>
-              <a:rPr b="0" lang="en-US" sz="2800" spc="-1" strike="noStrike" cap="all">
-                <a:solidFill>
-                  <a:srgbClr val="ffffff"/>
-                </a:solidFill>
-                <a:latin typeface="Gill Sans MT"/>
+              <a:rPr b="0" lang="en-US" sz="4400" spc="-1" strike="noStrike">
+                <a:latin typeface="Arial"/>
               </a:rPr>
-              <a:t>Click to edit Master title style</a:t>
+              <a:t>Click to edit the title text format</a:t>
             </a:r>
-            <a:endParaRPr b="0" lang="en-US" sz="2800" spc="-1" strike="noStrike">
-              <a:solidFill>
-                <a:srgbClr val="000000"/>
-              </a:solidFill>
-              <a:latin typeface="Gill Sans MT"/>
-            </a:endParaRPr>
-          </a:p>
-        </p:txBody>
-      </p:sp>
-      <p:sp>
-        <p:nvSpPr>
-          <p:cNvPr id="50" name="PlaceHolder 6"/>
+            <a:endParaRPr b="0" lang="en-US" sz="4400" spc="-1" strike="noStrike">
+              <a:latin typeface="Arial"/>
+            </a:endParaRPr>
+          </a:p>
+        </p:txBody>
+      </p:sp>
+      <p:sp>
+        <p:nvSpPr>
+          <p:cNvPr id="47" name="PlaceHolder 6"/>
           <p:cNvSpPr>
             <a:spLocks noGrp="1"/>
           </p:cNvSpPr>
@@ -4137,303 +3779,169 @@
         </p:nvSpPr>
         <p:spPr>
           <a:xfrm>
-            <a:off x="581040" y="2180520"/>
-            <a:ext cx="11029320" cy="3678120"/>
-          </a:xfrm>
-          <a:prstGeom prst="rect">
-            <a:avLst/>
-          </a:prstGeom>
-        </p:spPr>
-        <p:txBody>
-          <a:bodyPr anchor="ctr">
-            <a:noAutofit/>
-          </a:bodyPr>
-          <a:p>
-            <a:pPr marL="306000" indent="-305640">
-              <a:lnSpc>
-                <a:spcPct val="100000"/>
-              </a:lnSpc>
+            <a:off x="609480" y="1604520"/>
+            <a:ext cx="10972440" cy="3977280"/>
+          </a:xfrm>
+          <a:prstGeom prst="rect">
+            <a:avLst/>
+          </a:prstGeom>
+        </p:spPr>
+        <p:txBody>
+          <a:bodyPr lIns="0" rIns="0" tIns="0" bIns="0">
+            <a:normAutofit/>
+          </a:bodyPr>
+          <a:p>
+            <a:pPr marL="432000" indent="-324000">
               <a:spcBef>
-                <a:spcPts val="360"/>
+                <a:spcPts val="1417"/>
               </a:spcBef>
-              <a:spcAft>
-                <a:spcPts val="601"/>
-              </a:spcAft>
               <a:buClr>
-                <a:srgbClr val="4590b8"/>
+                <a:srgbClr val="000000"/>
               </a:buClr>
-              <a:buSzPct val="92000"/>
-              <a:buFont typeface="Wingdings 2" charset="2"/>
-              <a:buChar char=""/>
+              <a:buSzPct val="45000"/>
+              <a:buFont typeface="Wingdings" charset="2"/>
+              <a:buChar char=""/>
             </a:pPr>
             <a:r>
-              <a:rPr b="0" lang="en-US" sz="1800" spc="-1" strike="noStrike">
-                <a:solidFill>
-                  <a:srgbClr val="3d3d3d"/>
-                </a:solidFill>
-                <a:latin typeface="Gill Sans MT"/>
+              <a:rPr b="0" lang="en-US" sz="3200" spc="-1" strike="noStrike">
+                <a:latin typeface="Arial"/>
               </a:rPr>
-              <a:t>Click to edit Master text styles</a:t>
+              <a:t>Click to edit the outline text format</a:t>
             </a:r>
-            <a:endParaRPr b="0" lang="en-US" sz="1800" spc="-1" strike="noStrike">
-              <a:solidFill>
-                <a:srgbClr val="3d3d3d"/>
-              </a:solidFill>
-              <a:latin typeface="Gill Sans MT"/>
-            </a:endParaRPr>
-          </a:p>
-          <a:p>
-            <a:pPr lvl="1" marL="630000" indent="-305640">
-              <a:lnSpc>
-                <a:spcPct val="100000"/>
-              </a:lnSpc>
+            <a:endParaRPr b="0" lang="en-US" sz="3200" spc="-1" strike="noStrike">
+              <a:latin typeface="Arial"/>
+            </a:endParaRPr>
+          </a:p>
+          <a:p>
+            <a:pPr lvl="1" marL="864000" indent="-324000">
               <a:spcBef>
-                <a:spcPts val="320"/>
+                <a:spcPts val="1134"/>
               </a:spcBef>
-              <a:spcAft>
-                <a:spcPts val="601"/>
-              </a:spcAft>
               <a:buClr>
-                <a:srgbClr val="4590b8"/>
+                <a:srgbClr val="000000"/>
               </a:buClr>
-              <a:buSzPct val="92000"/>
-              <a:buFont typeface="Wingdings 2" charset="2"/>
-              <a:buChar char=""/>
+              <a:buSzPct val="75000"/>
+              <a:buFont typeface="Symbol" charset="2"/>
+              <a:buChar char=""/>
             </a:pPr>
             <a:r>
-              <a:rPr b="0" lang="en-US" sz="1600" spc="-1" strike="noStrike">
-                <a:solidFill>
-                  <a:srgbClr val="3d3d3d"/>
-                </a:solidFill>
-                <a:latin typeface="Gill Sans MT"/>
+              <a:rPr b="0" lang="en-US" sz="2800" spc="-1" strike="noStrike">
+                <a:latin typeface="Arial"/>
               </a:rPr>
-              <a:t>Second level</a:t>
+              <a:t>Second Outline Level</a:t>
             </a:r>
-            <a:endParaRPr b="0" lang="en-US" sz="1600" spc="-1" strike="noStrike">
-              <a:solidFill>
-                <a:srgbClr val="3d3d3d"/>
-              </a:solidFill>
-              <a:latin typeface="Gill Sans MT"/>
-            </a:endParaRPr>
-          </a:p>
-          <a:p>
-            <a:pPr lvl="2" marL="900000" indent="-269640">
-              <a:lnSpc>
-                <a:spcPct val="100000"/>
-              </a:lnSpc>
+            <a:endParaRPr b="0" lang="en-US" sz="2800" spc="-1" strike="noStrike">
+              <a:latin typeface="Arial"/>
+            </a:endParaRPr>
+          </a:p>
+          <a:p>
+            <a:pPr lvl="2" marL="1296000" indent="-288000">
               <a:spcBef>
-                <a:spcPts val="281"/>
+                <a:spcPts val="850"/>
               </a:spcBef>
-              <a:spcAft>
-                <a:spcPts val="601"/>
-              </a:spcAft>
               <a:buClr>
-                <a:srgbClr val="4590b8"/>
+                <a:srgbClr val="000000"/>
               </a:buClr>
-              <a:buSzPct val="92000"/>
-              <a:buFont typeface="Wingdings 2" charset="2"/>
-              <a:buChar char=""/>
+              <a:buSzPct val="45000"/>
+              <a:buFont typeface="Wingdings" charset="2"/>
+              <a:buChar char=""/>
             </a:pPr>
             <a:r>
-              <a:rPr b="0" lang="en-US" sz="1400" spc="-1" strike="noStrike">
-                <a:solidFill>
-                  <a:srgbClr val="3d3d3d"/>
-                </a:solidFill>
-                <a:latin typeface="Gill Sans MT"/>
+              <a:rPr b="0" lang="en-US" sz="2400" spc="-1" strike="noStrike">
+                <a:latin typeface="Arial"/>
               </a:rPr>
-              <a:t>Third level</a:t>
+              <a:t>Third Outline Level</a:t>
             </a:r>
-            <a:endParaRPr b="0" lang="en-US" sz="1400" spc="-1" strike="noStrike">
-              <a:solidFill>
-                <a:srgbClr val="3d3d3d"/>
-              </a:solidFill>
-              <a:latin typeface="Gill Sans MT"/>
-            </a:endParaRPr>
-          </a:p>
-          <a:p>
-            <a:pPr lvl="3" marL="1242000" indent="-233640">
-              <a:lnSpc>
-                <a:spcPct val="100000"/>
-              </a:lnSpc>
+            <a:endParaRPr b="0" lang="en-US" sz="2400" spc="-1" strike="noStrike">
+              <a:latin typeface="Arial"/>
+            </a:endParaRPr>
+          </a:p>
+          <a:p>
+            <a:pPr lvl="3" marL="1728000" indent="-216000">
               <a:spcBef>
-                <a:spcPts val="241"/>
+                <a:spcPts val="567"/>
               </a:spcBef>
-              <a:spcAft>
-                <a:spcPts val="601"/>
-              </a:spcAft>
               <a:buClr>
-                <a:srgbClr val="4590b8"/>
+                <a:srgbClr val="000000"/>
               </a:buClr>
-              <a:buSzPct val="92000"/>
-              <a:buFont typeface="Wingdings 2" charset="2"/>
-              <a:buChar char=""/>
+              <a:buSzPct val="75000"/>
+              <a:buFont typeface="Symbol" charset="2"/>
+              <a:buChar char=""/>
             </a:pPr>
             <a:r>
-              <a:rPr b="0" lang="en-US" sz="1200" spc="-1" strike="noStrike">
-                <a:solidFill>
-                  <a:srgbClr val="3d3d3d"/>
-                </a:solidFill>
-                <a:latin typeface="Gill Sans MT"/>
+              <a:rPr b="0" lang="en-US" sz="2000" spc="-1" strike="noStrike">
+                <a:latin typeface="Arial"/>
               </a:rPr>
-              <a:t>Fourth level</a:t>
+              <a:t>Fourth Outline Level</a:t>
             </a:r>
-            <a:endParaRPr b="0" lang="en-US" sz="1200" spc="-1" strike="noStrike">
-              <a:solidFill>
-                <a:srgbClr val="3d3d3d"/>
-              </a:solidFill>
-              <a:latin typeface="Gill Sans MT"/>
-            </a:endParaRPr>
-          </a:p>
-          <a:p>
-            <a:pPr lvl="4" marL="1602000" indent="-233640">
-              <a:lnSpc>
-                <a:spcPct val="100000"/>
-              </a:lnSpc>
+            <a:endParaRPr b="0" lang="en-US" sz="2000" spc="-1" strike="noStrike">
+              <a:latin typeface="Arial"/>
+            </a:endParaRPr>
+          </a:p>
+          <a:p>
+            <a:pPr lvl="4" marL="2160000" indent="-216000">
               <a:spcBef>
-                <a:spcPts val="241"/>
+                <a:spcPts val="283"/>
               </a:spcBef>
-              <a:spcAft>
-                <a:spcPts val="601"/>
-              </a:spcAft>
               <a:buClr>
-                <a:srgbClr val="4590b8"/>
+                <a:srgbClr val="000000"/>
               </a:buClr>
-              <a:buSzPct val="92000"/>
-              <a:buFont typeface="Wingdings 2" charset="2"/>
-              <a:buChar char=""/>
+              <a:buSzPct val="45000"/>
+              <a:buFont typeface="Wingdings" charset="2"/>
+              <a:buChar char=""/>
             </a:pPr>
             <a:r>
-              <a:rPr b="0" lang="en-US" sz="1200" spc="-1" strike="noStrike">
-                <a:solidFill>
-                  <a:srgbClr val="3d3d3d"/>
-                </a:solidFill>
-                <a:latin typeface="Gill Sans MT"/>
+              <a:rPr b="0" lang="en-US" sz="2000" spc="-1" strike="noStrike">
+                <a:latin typeface="Arial"/>
               </a:rPr>
-              <a:t>Fifth level</a:t>
+              <a:t>Fifth Outline Level</a:t>
             </a:r>
-            <a:endParaRPr b="0" lang="en-US" sz="1200" spc="-1" strike="noStrike">
-              <a:solidFill>
-                <a:srgbClr val="3d3d3d"/>
-              </a:solidFill>
-              <a:latin typeface="Gill Sans MT"/>
-            </a:endParaRPr>
-          </a:p>
-        </p:txBody>
-      </p:sp>
-      <p:sp>
-        <p:nvSpPr>
-          <p:cNvPr id="51" name="PlaceHolder 7"/>
-          <p:cNvSpPr>
-            <a:spLocks noGrp="1"/>
-          </p:cNvSpPr>
-          <p:nvPr>
-            <p:ph type="dt"/>
-          </p:nvPr>
-        </p:nvSpPr>
-        <p:spPr>
-          <a:xfrm>
-            <a:off x="7606080" y="5956200"/>
-            <a:ext cx="2844360" cy="364680"/>
-          </a:xfrm>
-          <a:prstGeom prst="rect">
-            <a:avLst/>
-          </a:prstGeom>
-        </p:spPr>
-        <p:txBody>
-          <a:bodyPr anchor="ctr">
-            <a:noAutofit/>
-          </a:bodyPr>
-          <a:p>
-            <a:pPr algn="r">
-              <a:lnSpc>
-                <a:spcPct val="100000"/>
-              </a:lnSpc>
+            <a:endParaRPr b="0" lang="en-US" sz="2000" spc="-1" strike="noStrike">
+              <a:latin typeface="Arial"/>
+            </a:endParaRPr>
+          </a:p>
+          <a:p>
+            <a:pPr lvl="5" marL="2592000" indent="-216000">
+              <a:spcBef>
+                <a:spcPts val="283"/>
+              </a:spcBef>
+              <a:buClr>
+                <a:srgbClr val="000000"/>
+              </a:buClr>
+              <a:buSzPct val="45000"/>
+              <a:buFont typeface="Wingdings" charset="2"/>
+              <a:buChar char=""/>
             </a:pPr>
-            <a:fld id="{395855F5-C7AB-47D7-A769-30286CD4B090}" type="datetime">
-              <a:rPr b="0" lang="en-US" sz="900" spc="-1" strike="noStrike">
-                <a:solidFill>
-                  <a:srgbClr val="4590b8"/>
-                </a:solidFill>
-                <a:latin typeface="Gill Sans MT"/>
+            <a:r>
+              <a:rPr b="0" lang="en-US" sz="2000" spc="-1" strike="noStrike">
+                <a:latin typeface="Arial"/>
               </a:rPr>
-              <a:t>5/27/21</a:t>
-            </a:fld>
-            <a:endParaRPr b="0" lang="en-US" sz="900" spc="-1" strike="noStrike">
-              <a:latin typeface="Times New Roman"/>
-            </a:endParaRPr>
-          </a:p>
-        </p:txBody>
-      </p:sp>
-      <p:sp>
-        <p:nvSpPr>
-          <p:cNvPr id="52" name="PlaceHolder 8"/>
-          <p:cNvSpPr>
-            <a:spLocks noGrp="1"/>
-          </p:cNvSpPr>
-          <p:nvPr>
-            <p:ph type="ftr"/>
-          </p:nvPr>
-        </p:nvSpPr>
-        <p:spPr>
-          <a:xfrm>
-            <a:off x="581040" y="5951880"/>
-            <a:ext cx="6916680" cy="364680"/>
-          </a:xfrm>
-          <a:prstGeom prst="rect">
-            <a:avLst/>
-          </a:prstGeom>
-        </p:spPr>
-        <p:txBody>
-          <a:bodyPr anchor="ctr">
-            <a:noAutofit/>
-          </a:bodyPr>
-          <a:p>
-            <a:endParaRPr b="0" lang="en-US" sz="2400" spc="-1" strike="noStrike">
-              <a:latin typeface="Times New Roman"/>
-            </a:endParaRPr>
-          </a:p>
-        </p:txBody>
-      </p:sp>
-      <p:sp>
-        <p:nvSpPr>
-          <p:cNvPr id="53" name="PlaceHolder 9"/>
-          <p:cNvSpPr>
-            <a:spLocks noGrp="1"/>
-          </p:cNvSpPr>
-          <p:nvPr>
-            <p:ph type="sldNum"/>
-          </p:nvPr>
-        </p:nvSpPr>
-        <p:spPr>
-          <a:xfrm>
-            <a:off x="10558440" y="5956200"/>
-            <a:ext cx="1052280" cy="364680"/>
-          </a:xfrm>
-          <a:prstGeom prst="rect">
-            <a:avLst/>
-          </a:prstGeom>
-        </p:spPr>
-        <p:txBody>
-          <a:bodyPr anchor="ctr">
-            <a:noAutofit/>
-          </a:bodyPr>
-          <a:p>
-            <a:pPr algn="r">
-              <a:lnSpc>
-                <a:spcPct val="100000"/>
-              </a:lnSpc>
+              <a:t>Sixth Outline Level</a:t>
+            </a:r>
+            <a:endParaRPr b="0" lang="en-US" sz="2000" spc="-1" strike="noStrike">
+              <a:latin typeface="Arial"/>
+            </a:endParaRPr>
+          </a:p>
+          <a:p>
+            <a:pPr lvl="6" marL="3024000" indent="-216000">
+              <a:spcBef>
+                <a:spcPts val="283"/>
+              </a:spcBef>
+              <a:buClr>
+                <a:srgbClr val="000000"/>
+              </a:buClr>
+              <a:buSzPct val="45000"/>
+              <a:buFont typeface="Wingdings" charset="2"/>
+              <a:buChar char=""/>
             </a:pPr>
-            <a:fld id="{3F1C6E53-89A5-4B7A-A268-3BC940F23A47}" type="slidenum">
-              <a:rPr b="0" lang="en-US" sz="900" spc="-1" strike="noStrike">
-                <a:solidFill>
-                  <a:srgbClr val="4590b8"/>
-                </a:solidFill>
-                <a:latin typeface="Gill Sans MT"/>
+            <a:r>
+              <a:rPr b="0" lang="en-US" sz="2000" spc="-1" strike="noStrike">
+                <a:latin typeface="Arial"/>
               </a:rPr>
-              <a:t>&lt;number&gt;</a:t>
-            </a:fld>
-            <a:endParaRPr b="0" lang="en-US" sz="900" spc="-1" strike="noStrike">
-              <a:latin typeface="Times New Roman"/>
+              <a:t>Seventh Outline Level</a:t>
+            </a:r>
+            <a:endParaRPr b="0" lang="en-US" sz="2000" spc="-1" strike="noStrike">
+              <a:latin typeface="Arial"/>
             </a:endParaRPr>
           </a:p>
         </p:txBody>
@@ -4477,14 +3985,14 @@
       </p:grpSpPr>
       <p:sp>
         <p:nvSpPr>
-          <p:cNvPr id="96" name="CustomShape 1"/>
+          <p:cNvPr id="90" name="CustomShape 1"/>
           <p:cNvSpPr/>
           <p:nvPr/>
         </p:nvSpPr>
         <p:spPr>
           <a:xfrm>
             <a:off x="0" y="0"/>
-            <a:ext cx="12191760" cy="6857640"/>
+            <a:ext cx="12191400" cy="6857280"/>
           </a:xfrm>
           <a:prstGeom prst="rect">
             <a:avLst/>
@@ -4513,7 +4021,7 @@
       </p:sp>
       <p:pic>
         <p:nvPicPr>
-          <p:cNvPr id="97" name="Picture 6" descr="Digital Connections"/>
+          <p:cNvPr id="91" name="Picture 6" descr="Digital Connections"/>
           <p:cNvPicPr/>
           <p:nvPr/>
         </p:nvPicPr>
@@ -4525,7 +4033,7 @@
         <p:spPr>
           <a:xfrm>
             <a:off x="0" y="0"/>
-            <a:ext cx="12191760" cy="6857640"/>
+            <a:ext cx="12191400" cy="6857280"/>
           </a:xfrm>
           <a:prstGeom prst="rect">
             <a:avLst/>
@@ -4537,28 +4045,28 @@
       </p:pic>
       <p:grpSp>
         <p:nvGrpSpPr>
-          <p:cNvPr id="98" name="Group 2"/>
+          <p:cNvPr id="92" name="Group 2"/>
           <p:cNvGrpSpPr/>
           <p:nvPr/>
         </p:nvGrpSpPr>
         <p:grpSpPr>
           <a:xfrm>
             <a:off x="446400" y="453600"/>
-            <a:ext cx="11298600" cy="98280"/>
+            <a:ext cx="11298240" cy="97920"/>
             <a:chOff x="446400" y="453600"/>
-            <a:chExt cx="11298600" cy="98280"/>
+            <a:chExt cx="11298240" cy="97920"/>
           </a:xfrm>
         </p:grpSpPr>
         <p:sp>
           <p:nvSpPr>
-            <p:cNvPr id="99" name="CustomShape 3"/>
+            <p:cNvPr id="93" name="CustomShape 3"/>
             <p:cNvSpPr/>
             <p:nvPr/>
           </p:nvSpPr>
           <p:spPr>
             <a:xfrm>
               <a:off x="446400" y="457200"/>
-              <a:ext cx="3702960" cy="94680"/>
+              <a:ext cx="3702600" cy="94320"/>
             </a:xfrm>
             <a:prstGeom prst="rect">
               <a:avLst/>
@@ -4592,14 +4100,14 @@
         </p:sp>
         <p:sp>
           <p:nvSpPr>
-            <p:cNvPr id="100" name="CustomShape 4"/>
+            <p:cNvPr id="94" name="CustomShape 4"/>
             <p:cNvSpPr/>
             <p:nvPr/>
           </p:nvSpPr>
           <p:spPr>
             <a:xfrm>
               <a:off x="8042040" y="453600"/>
-              <a:ext cx="3702960" cy="98280"/>
+              <a:ext cx="3702600" cy="97920"/>
             </a:xfrm>
             <a:prstGeom prst="rect">
               <a:avLst/>
@@ -4633,14 +4141,14 @@
         </p:sp>
         <p:sp>
           <p:nvSpPr>
-            <p:cNvPr id="101" name="CustomShape 5"/>
+            <p:cNvPr id="95" name="CustomShape 5"/>
             <p:cNvSpPr/>
             <p:nvPr/>
           </p:nvSpPr>
           <p:spPr>
             <a:xfrm>
               <a:off x="4241880" y="457200"/>
-              <a:ext cx="3702960" cy="91080"/>
+              <a:ext cx="3702600" cy="90720"/>
             </a:xfrm>
             <a:prstGeom prst="rect">
               <a:avLst/>
@@ -4675,14 +4183,14 @@
       </p:grpSp>
       <p:sp>
         <p:nvSpPr>
-          <p:cNvPr id="102" name="CustomShape 6"/>
+          <p:cNvPr id="96" name="CustomShape 6"/>
           <p:cNvSpPr/>
           <p:nvPr/>
         </p:nvSpPr>
         <p:spPr>
           <a:xfrm>
             <a:off x="448560" y="4428000"/>
-            <a:ext cx="11260440" cy="1962000"/>
+            <a:ext cx="11260080" cy="1961640"/>
           </a:xfrm>
           <a:prstGeom prst="rect">
             <a:avLst/>
@@ -4718,14 +4226,14 @@
       </p:sp>
       <p:sp>
         <p:nvSpPr>
-          <p:cNvPr id="103" name="TextShape 7"/>
-          <p:cNvSpPr txBox="1"/>
+          <p:cNvPr id="97" name="CustomShape 7"/>
+          <p:cNvSpPr/>
           <p:nvPr/>
         </p:nvSpPr>
         <p:spPr>
           <a:xfrm>
             <a:off x="582120" y="5051880"/>
-            <a:ext cx="10993320" cy="894960"/>
+            <a:ext cx="10992960" cy="894600"/>
           </a:xfrm>
           <a:prstGeom prst="rect">
             <a:avLst/>
@@ -4735,8 +4243,14 @@
             <a:noFill/>
           </a:ln>
         </p:spPr>
-        <p:txBody>
-          <a:bodyPr anchor="b">
+        <p:style>
+          <a:lnRef idx="0"/>
+          <a:fillRef idx="0"/>
+          <a:effectRef idx="0"/>
+          <a:fontRef idx="minor"/>
+        </p:style>
+        <p:txBody>
+          <a:bodyPr lIns="90000" rIns="90000" tIns="45000" bIns="45000" anchor="b">
             <a:noAutofit/>
           </a:bodyPr>
           <a:p>
@@ -4755,24 +4269,21 @@
               <a:t>Prepoznavanje ročno napisanih števk</a:t>
             </a:r>
             <a:endParaRPr b="0" lang="en-US" sz="5000" spc="-1" strike="noStrike">
-              <a:solidFill>
-                <a:srgbClr val="000000"/>
-              </a:solidFill>
-              <a:latin typeface="Gill Sans MT"/>
-            </a:endParaRPr>
-          </a:p>
-        </p:txBody>
-      </p:sp>
-      <p:sp>
-        <p:nvSpPr>
-          <p:cNvPr id="104" name="TextShape 8"/>
-          <p:cNvSpPr txBox="1"/>
+              <a:latin typeface="Arial"/>
+            </a:endParaRPr>
+          </a:p>
+        </p:txBody>
+      </p:sp>
+      <p:sp>
+        <p:nvSpPr>
+          <p:cNvPr id="98" name="CustomShape 8"/>
+          <p:cNvSpPr/>
           <p:nvPr/>
         </p:nvSpPr>
         <p:spPr>
           <a:xfrm>
             <a:off x="689040" y="5897160"/>
-            <a:ext cx="10993320" cy="484560"/>
+            <a:ext cx="10992960" cy="484200"/>
           </a:xfrm>
           <a:prstGeom prst="rect">
             <a:avLst/>
@@ -4782,8 +4293,14 @@
             <a:noFill/>
           </a:ln>
         </p:spPr>
-        <p:txBody>
-          <a:bodyPr>
+        <p:style>
+          <a:lnRef idx="0"/>
+          <a:fillRef idx="0"/>
+          <a:effectRef idx="0"/>
+          <a:fontRef idx="minor"/>
+        </p:style>
+        <p:txBody>
+          <a:bodyPr lIns="90000" rIns="90000" tIns="45000" bIns="45000">
             <a:normAutofit/>
           </a:bodyPr>
           <a:p>
@@ -4818,14 +4335,14 @@
       </p:sp>
       <p:sp>
         <p:nvSpPr>
-          <p:cNvPr id="105" name="CustomShape 9"/>
+          <p:cNvPr id="99" name="CustomShape 9"/>
           <p:cNvSpPr/>
           <p:nvPr/>
         </p:nvSpPr>
         <p:spPr>
           <a:xfrm>
             <a:off x="9543960" y="905760"/>
-            <a:ext cx="2201040" cy="913320"/>
+            <a:ext cx="2200680" cy="912960"/>
           </a:xfrm>
           <a:prstGeom prst="rect">
             <a:avLst/>
@@ -4857,6 +4374,7 @@
                   <a:srgbClr val="45cbe8"/>
                 </a:solidFill>
                 <a:latin typeface="Gill Sans MT"/>
+                <a:ea typeface="DejaVu Sans"/>
               </a:rPr>
               <a:t>Matej Kalc,</a:t>
             </a:r>
@@ -4876,6 +4394,7 @@
                   <a:srgbClr val="45cbe8"/>
                 </a:solidFill>
                 <a:latin typeface="Gill Sans MT"/>
+                <a:ea typeface="DejaVu Sans"/>
               </a:rPr>
               <a:t>Andraž Zrimšek,</a:t>
             </a:r>
@@ -4895,6 +4414,7 @@
                   <a:srgbClr val="45cbe8"/>
                 </a:solidFill>
                 <a:latin typeface="Gill Sans MT"/>
+                <a:ea typeface="DejaVu Sans"/>
               </a:rPr>
               <a:t>Samo Košir</a:t>
             </a:r>
@@ -4936,14 +4456,14 @@
       </p:grpSpPr>
       <p:sp>
         <p:nvSpPr>
-          <p:cNvPr id="106" name="TextShape 1"/>
-          <p:cNvSpPr txBox="1"/>
+          <p:cNvPr id="100" name="CustomShape 1"/>
+          <p:cNvSpPr/>
           <p:nvPr/>
         </p:nvSpPr>
         <p:spPr>
           <a:xfrm>
             <a:off x="581040" y="702000"/>
-            <a:ext cx="11029320" cy="1013400"/>
+            <a:ext cx="11028960" cy="1013040"/>
           </a:xfrm>
           <a:prstGeom prst="rect">
             <a:avLst/>
@@ -4953,8 +4473,14 @@
             <a:noFill/>
           </a:ln>
         </p:spPr>
-        <p:txBody>
-          <a:bodyPr anchor="b">
+        <p:style>
+          <a:lnRef idx="0"/>
+          <a:fillRef idx="0"/>
+          <a:effectRef idx="0"/>
+          <a:fontRef idx="minor"/>
+        </p:style>
+        <p:txBody>
+          <a:bodyPr lIns="90000" rIns="90000" tIns="45000" bIns="45000" anchor="b">
             <a:noAutofit/>
           </a:bodyPr>
           <a:p>
@@ -4973,17 +4499,14 @@
               <a:t>Centriranje števke in normalizacija </a:t>
             </a:r>
             <a:endParaRPr b="0" lang="en-US" sz="2800" spc="-1" strike="noStrike">
-              <a:solidFill>
-                <a:srgbClr val="000000"/>
-              </a:solidFill>
-              <a:latin typeface="Gill Sans MT"/>
+              <a:latin typeface="Arial"/>
             </a:endParaRPr>
           </a:p>
         </p:txBody>
       </p:sp>
       <p:pic>
         <p:nvPicPr>
-          <p:cNvPr id="107" name="Picture 5" descr=""/>
+          <p:cNvPr id="101" name="Picture 5" descr=""/>
           <p:cNvPicPr/>
           <p:nvPr/>
         </p:nvPicPr>
@@ -4994,7 +4517,7 @@
         <p:spPr>
           <a:xfrm>
             <a:off x="8093160" y="2139120"/>
-            <a:ext cx="1910160" cy="1910160"/>
+            <a:ext cx="1909800" cy="1909800"/>
           </a:xfrm>
           <a:prstGeom prst="rect">
             <a:avLst/>
@@ -5006,7 +4529,7 @@
       </p:pic>
       <p:pic>
         <p:nvPicPr>
-          <p:cNvPr id="108" name="Picture 7" descr=""/>
+          <p:cNvPr id="102" name="Picture 7" descr=""/>
           <p:cNvPicPr/>
           <p:nvPr/>
         </p:nvPicPr>
@@ -5017,7 +4540,7 @@
         <p:spPr>
           <a:xfrm>
             <a:off x="2169360" y="1919520"/>
-            <a:ext cx="1910160" cy="2349720"/>
+            <a:ext cx="1909800" cy="2349360"/>
           </a:xfrm>
           <a:prstGeom prst="rect">
             <a:avLst/>
@@ -5029,7 +4552,7 @@
       </p:pic>
       <p:pic>
         <p:nvPicPr>
-          <p:cNvPr id="109" name="Content Placeholder 14" descr=""/>
+          <p:cNvPr id="103" name="Content Placeholder 14" descr=""/>
           <p:cNvPicPr/>
           <p:nvPr/>
         </p:nvPicPr>
@@ -5040,7 +4563,7 @@
         <p:spPr>
           <a:xfrm>
             <a:off x="8112240" y="4472640"/>
-            <a:ext cx="1910160" cy="1910160"/>
+            <a:ext cx="1909800" cy="1909800"/>
           </a:xfrm>
           <a:prstGeom prst="rect">
             <a:avLst/>
@@ -5052,7 +4575,7 @@
       </p:pic>
       <p:pic>
         <p:nvPicPr>
-          <p:cNvPr id="110" name="Picture 13" descr=""/>
+          <p:cNvPr id="104" name="Picture 13" descr=""/>
           <p:cNvPicPr/>
           <p:nvPr/>
         </p:nvPicPr>
@@ -5063,7 +4586,7 @@
         <p:spPr>
           <a:xfrm>
             <a:off x="2169360" y="4472640"/>
-            <a:ext cx="1910160" cy="1910160"/>
+            <a:ext cx="1909800" cy="1909800"/>
           </a:xfrm>
           <a:prstGeom prst="rect">
             <a:avLst/>
@@ -5075,14 +4598,14 @@
       </p:pic>
       <p:sp>
         <p:nvSpPr>
-          <p:cNvPr id="111" name="CustomShape 2"/>
+          <p:cNvPr id="105" name="CustomShape 2"/>
           <p:cNvSpPr/>
           <p:nvPr/>
         </p:nvSpPr>
         <p:spPr>
           <a:xfrm>
             <a:off x="5004360" y="2964240"/>
-            <a:ext cx="2163960" cy="259560"/>
+            <a:ext cx="2163600" cy="259200"/>
           </a:xfrm>
           <a:prstGeom prst="rightArrow">
             <a:avLst>
@@ -5111,14 +4634,14 @@
       </p:sp>
       <p:sp>
         <p:nvSpPr>
-          <p:cNvPr id="112" name="CustomShape 3"/>
+          <p:cNvPr id="106" name="CustomShape 3"/>
           <p:cNvSpPr/>
           <p:nvPr/>
         </p:nvSpPr>
         <p:spPr>
           <a:xfrm>
             <a:off x="5013720" y="5297760"/>
-            <a:ext cx="2163960" cy="259560"/>
+            <a:ext cx="2163600" cy="259200"/>
           </a:xfrm>
           <a:prstGeom prst="rightArrow">
             <a:avLst>
@@ -5177,14 +4700,14 @@
       </p:grpSpPr>
       <p:sp>
         <p:nvSpPr>
-          <p:cNvPr id="113" name="TextShape 1"/>
-          <p:cNvSpPr txBox="1"/>
+          <p:cNvPr id="107" name="CustomShape 1"/>
+          <p:cNvSpPr/>
           <p:nvPr/>
         </p:nvSpPr>
         <p:spPr>
           <a:xfrm>
             <a:off x="581040" y="702000"/>
-            <a:ext cx="11029320" cy="1013400"/>
+            <a:ext cx="11028960" cy="1013040"/>
           </a:xfrm>
           <a:prstGeom prst="rect">
             <a:avLst/>
@@ -5194,8 +4717,14 @@
             <a:noFill/>
           </a:ln>
         </p:spPr>
-        <p:txBody>
-          <a:bodyPr anchor="b">
+        <p:style>
+          <a:lnRef idx="0"/>
+          <a:fillRef idx="0"/>
+          <a:effectRef idx="0"/>
+          <a:fontRef idx="minor"/>
+        </p:style>
+        <p:txBody>
+          <a:bodyPr lIns="90000" rIns="90000" tIns="45000" bIns="45000" anchor="b">
             <a:noAutofit/>
           </a:bodyPr>
           <a:p>
@@ -5214,24 +4743,21 @@
               <a:t>Predobdelava podatkov – pomanjšanje slik</a:t>
             </a:r>
             <a:endParaRPr b="0" lang="en-US" sz="2800" spc="-1" strike="noStrike">
-              <a:solidFill>
-                <a:srgbClr val="000000"/>
-              </a:solidFill>
-              <a:latin typeface="Gill Sans MT"/>
-            </a:endParaRPr>
-          </a:p>
-        </p:txBody>
-      </p:sp>
-      <p:sp>
-        <p:nvSpPr>
-          <p:cNvPr id="114" name="CustomShape 2"/>
+              <a:latin typeface="Arial"/>
+            </a:endParaRPr>
+          </a:p>
+        </p:txBody>
+      </p:sp>
+      <p:sp>
+        <p:nvSpPr>
+          <p:cNvPr id="108" name="CustomShape 2"/>
           <p:cNvSpPr/>
           <p:nvPr/>
         </p:nvSpPr>
         <p:spPr>
           <a:xfrm flipV="1" rot="10800000">
-            <a:off x="1590480" y="2932200"/>
-            <a:ext cx="3134520" cy="1711440"/>
+            <a:off x="1590840" y="2931840"/>
+            <a:ext cx="3134160" cy="1711080"/>
           </a:xfrm>
           <a:prstGeom prst="bentConnector2">
             <a:avLst/>
@@ -5260,14 +4786,14 @@
       </p:sp>
       <p:sp>
         <p:nvSpPr>
-          <p:cNvPr id="115" name="CustomShape 3"/>
+          <p:cNvPr id="109" name="CustomShape 3"/>
           <p:cNvSpPr/>
           <p:nvPr/>
         </p:nvSpPr>
         <p:spPr>
           <a:xfrm>
             <a:off x="7466760" y="2931840"/>
-            <a:ext cx="3134520" cy="1714320"/>
+            <a:ext cx="3134160" cy="1713960"/>
           </a:xfrm>
           <a:prstGeom prst="bentConnector2">
             <a:avLst/>
@@ -5296,14 +4822,14 @@
       </p:sp>
       <p:sp>
         <p:nvSpPr>
-          <p:cNvPr id="116" name="CustomShape 4"/>
+          <p:cNvPr id="110" name="CustomShape 4"/>
           <p:cNvSpPr/>
           <p:nvPr/>
         </p:nvSpPr>
         <p:spPr>
           <a:xfrm>
             <a:off x="1147680" y="2567160"/>
-            <a:ext cx="3911760" cy="364680"/>
+            <a:ext cx="3911760" cy="364320"/>
           </a:xfrm>
           <a:prstGeom prst="rect">
             <a:avLst/>
@@ -5335,6 +4861,7 @@
                   <a:srgbClr val="000000"/>
                 </a:solidFill>
                 <a:latin typeface="Gill Sans MT"/>
+                <a:ea typeface="DejaVu Sans"/>
               </a:rPr>
               <a:t>Nearest neighbour interpolation </a:t>
             </a:r>
@@ -5346,14 +4873,14 @@
       </p:sp>
       <p:sp>
         <p:nvSpPr>
-          <p:cNvPr id="117" name="CustomShape 5"/>
+          <p:cNvPr id="111" name="CustomShape 5"/>
           <p:cNvSpPr/>
           <p:nvPr/>
         </p:nvSpPr>
         <p:spPr>
           <a:xfrm>
             <a:off x="7742880" y="2562840"/>
-            <a:ext cx="2583000" cy="364680"/>
+            <a:ext cx="2583000" cy="364320"/>
           </a:xfrm>
           <a:prstGeom prst="rect">
             <a:avLst/>
@@ -5385,6 +4912,7 @@
                   <a:srgbClr val="000000"/>
                 </a:solidFill>
                 <a:latin typeface="Gill Sans MT"/>
+                <a:ea typeface="DejaVu Sans"/>
               </a:rPr>
               <a:t>Bilinear interpolation</a:t>
             </a:r>
@@ -5396,7 +4924,7 @@
       </p:sp>
       <p:pic>
         <p:nvPicPr>
-          <p:cNvPr id="118" name="Picture 27" descr=""/>
+          <p:cNvPr id="112" name="Picture 27" descr=""/>
           <p:cNvPicPr/>
           <p:nvPr/>
         </p:nvPicPr>
@@ -5407,7 +4935,7 @@
         <p:spPr>
           <a:xfrm>
             <a:off x="4725000" y="2246400"/>
-            <a:ext cx="1370520" cy="1370520"/>
+            <a:ext cx="1370160" cy="1370160"/>
           </a:xfrm>
           <a:prstGeom prst="rect">
             <a:avLst/>
@@ -5421,7 +4949,7 @@
       </p:pic>
       <p:pic>
         <p:nvPicPr>
-          <p:cNvPr id="119" name="Picture 28" descr=""/>
+          <p:cNvPr id="113" name="Picture 28" descr=""/>
           <p:cNvPicPr/>
           <p:nvPr/>
         </p:nvPicPr>
@@ -5432,7 +4960,7 @@
         <p:spPr>
           <a:xfrm>
             <a:off x="938880" y="4643640"/>
-            <a:ext cx="1302120" cy="1305000"/>
+            <a:ext cx="1301760" cy="1304640"/>
           </a:xfrm>
           <a:prstGeom prst="rect">
             <a:avLst/>
@@ -5444,7 +4972,7 @@
       </p:pic>
       <p:pic>
         <p:nvPicPr>
-          <p:cNvPr id="120" name="Picture 29" descr=""/>
+          <p:cNvPr id="114" name="Picture 29" descr=""/>
           <p:cNvPicPr/>
           <p:nvPr/>
         </p:nvPicPr>
@@ -5455,7 +4983,7 @@
         <p:spPr>
           <a:xfrm>
             <a:off x="8651880" y="4646520"/>
-            <a:ext cx="1298160" cy="1302120"/>
+            <a:ext cx="1297800" cy="1301760"/>
           </a:xfrm>
           <a:prstGeom prst="rect">
             <a:avLst/>
@@ -5467,7 +4995,7 @@
       </p:pic>
       <p:pic>
         <p:nvPicPr>
-          <p:cNvPr id="121" name="Picture 30" descr=""/>
+          <p:cNvPr id="115" name="Picture 30" descr=""/>
           <p:cNvPicPr/>
           <p:nvPr/>
         </p:nvPicPr>
@@ -5478,7 +5006,7 @@
         <p:spPr>
           <a:xfrm>
             <a:off x="2237400" y="4643640"/>
-            <a:ext cx="1302120" cy="1302120"/>
+            <a:ext cx="1301760" cy="1301760"/>
           </a:xfrm>
           <a:prstGeom prst="rect">
             <a:avLst/>
@@ -5490,7 +5018,7 @@
       </p:pic>
       <p:pic>
         <p:nvPicPr>
-          <p:cNvPr id="122" name="Picture 31" descr=""/>
+          <p:cNvPr id="116" name="Picture 31" descr=""/>
           <p:cNvPicPr/>
           <p:nvPr/>
         </p:nvPicPr>
@@ -5501,7 +5029,7 @@
         <p:spPr>
           <a:xfrm>
             <a:off x="9950400" y="4646520"/>
-            <a:ext cx="1302120" cy="1302120"/>
+            <a:ext cx="1301760" cy="1301760"/>
           </a:xfrm>
           <a:prstGeom prst="rect">
             <a:avLst/>
@@ -5513,7 +5041,7 @@
       </p:pic>
       <p:pic>
         <p:nvPicPr>
-          <p:cNvPr id="123" name="Picture 32" descr=""/>
+          <p:cNvPr id="117" name="Picture 32" descr=""/>
           <p:cNvPicPr/>
           <p:nvPr/>
         </p:nvPicPr>
@@ -5524,7 +5052,7 @@
         <p:spPr>
           <a:xfrm>
             <a:off x="6095880" y="2246400"/>
-            <a:ext cx="1370520" cy="1370520"/>
+            <a:ext cx="1370160" cy="1370160"/>
           </a:xfrm>
           <a:prstGeom prst="rect">
             <a:avLst/>
@@ -5568,14 +5096,14 @@
       </p:grpSpPr>
       <p:sp>
         <p:nvSpPr>
-          <p:cNvPr id="124" name="TextShape 1"/>
-          <p:cNvSpPr txBox="1"/>
+          <p:cNvPr id="118" name="CustomShape 1"/>
+          <p:cNvSpPr/>
           <p:nvPr/>
         </p:nvSpPr>
         <p:spPr>
           <a:xfrm>
             <a:off x="581040" y="702000"/>
-            <a:ext cx="11029320" cy="1013400"/>
+            <a:ext cx="11028960" cy="1013040"/>
           </a:xfrm>
           <a:prstGeom prst="rect">
             <a:avLst/>
@@ -5585,8 +5113,14 @@
             <a:noFill/>
           </a:ln>
         </p:spPr>
-        <p:txBody>
-          <a:bodyPr anchor="b">
+        <p:style>
+          <a:lnRef idx="0"/>
+          <a:fillRef idx="0"/>
+          <a:effectRef idx="0"/>
+          <a:fontRef idx="minor"/>
+        </p:style>
+        <p:txBody>
+          <a:bodyPr lIns="90000" rIns="90000" tIns="45000" bIns="45000" anchor="b">
             <a:noAutofit/>
           </a:bodyPr>
           <a:p>
@@ -5614,24 +5148,21 @@
               <a:t>porabljeni metodi</a:t>
             </a:r>
             <a:endParaRPr b="0" lang="en-US" sz="2800" spc="-1" strike="noStrike">
-              <a:solidFill>
-                <a:srgbClr val="000000"/>
-              </a:solidFill>
-              <a:latin typeface="Gill Sans MT"/>
-            </a:endParaRPr>
-          </a:p>
-        </p:txBody>
-      </p:sp>
-      <p:sp>
-        <p:nvSpPr>
-          <p:cNvPr id="125" name="TextShape 2"/>
-          <p:cNvSpPr txBox="1"/>
+              <a:latin typeface="Arial"/>
+            </a:endParaRPr>
+          </a:p>
+        </p:txBody>
+      </p:sp>
+      <p:sp>
+        <p:nvSpPr>
+          <p:cNvPr id="119" name="CustomShape 2"/>
+          <p:cNvSpPr/>
           <p:nvPr/>
         </p:nvSpPr>
         <p:spPr>
           <a:xfrm>
             <a:off x="581040" y="2180520"/>
-            <a:ext cx="11029320" cy="3678120"/>
+            <a:ext cx="11028960" cy="3677760"/>
           </a:xfrm>
           <a:prstGeom prst="rect">
             <a:avLst/>
@@ -5641,12 +5172,18 @@
             <a:noFill/>
           </a:ln>
         </p:spPr>
-        <p:txBody>
-          <a:bodyPr anchor="ctr">
+        <p:style>
+          <a:lnRef idx="0"/>
+          <a:fillRef idx="0"/>
+          <a:effectRef idx="0"/>
+          <a:fontRef idx="minor"/>
+        </p:style>
+        <p:txBody>
+          <a:bodyPr lIns="90000" rIns="90000" tIns="45000" bIns="45000" anchor="ctr">
             <a:noAutofit/>
           </a:bodyPr>
           <a:p>
-            <a:pPr marL="306000" indent="-305640">
+            <a:pPr marL="306000" indent="-305280">
               <a:lnSpc>
                 <a:spcPct val="100000"/>
               </a:lnSpc>
@@ -5673,14 +5210,11 @@
               <a:t>Uporaba metode najmanjših kvadratov:</a:t>
             </a:r>
             <a:endParaRPr b="0" lang="en-US" sz="1800" spc="-1" strike="noStrike">
-              <a:solidFill>
-                <a:srgbClr val="3d3d3d"/>
-              </a:solidFill>
-              <a:latin typeface="Gill Sans MT"/>
-            </a:endParaRPr>
-          </a:p>
-          <a:p>
-            <a:pPr lvl="1" marL="630000" indent="-305640">
+              <a:latin typeface="Arial"/>
+            </a:endParaRPr>
+          </a:p>
+          <a:p>
+            <a:pPr lvl="1" marL="630000" indent="-305280">
               <a:lnSpc>
                 <a:spcPct val="100000"/>
               </a:lnSpc>
@@ -5716,14 +5250,11 @@
               <a:t>ešujemo sistem , rešimo z uporabo Moore-Penrose inverza: </a:t>
             </a:r>
             <a:endParaRPr b="0" lang="en-US" sz="1600" spc="-1" strike="noStrike">
-              <a:solidFill>
-                <a:srgbClr val="3d3d3d"/>
-              </a:solidFill>
-              <a:latin typeface="Gill Sans MT"/>
-            </a:endParaRPr>
-          </a:p>
-          <a:p>
-            <a:pPr lvl="1" marL="630000" indent="-305640">
+              <a:latin typeface="Arial"/>
+            </a:endParaRPr>
+          </a:p>
+          <a:p>
+            <a:pPr lvl="1" marL="630000" indent="-305280">
               <a:lnSpc>
                 <a:spcPct val="100000"/>
               </a:lnSpc>
@@ -5768,30 +5299,31 @@
               <a:t>, pri katerem je  najmanjši</a:t>
             </a:r>
             <a:endParaRPr b="0" lang="en-US" sz="1600" spc="-1" strike="noStrike">
-              <a:solidFill>
-                <a:srgbClr val="3d3d3d"/>
-              </a:solidFill>
-              <a:latin typeface="Gill Sans MT"/>
-            </a:endParaRPr>
-          </a:p>
-          <a:p>
+              <a:latin typeface="Arial"/>
+            </a:endParaRPr>
+          </a:p>
+          <a:p>
+            <a:pPr>
+              <a:lnSpc>
+                <a:spcPct val="100000"/>
+              </a:lnSpc>
+            </a:pPr>
             <a:endParaRPr b="0" lang="en-US" sz="1600" spc="-1" strike="noStrike">
-              <a:solidFill>
-                <a:srgbClr val="3d3d3d"/>
-              </a:solidFill>
-              <a:latin typeface="Gill Sans MT"/>
-            </a:endParaRPr>
-          </a:p>
-          <a:p>
+              <a:latin typeface="Arial"/>
+            </a:endParaRPr>
+          </a:p>
+          <a:p>
+            <a:pPr>
+              <a:lnSpc>
+                <a:spcPct val="100000"/>
+              </a:lnSpc>
+            </a:pPr>
             <a:endParaRPr b="0" lang="en-US" sz="1600" spc="-1" strike="noStrike">
-              <a:solidFill>
-                <a:srgbClr val="3d3d3d"/>
-              </a:solidFill>
-              <a:latin typeface="Gill Sans MT"/>
-            </a:endParaRPr>
-          </a:p>
-          <a:p>
-            <a:pPr marL="306000" indent="-305640">
+              <a:latin typeface="Arial"/>
+            </a:endParaRPr>
+          </a:p>
+          <a:p>
+            <a:pPr marL="306000" indent="-305280">
               <a:lnSpc>
                 <a:spcPct val="100000"/>
               </a:lnSpc>
@@ -5818,14 +5350,11 @@
               <a:t>Uporaba SVD razcepa</a:t>
             </a:r>
             <a:endParaRPr b="0" lang="en-US" sz="1800" spc="-1" strike="noStrike">
-              <a:solidFill>
-                <a:srgbClr val="3d3d3d"/>
-              </a:solidFill>
-              <a:latin typeface="Gill Sans MT"/>
-            </a:endParaRPr>
-          </a:p>
-          <a:p>
-            <a:pPr lvl="1" marL="630000" indent="-305640">
+              <a:latin typeface="Arial"/>
+            </a:endParaRPr>
+          </a:p>
+          <a:p>
+            <a:pPr lvl="1" marL="630000" indent="-305280">
               <a:lnSpc>
                 <a:spcPct val="100000"/>
               </a:lnSpc>
@@ -5870,14 +5399,11 @@
               <a:t>istema kjer je </a:t>
             </a:r>
             <a:endParaRPr b="0" lang="en-US" sz="1600" spc="-1" strike="noStrike">
-              <a:solidFill>
-                <a:srgbClr val="3d3d3d"/>
-              </a:solidFill>
-              <a:latin typeface="Gill Sans MT"/>
-            </a:endParaRPr>
-          </a:p>
-          <a:p>
-            <a:pPr lvl="1" marL="630000" indent="-305640">
+              <a:latin typeface="Arial"/>
+            </a:endParaRPr>
+          </a:p>
+          <a:p>
+            <a:pPr lvl="1" marL="630000" indent="-305280">
               <a:lnSpc>
                 <a:spcPct val="100000"/>
               </a:lnSpc>
@@ -5922,33 +5448,34 @@
               <a:t>, pri katerem je  najmanjši</a:t>
             </a:r>
             <a:endParaRPr b="0" lang="en-US" sz="1600" spc="-1" strike="noStrike">
-              <a:solidFill>
-                <a:srgbClr val="3d3d3d"/>
-              </a:solidFill>
-              <a:latin typeface="Gill Sans MT"/>
-            </a:endParaRPr>
-          </a:p>
-          <a:p>
+              <a:latin typeface="Arial"/>
+            </a:endParaRPr>
+          </a:p>
+          <a:p>
+            <a:pPr>
+              <a:lnSpc>
+                <a:spcPct val="100000"/>
+              </a:lnSpc>
+            </a:pPr>
             <a:endParaRPr b="0" lang="en-US" sz="1600" spc="-1" strike="noStrike">
-              <a:solidFill>
-                <a:srgbClr val="3d3d3d"/>
-              </a:solidFill>
-              <a:latin typeface="Gill Sans MT"/>
-            </a:endParaRPr>
-          </a:p>
-          <a:p>
+              <a:latin typeface="Arial"/>
+            </a:endParaRPr>
+          </a:p>
+          <a:p>
+            <a:pPr>
+              <a:lnSpc>
+                <a:spcPct val="100000"/>
+              </a:lnSpc>
+            </a:pPr>
             <a:endParaRPr b="0" lang="en-US" sz="1600" spc="-1" strike="noStrike">
-              <a:solidFill>
-                <a:srgbClr val="3d3d3d"/>
-              </a:solidFill>
-              <a:latin typeface="Gill Sans MT"/>
+              <a:latin typeface="Arial"/>
             </a:endParaRPr>
           </a:p>
         </p:txBody>
       </p:sp>
       <p:pic>
         <p:nvPicPr>
-          <p:cNvPr id="126" name="Picture 4" descr=""/>
+          <p:cNvPr id="120" name="Picture 4" descr=""/>
           <p:cNvPicPr/>
           <p:nvPr/>
         </p:nvPicPr>
@@ -5959,7 +5486,7 @@
         <p:spPr>
           <a:xfrm>
             <a:off x="1280880" y="3351240"/>
-            <a:ext cx="3018960" cy="390240"/>
+            <a:ext cx="3018600" cy="389880"/>
           </a:xfrm>
           <a:prstGeom prst="rect">
             <a:avLst/>
@@ -5971,7 +5498,7 @@
       </p:pic>
       <p:pic>
         <p:nvPicPr>
-          <p:cNvPr id="127" name="Picture 6" descr=""/>
+          <p:cNvPr id="121" name="Picture 6" descr=""/>
           <p:cNvPicPr/>
           <p:nvPr/>
         </p:nvPicPr>
@@ -5982,7 +5509,7 @@
         <p:spPr>
           <a:xfrm>
             <a:off x="1280880" y="5439600"/>
-            <a:ext cx="3885840" cy="418680"/>
+            <a:ext cx="3885480" cy="418320"/>
           </a:xfrm>
           <a:prstGeom prst="rect">
             <a:avLst/>
@@ -6024,14 +5551,14 @@
       </p:grpSpPr>
       <p:sp>
         <p:nvSpPr>
-          <p:cNvPr id="128" name="TextShape 1"/>
-          <p:cNvSpPr txBox="1"/>
+          <p:cNvPr id="122" name="CustomShape 1"/>
+          <p:cNvSpPr/>
           <p:nvPr/>
         </p:nvSpPr>
         <p:spPr>
           <a:xfrm>
             <a:off x="581040" y="702000"/>
-            <a:ext cx="11029320" cy="1013400"/>
+            <a:ext cx="11028960" cy="1013040"/>
           </a:xfrm>
           <a:prstGeom prst="rect">
             <a:avLst/>
@@ -6041,8 +5568,14 @@
             <a:noFill/>
           </a:ln>
         </p:spPr>
-        <p:txBody>
-          <a:bodyPr anchor="b">
+        <p:style>
+          <a:lnRef idx="0"/>
+          <a:fillRef idx="0"/>
+          <a:effectRef idx="0"/>
+          <a:fontRef idx="minor"/>
+        </p:style>
+        <p:txBody>
+          <a:bodyPr lIns="90000" rIns="90000" tIns="45000" bIns="45000" anchor="b">
             <a:noAutofit/>
           </a:bodyPr>
           <a:p>
@@ -6061,24 +5594,21 @@
               <a:t>SVD razcep</a:t>
             </a:r>
             <a:endParaRPr b="0" lang="en-US" sz="2800" spc="-1" strike="noStrike">
-              <a:solidFill>
-                <a:srgbClr val="000000"/>
-              </a:solidFill>
-              <a:latin typeface="Gill Sans MT"/>
-            </a:endParaRPr>
-          </a:p>
-        </p:txBody>
-      </p:sp>
-      <p:sp>
-        <p:nvSpPr>
-          <p:cNvPr id="129" name="TextShape 2"/>
-          <p:cNvSpPr txBox="1"/>
+              <a:latin typeface="Arial"/>
+            </a:endParaRPr>
+          </a:p>
+        </p:txBody>
+      </p:sp>
+      <p:sp>
+        <p:nvSpPr>
+          <p:cNvPr id="123" name="CustomShape 2"/>
+          <p:cNvSpPr/>
           <p:nvPr/>
         </p:nvSpPr>
         <p:spPr>
           <a:xfrm>
             <a:off x="581040" y="2180520"/>
-            <a:ext cx="11029320" cy="3678120"/>
+            <a:ext cx="11028960" cy="3677760"/>
           </a:xfrm>
           <a:prstGeom prst="rect">
             <a:avLst/>
@@ -6088,8 +5618,14 @@
             <a:noFill/>
           </a:ln>
         </p:spPr>
-        <p:txBody>
-          <a:bodyPr>
+        <p:style>
+          <a:lnRef idx="0"/>
+          <a:fillRef idx="0"/>
+          <a:effectRef idx="0"/>
+          <a:fontRef idx="minor"/>
+        </p:style>
+        <p:txBody>
+          <a:bodyPr lIns="90000" rIns="90000" tIns="45000" bIns="45000">
             <a:noAutofit/>
           </a:bodyPr>
           <a:p>
@@ -6117,23 +5653,20 @@
               <a:t>Levi singularni vektorji kot slike:</a:t>
             </a:r>
             <a:endParaRPr b="0" lang="en-US" sz="1800" spc="-1" strike="noStrike">
-              <a:solidFill>
-                <a:srgbClr val="3d3d3d"/>
-              </a:solidFill>
-              <a:latin typeface="Gill Sans MT"/>
+              <a:latin typeface="Arial"/>
             </a:endParaRPr>
           </a:p>
         </p:txBody>
       </p:sp>
       <p:graphicFrame>
         <p:nvGraphicFramePr>
-          <p:cNvPr id="130" name="Table 3"/>
+          <p:cNvPr id="124" name="Table 3"/>
           <p:cNvGraphicFramePr/>
           <p:nvPr/>
         </p:nvGraphicFramePr>
         <p:xfrm>
           <a:off x="518400" y="2684520"/>
-          <a:ext cx="11154960" cy="3857760"/>
+          <a:ext cx="11154960" cy="3857400"/>
         </p:xfrm>
         <a:graphic>
           <a:graphicData uri="http://schemas.openxmlformats.org/drawingml/2006/table">
@@ -6471,7 +6004,7 @@
       </p:graphicFrame>
       <p:pic>
         <p:nvPicPr>
-          <p:cNvPr id="131" name="Picture 18" descr=""/>
+          <p:cNvPr id="125" name="Picture 18" descr=""/>
           <p:cNvPicPr/>
           <p:nvPr/>
         </p:nvPicPr>
@@ -6482,7 +6015,7 @@
         <p:spPr>
           <a:xfrm>
             <a:off x="1600200" y="3287160"/>
-            <a:ext cx="1473120" cy="1477440"/>
+            <a:ext cx="1472760" cy="1477080"/>
           </a:xfrm>
           <a:prstGeom prst="rect">
             <a:avLst/>
@@ -6494,7 +6027,7 @@
       </p:pic>
       <p:pic>
         <p:nvPicPr>
-          <p:cNvPr id="132" name="Picture 19" descr=""/>
+          <p:cNvPr id="126" name="Picture 19" descr=""/>
           <p:cNvPicPr/>
           <p:nvPr/>
         </p:nvPicPr>
@@ -6505,7 +6038,7 @@
         <p:spPr>
           <a:xfrm>
             <a:off x="5359320" y="3287160"/>
-            <a:ext cx="1490760" cy="1486440"/>
+            <a:ext cx="1490400" cy="1486080"/>
           </a:xfrm>
           <a:prstGeom prst="rect">
             <a:avLst/>
@@ -6517,7 +6050,7 @@
       </p:pic>
       <p:pic>
         <p:nvPicPr>
-          <p:cNvPr id="133" name="Picture 20" descr=""/>
+          <p:cNvPr id="127" name="Picture 20" descr=""/>
           <p:cNvPicPr/>
           <p:nvPr/>
         </p:nvPicPr>
@@ -6528,7 +6061,7 @@
         <p:spPr>
           <a:xfrm>
             <a:off x="9069840" y="3285000"/>
-            <a:ext cx="1490760" cy="1482120"/>
+            <a:ext cx="1490400" cy="1481760"/>
           </a:xfrm>
           <a:prstGeom prst="rect">
             <a:avLst/>
@@ -6540,7 +6073,7 @@
       </p:pic>
       <p:pic>
         <p:nvPicPr>
-          <p:cNvPr id="134" name="Picture 21" descr=""/>
+          <p:cNvPr id="128" name="Picture 21" descr=""/>
           <p:cNvPicPr/>
           <p:nvPr/>
         </p:nvPicPr>
@@ -6551,7 +6084,7 @@
         <p:spPr>
           <a:xfrm>
             <a:off x="1579320" y="4983480"/>
-            <a:ext cx="1490760" cy="1504080"/>
+            <a:ext cx="1490400" cy="1503720"/>
           </a:xfrm>
           <a:prstGeom prst="rect">
             <a:avLst/>
@@ -6563,7 +6096,7 @@
       </p:pic>
       <p:pic>
         <p:nvPicPr>
-          <p:cNvPr id="135" name="Picture 22" descr=""/>
+          <p:cNvPr id="129" name="Picture 22" descr=""/>
           <p:cNvPicPr/>
           <p:nvPr/>
         </p:nvPicPr>
@@ -6574,7 +6107,7 @@
         <p:spPr>
           <a:xfrm>
             <a:off x="5331240" y="4996800"/>
-            <a:ext cx="1490760" cy="1490760"/>
+            <a:ext cx="1490400" cy="1490400"/>
           </a:xfrm>
           <a:prstGeom prst="rect">
             <a:avLst/>
@@ -6586,7 +6119,7 @@
       </p:pic>
       <p:pic>
         <p:nvPicPr>
-          <p:cNvPr id="136" name="Picture 23" descr=""/>
+          <p:cNvPr id="130" name="Picture 23" descr=""/>
           <p:cNvPicPr/>
           <p:nvPr/>
         </p:nvPicPr>
@@ -6597,7 +6130,7 @@
         <p:spPr>
           <a:xfrm>
             <a:off x="9069840" y="4983480"/>
-            <a:ext cx="1490760" cy="1486440"/>
+            <a:ext cx="1490400" cy="1486080"/>
           </a:xfrm>
           <a:prstGeom prst="rect">
             <a:avLst/>
@@ -6639,14 +6172,14 @@
       </p:grpSpPr>
       <p:sp>
         <p:nvSpPr>
-          <p:cNvPr id="137" name="TextShape 1"/>
-          <p:cNvSpPr txBox="1"/>
+          <p:cNvPr id="131" name="CustomShape 1"/>
+          <p:cNvSpPr/>
           <p:nvPr/>
         </p:nvSpPr>
         <p:spPr>
           <a:xfrm>
             <a:off x="581040" y="702000"/>
-            <a:ext cx="11029320" cy="1013400"/>
+            <a:ext cx="11028960" cy="1013040"/>
           </a:xfrm>
           <a:prstGeom prst="rect">
             <a:avLst/>
@@ -6656,8 +6189,14 @@
             <a:noFill/>
           </a:ln>
         </p:spPr>
-        <p:txBody>
-          <a:bodyPr anchor="b">
+        <p:style>
+          <a:lnRef idx="0"/>
+          <a:fillRef idx="0"/>
+          <a:effectRef idx="0"/>
+          <a:fontRef idx="minor"/>
+        </p:style>
+        <p:txBody>
+          <a:bodyPr lIns="90000" rIns="90000" tIns="45000" bIns="45000" anchor="b">
             <a:noAutofit/>
           </a:bodyPr>
           <a:p>
@@ -6685,23 +6224,20 @@
               <a:t>rimerjava ca pri obeh metodah v odvisnosti od predprocesiranja</a:t>
             </a:r>
             <a:endParaRPr b="0" lang="en-US" sz="2800" spc="-1" strike="noStrike">
-              <a:solidFill>
-                <a:srgbClr val="000000"/>
-              </a:solidFill>
-              <a:latin typeface="Gill Sans MT"/>
+              <a:latin typeface="Arial"/>
             </a:endParaRPr>
           </a:p>
         </p:txBody>
       </p:sp>
       <p:graphicFrame>
         <p:nvGraphicFramePr>
-          <p:cNvPr id="138" name="Table 2"/>
+          <p:cNvPr id="132" name="Table 2"/>
           <p:cNvGraphicFramePr/>
           <p:nvPr/>
         </p:nvGraphicFramePr>
         <p:xfrm>
           <a:off x="581040" y="2181240"/>
-          <a:ext cx="11029680" cy="3439080"/>
+          <a:ext cx="11029320" cy="3438720"/>
         </p:xfrm>
         <a:graphic>
           <a:graphicData uri="http://schemas.openxmlformats.org/drawingml/2006/table">
@@ -6897,7 +6433,7 @@
                 </a:tc>
                 <a:tc>
                   <a:txBody>
-                    <a:bodyPr anchor="ctr">
+                    <a:bodyPr>
                       <a:noAutofit/>
                     </a:bodyPr>
                     <a:p>
@@ -6913,7 +6449,7 @@
                           </a:solidFill>
                           <a:latin typeface="Gill Sans MT"/>
                         </a:rPr>
-                        <a:t>MP: 0.6125</a:t>
+                        <a:t>MP: 65.25%</a:t>
                       </a:r>
                       <a:endParaRPr b="0" lang="en-US" sz="1800" spc="-1" strike="noStrike">
                         <a:latin typeface="Arial"/>
@@ -6932,7 +6468,7 @@
                           </a:solidFill>
                           <a:latin typeface="Gill Sans MT"/>
                         </a:rPr>
-                        <a:t>SVD(max):  0.6575</a:t>
+                        <a:t>SVD(max):  69.875%</a:t>
                       </a:r>
                       <a:endParaRPr b="0" lang="en-US" sz="1800" spc="-1" strike="noStrike">
                         <a:latin typeface="Arial"/>
@@ -6967,7 +6503,7 @@
                 </a:tc>
                 <a:tc>
                   <a:txBody>
-                    <a:bodyPr anchor="ctr">
+                    <a:bodyPr>
                       <a:noAutofit/>
                     </a:bodyPr>
                     <a:p>
@@ -6986,7 +6522,7 @@
                           </a:solidFill>
                           <a:latin typeface="Gill Sans MT"/>
                         </a:rPr>
-                        <a:t>MP: 0.57875</a:t>
+                        <a:t>MP: 59.875%</a:t>
                       </a:r>
                       <a:endParaRPr b="0" lang="en-US" sz="1800" spc="-1" strike="noStrike">
                         <a:latin typeface="Arial"/>
@@ -7008,7 +6544,7 @@
                           </a:solidFill>
                           <a:latin typeface="Gill Sans MT"/>
                         </a:rPr>
-                        <a:t>SVD(max): 0.63750</a:t>
+                        <a:t>SVD(max): 64.125%</a:t>
                       </a:r>
                       <a:endParaRPr b="0" lang="en-US" sz="1800" spc="-1" strike="noStrike">
                         <a:latin typeface="Arial"/>
@@ -7109,7 +6645,7 @@
                 </a:tc>
                 <a:tc>
                   <a:txBody>
-                    <a:bodyPr anchor="ctr">
+                    <a:bodyPr>
                       <a:noAutofit/>
                     </a:bodyPr>
                     <a:p>
@@ -7125,7 +6661,7 @@
                           </a:solidFill>
                           <a:latin typeface="Gill Sans MT"/>
                         </a:rPr>
-                        <a:t>MP: 0.69875</a:t>
+                        <a:t>MP: 71.625%</a:t>
                       </a:r>
                       <a:endParaRPr b="0" lang="en-US" sz="1800" spc="-1" strike="noStrike">
                         <a:latin typeface="Arial"/>
@@ -7144,7 +6680,7 @@
                           </a:solidFill>
                           <a:latin typeface="Gill Sans MT"/>
                         </a:rPr>
-                        <a:t>SVD(max): 0.72875</a:t>
+                        <a:t>SVD(max): 76.875%</a:t>
                       </a:r>
                       <a:endParaRPr b="0" lang="en-US" sz="1800" spc="-1" strike="noStrike">
                         <a:latin typeface="Arial"/>
@@ -7189,7 +6725,7 @@
                 </a:tc>
                 <a:tc>
                   <a:txBody>
-                    <a:bodyPr anchor="ctr">
+                    <a:bodyPr>
                       <a:noAutofit/>
                     </a:bodyPr>
                     <a:p>
@@ -7205,7 +6741,7 @@
                           </a:solidFill>
                           <a:latin typeface="Gill Sans MT"/>
                         </a:rPr>
-                        <a:t>MP: 0.64500</a:t>
+                        <a:t>MP: 61.375%</a:t>
                       </a:r>
                       <a:endParaRPr b="0" lang="en-US" sz="1800" spc="-1" strike="noStrike">
                         <a:latin typeface="Arial"/>
@@ -7224,7 +6760,7 @@
                           </a:solidFill>
                           <a:latin typeface="Gill Sans MT"/>
                         </a:rPr>
-                        <a:t>SVD(max): 0.68125</a:t>
+                        <a:t>SVD(max): 68.25%</a:t>
                       </a:r>
                       <a:endParaRPr b="0" lang="en-US" sz="1800" spc="-1" strike="noStrike">
                         <a:latin typeface="Arial"/>
@@ -7304,14 +6840,14 @@
       </p:grpSpPr>
       <p:sp>
         <p:nvSpPr>
-          <p:cNvPr id="139" name="TextShape 1"/>
-          <p:cNvSpPr txBox="1"/>
+          <p:cNvPr id="133" name="CustomShape 1"/>
+          <p:cNvSpPr/>
           <p:nvPr/>
         </p:nvSpPr>
         <p:spPr>
           <a:xfrm>
             <a:off x="581040" y="702000"/>
-            <a:ext cx="11029320" cy="1013400"/>
+            <a:ext cx="11028960" cy="1013040"/>
           </a:xfrm>
           <a:prstGeom prst="rect">
             <a:avLst/>
@@ -7321,8 +6857,14 @@
             <a:noFill/>
           </a:ln>
         </p:spPr>
-        <p:txBody>
-          <a:bodyPr anchor="b">
+        <p:style>
+          <a:lnRef idx="0"/>
+          <a:fillRef idx="0"/>
+          <a:effectRef idx="0"/>
+          <a:fontRef idx="minor"/>
+        </p:style>
+        <p:txBody>
+          <a:bodyPr lIns="90000" rIns="90000" tIns="45000" bIns="45000" anchor="b">
             <a:noAutofit/>
           </a:bodyPr>
           <a:p>
@@ -7350,23 +6892,20 @@
               <a:t>rimerjava ca pri obeh metodah v odvisnosti od predprocesiranja (30 slik iz spleta)</a:t>
             </a:r>
             <a:endParaRPr b="0" lang="en-US" sz="2800" spc="-1" strike="noStrike">
-              <a:solidFill>
-                <a:srgbClr val="000000"/>
-              </a:solidFill>
-              <a:latin typeface="Gill Sans MT"/>
+              <a:latin typeface="Arial"/>
             </a:endParaRPr>
           </a:p>
         </p:txBody>
       </p:sp>
       <p:graphicFrame>
         <p:nvGraphicFramePr>
-          <p:cNvPr id="140" name="Table 2"/>
+          <p:cNvPr id="134" name="Table 2"/>
           <p:cNvGraphicFramePr/>
           <p:nvPr/>
         </p:nvGraphicFramePr>
         <p:xfrm>
           <a:off x="581040" y="2181240"/>
-          <a:ext cx="11029680" cy="3439080"/>
+          <a:ext cx="11029320" cy="3438720"/>
         </p:xfrm>
         <a:graphic>
           <a:graphicData uri="http://schemas.openxmlformats.org/drawingml/2006/table">
@@ -7562,7 +7101,7 @@
                 </a:tc>
                 <a:tc>
                   <a:txBody>
-                    <a:bodyPr anchor="ctr">
+                    <a:bodyPr>
                       <a:noAutofit/>
                     </a:bodyPr>
                     <a:p>
@@ -7632,7 +7171,7 @@
                 </a:tc>
                 <a:tc>
                   <a:txBody>
-                    <a:bodyPr anchor="ctr">
+                    <a:bodyPr>
                       <a:noAutofit/>
                     </a:bodyPr>
                     <a:p>
@@ -7774,7 +7313,7 @@
                 </a:tc>
                 <a:tc>
                   <a:txBody>
-                    <a:bodyPr anchor="ctr">
+                    <a:bodyPr>
                       <a:noAutofit/>
                     </a:bodyPr>
                     <a:p>
@@ -7854,7 +7393,7 @@
                 </a:tc>
                 <a:tc>
                   <a:txBody>
-                    <a:bodyPr anchor="ctr">
+                    <a:bodyPr>
                       <a:noAutofit/>
                     </a:bodyPr>
                     <a:p>
@@ -7969,14 +7508,14 @@
       </p:grpSpPr>
       <p:sp>
         <p:nvSpPr>
-          <p:cNvPr id="141" name="TextShape 1"/>
-          <p:cNvSpPr txBox="1"/>
+          <p:cNvPr id="135" name="CustomShape 1"/>
+          <p:cNvSpPr/>
           <p:nvPr/>
         </p:nvSpPr>
         <p:spPr>
           <a:xfrm>
             <a:off x="581040" y="702000"/>
-            <a:ext cx="11029320" cy="1013400"/>
+            <a:ext cx="11028960" cy="1013040"/>
           </a:xfrm>
           <a:prstGeom prst="rect">
             <a:avLst/>
@@ -7986,8 +7525,14 @@
             <a:noFill/>
           </a:ln>
         </p:spPr>
-        <p:txBody>
-          <a:bodyPr anchor="b">
+        <p:style>
+          <a:lnRef idx="0"/>
+          <a:fillRef idx="0"/>
+          <a:effectRef idx="0"/>
+          <a:fontRef idx="minor"/>
+        </p:style>
+        <p:txBody>
+          <a:bodyPr lIns="90000" rIns="90000" tIns="45000" bIns="45000" anchor="b">
             <a:noAutofit/>
           </a:bodyPr>
           <a:p>
@@ -8033,17 +7578,14 @@
               <a:t>k (primer: Bilinear interpolation, centriranje in normalizacija)</a:t>
             </a:r>
             <a:endParaRPr b="0" lang="en-US" sz="2800" spc="-1" strike="noStrike">
-              <a:solidFill>
-                <a:srgbClr val="000000"/>
-              </a:solidFill>
-              <a:latin typeface="Gill Sans MT"/>
+              <a:latin typeface="Arial"/>
             </a:endParaRPr>
           </a:p>
         </p:txBody>
       </p:sp>
       <p:pic>
         <p:nvPicPr>
-          <p:cNvPr id="142" name="Content Placeholder 6" descr=""/>
+          <p:cNvPr id="136" name="Content Placeholder 6" descr=""/>
           <p:cNvPicPr/>
           <p:nvPr/>
         </p:nvPicPr>
@@ -8054,7 +7596,7 @@
         <p:spPr>
           <a:xfrm>
             <a:off x="4395600" y="2578320"/>
-            <a:ext cx="3400560" cy="2724120"/>
+            <a:ext cx="3400200" cy="2723760"/>
           </a:xfrm>
           <a:prstGeom prst="rect">
             <a:avLst/>
@@ -8066,7 +7608,7 @@
       </p:pic>
       <p:pic>
         <p:nvPicPr>
-          <p:cNvPr id="143" name="Picture 4" descr=""/>
+          <p:cNvPr id="137" name="Picture 4" descr=""/>
           <p:cNvPicPr/>
           <p:nvPr/>
         </p:nvPicPr>
@@ -8078,7 +7620,7 @@
         <p:spPr>
           <a:xfrm>
             <a:off x="957960" y="2573640"/>
-            <a:ext cx="3409920" cy="2724120"/>
+            <a:ext cx="3409560" cy="2723760"/>
           </a:xfrm>
           <a:prstGeom prst="rect">
             <a:avLst/>
@@ -8090,7 +7632,7 @@
       </p:pic>
       <p:pic>
         <p:nvPicPr>
-          <p:cNvPr id="144" name="Picture 5" descr=""/>
+          <p:cNvPr id="138" name="Picture 5" descr=""/>
           <p:cNvPicPr/>
           <p:nvPr/>
         </p:nvPicPr>
@@ -8102,7 +7644,7 @@
         <p:spPr>
           <a:xfrm>
             <a:off x="7823520" y="2578320"/>
-            <a:ext cx="3429000" cy="2724120"/>
+            <a:ext cx="3428640" cy="2723760"/>
           </a:xfrm>
           <a:prstGeom prst="rect">
             <a:avLst/>
@@ -8144,14 +7686,14 @@
       </p:grpSpPr>
       <p:sp>
         <p:nvSpPr>
-          <p:cNvPr id="145" name="TextShape 1"/>
-          <p:cNvSpPr txBox="1"/>
+          <p:cNvPr id="139" name="CustomShape 1"/>
+          <p:cNvSpPr/>
           <p:nvPr/>
         </p:nvSpPr>
         <p:spPr>
           <a:xfrm>
             <a:off x="581040" y="702000"/>
-            <a:ext cx="11029320" cy="1013400"/>
+            <a:ext cx="11028960" cy="1013040"/>
           </a:xfrm>
           <a:prstGeom prst="rect">
             <a:avLst/>
@@ -8161,8 +7703,14 @@
             <a:noFill/>
           </a:ln>
         </p:spPr>
-        <p:txBody>
-          <a:bodyPr anchor="b">
+        <p:style>
+          <a:lnRef idx="0"/>
+          <a:fillRef idx="0"/>
+          <a:effectRef idx="0"/>
+          <a:fontRef idx="minor"/>
+        </p:style>
+        <p:txBody>
+          <a:bodyPr lIns="90000" rIns="90000" tIns="45000" bIns="45000" anchor="b">
             <a:noAutofit/>
           </a:bodyPr>
           <a:p>
@@ -8181,24 +7729,21 @@
               <a:t>Napake pri računanju za posamezne števke</a:t>
             </a:r>
             <a:endParaRPr b="0" lang="en-US" sz="2800" spc="-1" strike="noStrike">
-              <a:solidFill>
-                <a:srgbClr val="000000"/>
-              </a:solidFill>
-              <a:latin typeface="Gill Sans MT"/>
-            </a:endParaRPr>
-          </a:p>
-        </p:txBody>
-      </p:sp>
-      <p:sp>
-        <p:nvSpPr>
-          <p:cNvPr id="146" name="CustomShape 2"/>
+              <a:latin typeface="Arial"/>
+            </a:endParaRPr>
+          </a:p>
+        </p:txBody>
+      </p:sp>
+      <p:sp>
+        <p:nvSpPr>
+          <p:cNvPr id="140" name="CustomShape 2"/>
           <p:cNvSpPr/>
           <p:nvPr/>
         </p:nvSpPr>
         <p:spPr>
           <a:xfrm>
             <a:off x="1252800" y="5571000"/>
-            <a:ext cx="1828440" cy="1064520"/>
+            <a:ext cx="1828080" cy="1064520"/>
           </a:xfrm>
           <a:prstGeom prst="rect">
             <a:avLst/>
@@ -8230,6 +7775,7 @@
                   <a:srgbClr val="000000"/>
                 </a:solidFill>
                 <a:latin typeface="Gill Sans MT"/>
+                <a:ea typeface="DejaVu Sans"/>
               </a:rPr>
               <a:t>Števka: 0</a:t>
             </a:r>
@@ -8241,14 +7787,14 @@
       </p:sp>
       <p:sp>
         <p:nvSpPr>
-          <p:cNvPr id="147" name="CustomShape 3"/>
+          <p:cNvPr id="141" name="CustomShape 3"/>
           <p:cNvSpPr/>
           <p:nvPr/>
         </p:nvSpPr>
         <p:spPr>
           <a:xfrm>
             <a:off x="5011200" y="5571000"/>
-            <a:ext cx="2169360" cy="577800"/>
+            <a:ext cx="2169000" cy="577440"/>
           </a:xfrm>
           <a:prstGeom prst="rect">
             <a:avLst/>
@@ -8280,6 +7826,7 @@
                   <a:srgbClr val="000000"/>
                 </a:solidFill>
                 <a:latin typeface="Gill Sans MT"/>
+                <a:ea typeface="DejaVu Sans"/>
               </a:rPr>
               <a:t>Števka: 4</a:t>
             </a:r>
@@ -8291,14 +7838,14 @@
       </p:sp>
       <p:sp>
         <p:nvSpPr>
-          <p:cNvPr id="148" name="CustomShape 4"/>
+          <p:cNvPr id="142" name="CustomShape 4"/>
           <p:cNvSpPr/>
           <p:nvPr/>
         </p:nvSpPr>
         <p:spPr>
           <a:xfrm>
             <a:off x="9110520" y="5571000"/>
-            <a:ext cx="1828440" cy="1064520"/>
+            <a:ext cx="1828080" cy="1064520"/>
           </a:xfrm>
           <a:prstGeom prst="rect">
             <a:avLst/>
@@ -8330,6 +7877,7 @@
                   <a:srgbClr val="000000"/>
                 </a:solidFill>
                 <a:latin typeface="Gill Sans MT"/>
+                <a:ea typeface="DejaVu Sans"/>
               </a:rPr>
               <a:t>Števka: 5</a:t>
             </a:r>
@@ -8341,7 +7889,7 @@
       </p:sp>
       <p:pic>
         <p:nvPicPr>
-          <p:cNvPr id="149" name="Picture 8" descr=""/>
+          <p:cNvPr id="143" name="Picture 8" descr=""/>
           <p:cNvPicPr/>
           <p:nvPr/>
         </p:nvPicPr>
@@ -8353,7 +7901,7 @@
         <p:spPr>
           <a:xfrm>
             <a:off x="295560" y="2684520"/>
-            <a:ext cx="3742920" cy="2903760"/>
+            <a:ext cx="3742560" cy="2903400"/>
           </a:xfrm>
           <a:prstGeom prst="rect">
             <a:avLst/>
@@ -8365,7 +7913,7 @@
       </p:pic>
       <p:pic>
         <p:nvPicPr>
-          <p:cNvPr id="150" name="Picture 10" descr=""/>
+          <p:cNvPr id="144" name="Picture 10" descr=""/>
           <p:cNvPicPr/>
           <p:nvPr/>
         </p:nvPicPr>
@@ -8376,7 +7924,7 @@
         <p:spPr>
           <a:xfrm>
             <a:off x="4224240" y="2684520"/>
-            <a:ext cx="3742920" cy="2903760"/>
+            <a:ext cx="3742560" cy="2903400"/>
           </a:xfrm>
           <a:prstGeom prst="rect">
             <a:avLst/>
@@ -8388,7 +7936,7 @@
       </p:pic>
       <p:pic>
         <p:nvPicPr>
-          <p:cNvPr id="151" name="Picture 9" descr=""/>
+          <p:cNvPr id="145" name="Picture 9" descr=""/>
           <p:cNvPicPr/>
           <p:nvPr/>
         </p:nvPicPr>
@@ -8399,7 +7947,7 @@
         <p:spPr>
           <a:xfrm>
             <a:off x="8152920" y="2684520"/>
-            <a:ext cx="3742920" cy="2903760"/>
+            <a:ext cx="3742560" cy="2903400"/>
           </a:xfrm>
           <a:prstGeom prst="rect">
             <a:avLst/>

--- a/Prepoznavanje ročno napisanih števk.pptx
+++ b/Prepoznavanje ročno napisanih števk.pptx
@@ -70,7 +70,13 @@
               <a:rPr b="0" lang="en-US" sz="4400" spc="-1" strike="noStrike">
                 <a:latin typeface="Arial"/>
               </a:rPr>
-              <a:t>Click to move the slide</a:t>
+              <a:t>Click to move </a:t>
+            </a:r>
+            <a:r>
+              <a:rPr b="0" lang="en-US" sz="4400" spc="-1" strike="noStrike">
+                <a:latin typeface="Arial"/>
+              </a:rPr>
+              <a:t>the slide</a:t>
             </a:r>
             <a:endParaRPr b="0" lang="en-US" sz="4400" spc="-1" strike="noStrike">
               <a:latin typeface="Arial"/>
@@ -248,7 +254,7 @@
           </a:bodyPr>
           <a:p>
             <a:pPr algn="r"/>
-            <a:fld id="{65236CE4-8705-4356-8266-4F263B77566C}" type="slidenum">
+            <a:fld id="{0BF54CB7-4818-4B8D-A795-BA895406C5C2}" type="slidenum">
               <a:rPr b="0" lang="en-US" sz="1400" spc="-1" strike="noStrike">
                 <a:latin typeface="Times New Roman"/>
               </a:rPr>
@@ -285,7 +291,7 @@
       </p:grpSpPr>
       <p:sp>
         <p:nvSpPr>
-          <p:cNvPr id="146" name="PlaceHolder 1"/>
+          <p:cNvPr id="147" name="PlaceHolder 1"/>
           <p:cNvSpPr>
             <a:spLocks noGrp="1"/>
           </p:cNvSpPr>
@@ -305,7 +311,7 @@
       </p:sp>
       <p:sp>
         <p:nvSpPr>
-          <p:cNvPr id="147" name="PlaceHolder 2"/>
+          <p:cNvPr id="148" name="PlaceHolder 2"/>
           <p:cNvSpPr>
             <a:spLocks noGrp="1"/>
           </p:cNvSpPr>
@@ -335,7 +341,7 @@
       </p:sp>
       <p:sp>
         <p:nvSpPr>
-          <p:cNvPr id="148" name="CustomShape 3"/>
+          <p:cNvPr id="149" name="CustomShape 3"/>
           <p:cNvSpPr/>
           <p:nvPr/>
         </p:nvSpPr>
@@ -368,7 +374,7 @@
                 <a:spcPct val="100000"/>
               </a:lnSpc>
             </a:pPr>
-            <a:fld id="{998AC0A8-D7D2-4ACF-AE65-7E58E97A9A40}" type="slidenum">
+            <a:fld id="{93218EEE-71CF-48E3-8D98-3647AB4DD7A6}" type="slidenum">
               <a:rPr b="0" lang="en-US" sz="1200" spc="-1" strike="noStrike">
                 <a:latin typeface="Times New Roman"/>
               </a:rPr>
@@ -3321,13 +3327,7 @@
               <a:rPr b="0" lang="en-US" sz="1800" spc="-1" strike="noStrike">
                 <a:latin typeface="Arial"/>
               </a:rPr>
-              <a:t>Click to edit the title text </a:t>
-            </a:r>
-            <a:r>
-              <a:rPr b="0" lang="en-US" sz="1800" spc="-1" strike="noStrike">
-                <a:latin typeface="Arial"/>
-              </a:rPr>
-              <a:t>format</a:t>
+              <a:t>Click to edit the title text format</a:t>
             </a:r>
             <a:endParaRPr b="0" lang="en-US" sz="1800" spc="-1" strike="noStrike">
               <a:latin typeface="Arial"/>
@@ -3374,7 +3374,13 @@
               <a:rPr b="0" lang="en-US" sz="3200" spc="-1" strike="noStrike">
                 <a:latin typeface="Arial"/>
               </a:rPr>
-              <a:t>Click to edit the outline text format</a:t>
+              <a:t>Click to edit the outline </a:t>
+            </a:r>
+            <a:r>
+              <a:rPr b="0" lang="en-US" sz="3200" spc="-1" strike="noStrike">
+                <a:latin typeface="Arial"/>
+              </a:rPr>
+              <a:t>text format</a:t>
             </a:r>
             <a:endParaRPr b="0" lang="en-US" sz="3200" spc="-1" strike="noStrike">
               <a:latin typeface="Arial"/>
@@ -3506,7 +3512,13 @@
               <a:rPr b="0" lang="en-US" sz="2000" spc="-1" strike="noStrike">
                 <a:latin typeface="Arial"/>
               </a:rPr>
-              <a:t>Seventh Outline Level</a:t>
+              <a:t>Seventh Outline </a:t>
+            </a:r>
+            <a:r>
+              <a:rPr b="0" lang="en-US" sz="2000" spc="-1" strike="noStrike">
+                <a:latin typeface="Arial"/>
+              </a:rPr>
+              <a:t>Level</a:t>
             </a:r>
             <a:endParaRPr b="0" lang="en-US" sz="2000" spc="-1" strike="noStrike">
               <a:latin typeface="Arial"/>
@@ -3759,7 +3771,19 @@
               <a:rPr b="0" lang="en-US" sz="4400" spc="-1" strike="noStrike">
                 <a:latin typeface="Arial"/>
               </a:rPr>
-              <a:t>Click to edit the title text format</a:t>
+              <a:t>Click to edit </a:t>
+            </a:r>
+            <a:r>
+              <a:rPr b="0" lang="en-US" sz="4400" spc="-1" strike="noStrike">
+                <a:latin typeface="Arial"/>
+              </a:rPr>
+              <a:t>the title text </a:t>
+            </a:r>
+            <a:r>
+              <a:rPr b="0" lang="en-US" sz="4400" spc="-1" strike="noStrike">
+                <a:latin typeface="Arial"/>
+              </a:rPr>
+              <a:t>format</a:t>
             </a:r>
             <a:endParaRPr b="0" lang="en-US" sz="4400" spc="-1" strike="noStrike">
               <a:latin typeface="Arial"/>
@@ -5162,7 +5186,7 @@
         <p:spPr>
           <a:xfrm>
             <a:off x="581040" y="2180520"/>
-            <a:ext cx="11028960" cy="3677760"/>
+            <a:ext cx="5650920" cy="3677760"/>
           </a:xfrm>
           <a:prstGeom prst="rect">
             <a:avLst/>
@@ -5485,8 +5509,8 @@
         </p:blipFill>
         <p:spPr>
           <a:xfrm>
-            <a:off x="1280880" y="3351240"/>
-            <a:ext cx="3018600" cy="389880"/>
+            <a:off x="6258600" y="2416680"/>
+            <a:ext cx="5354280" cy="692280"/>
           </a:xfrm>
           <a:prstGeom prst="rect">
             <a:avLst/>
@@ -5508,8 +5532,8 @@
         </p:blipFill>
         <p:spPr>
           <a:xfrm>
-            <a:off x="1280880" y="5439600"/>
-            <a:ext cx="3885480" cy="418320"/>
+            <a:off x="6231960" y="4543920"/>
+            <a:ext cx="5354280" cy="576720"/>
           </a:xfrm>
           <a:prstGeom prst="rect">
             <a:avLst/>
@@ -5519,6 +5543,37 @@
           </a:ln>
         </p:spPr>
       </p:pic>
+      <p:sp>
+        <p:nvSpPr>
+          <p:cNvPr id="122" name="TextShape 3"/>
+          <p:cNvSpPr txBox="1"/>
+          <p:nvPr/>
+        </p:nvSpPr>
+        <p:spPr>
+          <a:xfrm>
+            <a:off x="609480" y="273600"/>
+            <a:ext cx="10972440" cy="1144800"/>
+          </a:xfrm>
+          <a:prstGeom prst="rect">
+            <a:avLst/>
+          </a:prstGeom>
+          <a:noFill/>
+          <a:ln>
+            <a:noFill/>
+          </a:ln>
+        </p:spPr>
+        <p:txBody>
+          <a:bodyPr lIns="0" rIns="0" tIns="0" bIns="0" anchor="ctr">
+            <a:noAutofit/>
+          </a:bodyPr>
+          <a:p>
+            <a:pPr algn="ctr"/>
+            <a:endParaRPr b="0" lang="en-US" sz="4400" spc="-1" strike="noStrike">
+              <a:latin typeface="Arial"/>
+            </a:endParaRPr>
+          </a:p>
+        </p:txBody>
+      </p:sp>
     </p:spTree>
   </p:cSld>
   <mc:AlternateContent>
@@ -5551,7 +5606,7 @@
       </p:grpSpPr>
       <p:sp>
         <p:nvSpPr>
-          <p:cNvPr id="122" name="CustomShape 1"/>
+          <p:cNvPr id="123" name="CustomShape 1"/>
           <p:cNvSpPr/>
           <p:nvPr/>
         </p:nvSpPr>
@@ -5601,7 +5656,7 @@
       </p:sp>
       <p:sp>
         <p:nvSpPr>
-          <p:cNvPr id="123" name="CustomShape 2"/>
+          <p:cNvPr id="124" name="CustomShape 2"/>
           <p:cNvSpPr/>
           <p:nvPr/>
         </p:nvSpPr>
@@ -5660,7 +5715,7 @@
       </p:sp>
       <p:graphicFrame>
         <p:nvGraphicFramePr>
-          <p:cNvPr id="124" name="Table 3"/>
+          <p:cNvPr id="125" name="Table 3"/>
           <p:cNvGraphicFramePr/>
           <p:nvPr/>
         </p:nvGraphicFramePr>
@@ -6004,7 +6059,7 @@
       </p:graphicFrame>
       <p:pic>
         <p:nvPicPr>
-          <p:cNvPr id="125" name="Picture 18" descr=""/>
+          <p:cNvPr id="126" name="Picture 18" descr=""/>
           <p:cNvPicPr/>
           <p:nvPr/>
         </p:nvPicPr>
@@ -6027,7 +6082,7 @@
       </p:pic>
       <p:pic>
         <p:nvPicPr>
-          <p:cNvPr id="126" name="Picture 19" descr=""/>
+          <p:cNvPr id="127" name="Picture 19" descr=""/>
           <p:cNvPicPr/>
           <p:nvPr/>
         </p:nvPicPr>
@@ -6050,7 +6105,7 @@
       </p:pic>
       <p:pic>
         <p:nvPicPr>
-          <p:cNvPr id="127" name="Picture 20" descr=""/>
+          <p:cNvPr id="128" name="Picture 20" descr=""/>
           <p:cNvPicPr/>
           <p:nvPr/>
         </p:nvPicPr>
@@ -6073,7 +6128,7 @@
       </p:pic>
       <p:pic>
         <p:nvPicPr>
-          <p:cNvPr id="128" name="Picture 21" descr=""/>
+          <p:cNvPr id="129" name="Picture 21" descr=""/>
           <p:cNvPicPr/>
           <p:nvPr/>
         </p:nvPicPr>
@@ -6096,7 +6151,7 @@
       </p:pic>
       <p:pic>
         <p:nvPicPr>
-          <p:cNvPr id="129" name="Picture 22" descr=""/>
+          <p:cNvPr id="130" name="Picture 22" descr=""/>
           <p:cNvPicPr/>
           <p:nvPr/>
         </p:nvPicPr>
@@ -6119,7 +6174,7 @@
       </p:pic>
       <p:pic>
         <p:nvPicPr>
-          <p:cNvPr id="130" name="Picture 23" descr=""/>
+          <p:cNvPr id="131" name="Picture 23" descr=""/>
           <p:cNvPicPr/>
           <p:nvPr/>
         </p:nvPicPr>
@@ -6172,7 +6227,7 @@
       </p:grpSpPr>
       <p:sp>
         <p:nvSpPr>
-          <p:cNvPr id="131" name="CustomShape 1"/>
+          <p:cNvPr id="132" name="CustomShape 1"/>
           <p:cNvSpPr/>
           <p:nvPr/>
         </p:nvSpPr>
@@ -6231,7 +6286,7 @@
       </p:sp>
       <p:graphicFrame>
         <p:nvGraphicFramePr>
-          <p:cNvPr id="132" name="Table 2"/>
+          <p:cNvPr id="133" name="Table 2"/>
           <p:cNvGraphicFramePr/>
           <p:nvPr/>
         </p:nvGraphicFramePr>
@@ -6840,7 +6895,7 @@
       </p:grpSpPr>
       <p:sp>
         <p:nvSpPr>
-          <p:cNvPr id="133" name="CustomShape 1"/>
+          <p:cNvPr id="134" name="CustomShape 1"/>
           <p:cNvSpPr/>
           <p:nvPr/>
         </p:nvSpPr>
@@ -6899,7 +6954,7 @@
       </p:sp>
       <p:graphicFrame>
         <p:nvGraphicFramePr>
-          <p:cNvPr id="134" name="Table 2"/>
+          <p:cNvPr id="135" name="Table 2"/>
           <p:cNvGraphicFramePr/>
           <p:nvPr/>
         </p:nvGraphicFramePr>
@@ -7508,7 +7563,7 @@
       </p:grpSpPr>
       <p:sp>
         <p:nvSpPr>
-          <p:cNvPr id="135" name="CustomShape 1"/>
+          <p:cNvPr id="136" name="CustomShape 1"/>
           <p:cNvSpPr/>
           <p:nvPr/>
         </p:nvSpPr>
@@ -7585,7 +7640,7 @@
       </p:sp>
       <p:pic>
         <p:nvPicPr>
-          <p:cNvPr id="136" name="Content Placeholder 6" descr=""/>
+          <p:cNvPr id="137" name="Content Placeholder 6" descr=""/>
           <p:cNvPicPr/>
           <p:nvPr/>
         </p:nvPicPr>
@@ -7608,7 +7663,7 @@
       </p:pic>
       <p:pic>
         <p:nvPicPr>
-          <p:cNvPr id="137" name="Picture 4" descr=""/>
+          <p:cNvPr id="138" name="Picture 4" descr=""/>
           <p:cNvPicPr/>
           <p:nvPr/>
         </p:nvPicPr>
@@ -7632,7 +7687,7 @@
       </p:pic>
       <p:pic>
         <p:nvPicPr>
-          <p:cNvPr id="138" name="Picture 5" descr=""/>
+          <p:cNvPr id="139" name="Picture 5" descr=""/>
           <p:cNvPicPr/>
           <p:nvPr/>
         </p:nvPicPr>
@@ -7686,7 +7741,7 @@
       </p:grpSpPr>
       <p:sp>
         <p:nvSpPr>
-          <p:cNvPr id="139" name="CustomShape 1"/>
+          <p:cNvPr id="140" name="CustomShape 1"/>
           <p:cNvSpPr/>
           <p:nvPr/>
         </p:nvSpPr>
@@ -7736,7 +7791,7 @@
       </p:sp>
       <p:sp>
         <p:nvSpPr>
-          <p:cNvPr id="140" name="CustomShape 2"/>
+          <p:cNvPr id="141" name="CustomShape 2"/>
           <p:cNvSpPr/>
           <p:nvPr/>
         </p:nvSpPr>
@@ -7787,7 +7842,7 @@
       </p:sp>
       <p:sp>
         <p:nvSpPr>
-          <p:cNvPr id="141" name="CustomShape 3"/>
+          <p:cNvPr id="142" name="CustomShape 3"/>
           <p:cNvSpPr/>
           <p:nvPr/>
         </p:nvSpPr>
@@ -7838,7 +7893,7 @@
       </p:sp>
       <p:sp>
         <p:nvSpPr>
-          <p:cNvPr id="142" name="CustomShape 4"/>
+          <p:cNvPr id="143" name="CustomShape 4"/>
           <p:cNvSpPr/>
           <p:nvPr/>
         </p:nvSpPr>
@@ -7889,7 +7944,7 @@
       </p:sp>
       <p:pic>
         <p:nvPicPr>
-          <p:cNvPr id="143" name="Picture 8" descr=""/>
+          <p:cNvPr id="144" name="Picture 8" descr=""/>
           <p:cNvPicPr/>
           <p:nvPr/>
         </p:nvPicPr>
@@ -7913,7 +7968,7 @@
       </p:pic>
       <p:pic>
         <p:nvPicPr>
-          <p:cNvPr id="144" name="Picture 10" descr=""/>
+          <p:cNvPr id="145" name="Picture 10" descr=""/>
           <p:cNvPicPr/>
           <p:nvPr/>
         </p:nvPicPr>
@@ -7936,7 +7991,7 @@
       </p:pic>
       <p:pic>
         <p:nvPicPr>
-          <p:cNvPr id="145" name="Picture 9" descr=""/>
+          <p:cNvPr id="146" name="Picture 9" descr=""/>
           <p:cNvPicPr/>
           <p:nvPr/>
         </p:nvPicPr>
